--- a/浏览器工作原理.pptx
+++ b/浏览器工作原理.pptx
@@ -5,13 +5,35 @@
     <p:sldMasterId id="2147483648" r:id="rId1"/>
   </p:sldMasterIdLst>
   <p:notesMasterIdLst>
-    <p:notesMasterId r:id="rId6"/>
+    <p:notesMasterId r:id="rId28"/>
   </p:notesMasterIdLst>
   <p:sldIdLst>
     <p:sldId id="397" r:id="rId2"/>
     <p:sldId id="406" r:id="rId3"/>
     <p:sldId id="407" r:id="rId4"/>
-    <p:sldId id="405" r:id="rId5"/>
+    <p:sldId id="408" r:id="rId5"/>
+    <p:sldId id="409" r:id="rId6"/>
+    <p:sldId id="410" r:id="rId7"/>
+    <p:sldId id="415" r:id="rId8"/>
+    <p:sldId id="416" r:id="rId9"/>
+    <p:sldId id="417" r:id="rId10"/>
+    <p:sldId id="418" r:id="rId11"/>
+    <p:sldId id="419" r:id="rId12"/>
+    <p:sldId id="420" r:id="rId13"/>
+    <p:sldId id="411" r:id="rId14"/>
+    <p:sldId id="412" r:id="rId15"/>
+    <p:sldId id="413" r:id="rId16"/>
+    <p:sldId id="421" r:id="rId17"/>
+    <p:sldId id="422" r:id="rId18"/>
+    <p:sldId id="423" r:id="rId19"/>
+    <p:sldId id="424" r:id="rId20"/>
+    <p:sldId id="414" r:id="rId21"/>
+    <p:sldId id="425" r:id="rId22"/>
+    <p:sldId id="426" r:id="rId23"/>
+    <p:sldId id="427" r:id="rId24"/>
+    <p:sldId id="428" r:id="rId25"/>
+    <p:sldId id="429" r:id="rId26"/>
+    <p:sldId id="405" r:id="rId27"/>
   </p:sldIdLst>
   <p:sldSz cx="12192000" cy="6858000"/>
   <p:notesSz cx="6858000" cy="9144000"/>
@@ -115,7 +137,7 @@
       <p15:sldGuideLst xmlns:p15="http://schemas.microsoft.com/office/powerpoint/2012/main"/>
     </p:ext>
     <p:ext uri="{505F2C04-C923-438B-8C0F-E0CD2BADF298}">
-      <wppc:fontMiss xmlns="" xmlns:wppc="http://www.wps.cn/officeDocument/PresentationCustomData" type="true"/>
+      <wppc:fontMiss xmlns:wppc="http://www.wps.cn/officeDocument/PresentationCustomData" xmlns="" type="true"/>
     </p:ext>
   </p:extLst>
 </p:presentation>
@@ -222,7 +244,7 @@
           <a:p>
             <a:fld id="{D2A48B96-639E-45A3-A0BA-2464DFDB1FAA}" type="datetimeFigureOut">
               <a:rPr lang="zh-CN" altLang="en-US" smtClean="0"/>
-              <a:t>2022/7/4</a:t>
+              <a:t>2022/7/7</a:t>
             </a:fld>
             <a:endParaRPr lang="zh-CN" altLang="en-US"/>
           </a:p>
@@ -618,6 +640,342 @@
 </p:notes>
 </file>
 
+<file path=ppt/notesSlides/notesSlide10.xml><?xml version="1.0" encoding="utf-8"?>
+<p:notes xmlns:a="http://schemas.openxmlformats.org/drawingml/2006/main" xmlns:r="http://schemas.openxmlformats.org/officeDocument/2006/relationships" xmlns:p="http://schemas.openxmlformats.org/presentationml/2006/main">
+  <p:cSld>
+    <p:spTree>
+      <p:nvGrpSpPr>
+        <p:cNvPr id="1" name=""/>
+        <p:cNvGrpSpPr/>
+        <p:nvPr/>
+      </p:nvGrpSpPr>
+      <p:grpSpPr>
+        <a:xfrm>
+          <a:off x="0" y="0"/>
+          <a:ext cx="0" cy="0"/>
+          <a:chOff x="0" y="0"/>
+          <a:chExt cx="0" cy="0"/>
+        </a:xfrm>
+      </p:grpSpPr>
+      <p:sp>
+        <p:nvSpPr>
+          <p:cNvPr id="2" name="幻灯片图像占位符 1"/>
+          <p:cNvSpPr>
+            <a:spLocks noGrp="1" noRot="1" noChangeAspect="1"/>
+          </p:cNvSpPr>
+          <p:nvPr>
+            <p:ph type="sldImg"/>
+          </p:nvPr>
+        </p:nvSpPr>
+        <p:spPr/>
+      </p:sp>
+      <p:sp>
+        <p:nvSpPr>
+          <p:cNvPr id="3" name="备注占位符 2"/>
+          <p:cNvSpPr>
+            <a:spLocks noGrp="1"/>
+          </p:cNvSpPr>
+          <p:nvPr>
+            <p:ph type="body" idx="1"/>
+          </p:nvPr>
+        </p:nvSpPr>
+        <p:spPr/>
+        <p:txBody>
+          <a:bodyPr/>
+          <a:lstStyle/>
+          <a:p>
+            <a:endParaRPr kumimoji="1" lang="zh-CN" altLang="en-US" dirty="0"/>
+          </a:p>
+        </p:txBody>
+      </p:sp>
+      <p:sp>
+        <p:nvSpPr>
+          <p:cNvPr id="4" name="灯片编号占位符 3"/>
+          <p:cNvSpPr>
+            <a:spLocks noGrp="1"/>
+          </p:cNvSpPr>
+          <p:nvPr>
+            <p:ph type="sldNum" sz="quarter" idx="5"/>
+          </p:nvPr>
+        </p:nvSpPr>
+        <p:spPr/>
+        <p:txBody>
+          <a:bodyPr/>
+          <a:lstStyle/>
+          <a:p>
+            <a:fld id="{A6837353-30EB-4A48-80EB-173D804AEFBD}" type="slidenum">
+              <a:rPr lang="zh-CN" altLang="en-US" smtClean="0"/>
+              <a:t>21</a:t>
+            </a:fld>
+            <a:endParaRPr lang="zh-CN" altLang="en-US"/>
+          </a:p>
+        </p:txBody>
+      </p:sp>
+    </p:spTree>
+    <p:extLst>
+      <p:ext uri="{BB962C8B-B14F-4D97-AF65-F5344CB8AC3E}">
+        <p14:creationId xmlns:p14="http://schemas.microsoft.com/office/powerpoint/2010/main" val="3881872580"/>
+      </p:ext>
+    </p:extLst>
+  </p:cSld>
+  <p:clrMapOvr>
+    <a:masterClrMapping/>
+  </p:clrMapOvr>
+</p:notes>
+</file>
+
+<file path=ppt/notesSlides/notesSlide11.xml><?xml version="1.0" encoding="utf-8"?>
+<p:notes xmlns:a="http://schemas.openxmlformats.org/drawingml/2006/main" xmlns:r="http://schemas.openxmlformats.org/officeDocument/2006/relationships" xmlns:p="http://schemas.openxmlformats.org/presentationml/2006/main">
+  <p:cSld>
+    <p:spTree>
+      <p:nvGrpSpPr>
+        <p:cNvPr id="1" name=""/>
+        <p:cNvGrpSpPr/>
+        <p:nvPr/>
+      </p:nvGrpSpPr>
+      <p:grpSpPr>
+        <a:xfrm>
+          <a:off x="0" y="0"/>
+          <a:ext cx="0" cy="0"/>
+          <a:chOff x="0" y="0"/>
+          <a:chExt cx="0" cy="0"/>
+        </a:xfrm>
+      </p:grpSpPr>
+      <p:sp>
+        <p:nvSpPr>
+          <p:cNvPr id="2" name="幻灯片图像占位符 1"/>
+          <p:cNvSpPr>
+            <a:spLocks noGrp="1" noRot="1" noChangeAspect="1"/>
+          </p:cNvSpPr>
+          <p:nvPr>
+            <p:ph type="sldImg"/>
+          </p:nvPr>
+        </p:nvSpPr>
+        <p:spPr/>
+      </p:sp>
+      <p:sp>
+        <p:nvSpPr>
+          <p:cNvPr id="3" name="备注占位符 2"/>
+          <p:cNvSpPr>
+            <a:spLocks noGrp="1"/>
+          </p:cNvSpPr>
+          <p:nvPr>
+            <p:ph type="body" idx="1"/>
+          </p:nvPr>
+        </p:nvSpPr>
+        <p:spPr/>
+        <p:txBody>
+          <a:bodyPr/>
+          <a:lstStyle/>
+          <a:p>
+            <a:endParaRPr kumimoji="1" lang="zh-CN" altLang="en-US" dirty="0"/>
+          </a:p>
+        </p:txBody>
+      </p:sp>
+      <p:sp>
+        <p:nvSpPr>
+          <p:cNvPr id="4" name="灯片编号占位符 3"/>
+          <p:cNvSpPr>
+            <a:spLocks noGrp="1"/>
+          </p:cNvSpPr>
+          <p:nvPr>
+            <p:ph type="sldNum" sz="quarter" idx="5"/>
+          </p:nvPr>
+        </p:nvSpPr>
+        <p:spPr/>
+        <p:txBody>
+          <a:bodyPr/>
+          <a:lstStyle/>
+          <a:p>
+            <a:fld id="{A6837353-30EB-4A48-80EB-173D804AEFBD}" type="slidenum">
+              <a:rPr lang="zh-CN" altLang="en-US" smtClean="0"/>
+              <a:t>22</a:t>
+            </a:fld>
+            <a:endParaRPr lang="zh-CN" altLang="en-US"/>
+          </a:p>
+        </p:txBody>
+      </p:sp>
+    </p:spTree>
+    <p:extLst>
+      <p:ext uri="{BB962C8B-B14F-4D97-AF65-F5344CB8AC3E}">
+        <p14:creationId xmlns:p14="http://schemas.microsoft.com/office/powerpoint/2010/main" val="2583543529"/>
+      </p:ext>
+    </p:extLst>
+  </p:cSld>
+  <p:clrMapOvr>
+    <a:masterClrMapping/>
+  </p:clrMapOvr>
+</p:notes>
+</file>
+
+<file path=ppt/notesSlides/notesSlide12.xml><?xml version="1.0" encoding="utf-8"?>
+<p:notes xmlns:a="http://schemas.openxmlformats.org/drawingml/2006/main" xmlns:r="http://schemas.openxmlformats.org/officeDocument/2006/relationships" xmlns:p="http://schemas.openxmlformats.org/presentationml/2006/main">
+  <p:cSld>
+    <p:spTree>
+      <p:nvGrpSpPr>
+        <p:cNvPr id="1" name=""/>
+        <p:cNvGrpSpPr/>
+        <p:nvPr/>
+      </p:nvGrpSpPr>
+      <p:grpSpPr>
+        <a:xfrm>
+          <a:off x="0" y="0"/>
+          <a:ext cx="0" cy="0"/>
+          <a:chOff x="0" y="0"/>
+          <a:chExt cx="0" cy="0"/>
+        </a:xfrm>
+      </p:grpSpPr>
+      <p:sp>
+        <p:nvSpPr>
+          <p:cNvPr id="2" name="幻灯片图像占位符 1"/>
+          <p:cNvSpPr>
+            <a:spLocks noGrp="1" noRot="1" noChangeAspect="1"/>
+          </p:cNvSpPr>
+          <p:nvPr>
+            <p:ph type="sldImg"/>
+          </p:nvPr>
+        </p:nvSpPr>
+        <p:spPr/>
+      </p:sp>
+      <p:sp>
+        <p:nvSpPr>
+          <p:cNvPr id="3" name="备注占位符 2"/>
+          <p:cNvSpPr>
+            <a:spLocks noGrp="1"/>
+          </p:cNvSpPr>
+          <p:nvPr>
+            <p:ph type="body" idx="1"/>
+          </p:nvPr>
+        </p:nvSpPr>
+        <p:spPr/>
+        <p:txBody>
+          <a:bodyPr/>
+          <a:lstStyle/>
+          <a:p>
+            <a:endParaRPr kumimoji="1" lang="zh-CN" altLang="en-US" dirty="0"/>
+          </a:p>
+        </p:txBody>
+      </p:sp>
+      <p:sp>
+        <p:nvSpPr>
+          <p:cNvPr id="4" name="灯片编号占位符 3"/>
+          <p:cNvSpPr>
+            <a:spLocks noGrp="1"/>
+          </p:cNvSpPr>
+          <p:nvPr>
+            <p:ph type="sldNum" sz="quarter" idx="5"/>
+          </p:nvPr>
+        </p:nvSpPr>
+        <p:spPr/>
+        <p:txBody>
+          <a:bodyPr/>
+          <a:lstStyle/>
+          <a:p>
+            <a:fld id="{A6837353-30EB-4A48-80EB-173D804AEFBD}" type="slidenum">
+              <a:rPr lang="zh-CN" altLang="en-US" smtClean="0"/>
+              <a:t>23</a:t>
+            </a:fld>
+            <a:endParaRPr lang="zh-CN" altLang="en-US"/>
+          </a:p>
+        </p:txBody>
+      </p:sp>
+    </p:spTree>
+    <p:extLst>
+      <p:ext uri="{BB962C8B-B14F-4D97-AF65-F5344CB8AC3E}">
+        <p14:creationId xmlns:p14="http://schemas.microsoft.com/office/powerpoint/2010/main" val="342026015"/>
+      </p:ext>
+    </p:extLst>
+  </p:cSld>
+  <p:clrMapOvr>
+    <a:masterClrMapping/>
+  </p:clrMapOvr>
+</p:notes>
+</file>
+
+<file path=ppt/notesSlides/notesSlide13.xml><?xml version="1.0" encoding="utf-8"?>
+<p:notes xmlns:a="http://schemas.openxmlformats.org/drawingml/2006/main" xmlns:r="http://schemas.openxmlformats.org/officeDocument/2006/relationships" xmlns:p="http://schemas.openxmlformats.org/presentationml/2006/main">
+  <p:cSld>
+    <p:spTree>
+      <p:nvGrpSpPr>
+        <p:cNvPr id="1" name=""/>
+        <p:cNvGrpSpPr/>
+        <p:nvPr/>
+      </p:nvGrpSpPr>
+      <p:grpSpPr>
+        <a:xfrm>
+          <a:off x="0" y="0"/>
+          <a:ext cx="0" cy="0"/>
+          <a:chOff x="0" y="0"/>
+          <a:chExt cx="0" cy="0"/>
+        </a:xfrm>
+      </p:grpSpPr>
+      <p:sp>
+        <p:nvSpPr>
+          <p:cNvPr id="2" name="幻灯片图像占位符 1"/>
+          <p:cNvSpPr>
+            <a:spLocks noGrp="1" noRot="1" noChangeAspect="1"/>
+          </p:cNvSpPr>
+          <p:nvPr>
+            <p:ph type="sldImg"/>
+          </p:nvPr>
+        </p:nvSpPr>
+        <p:spPr/>
+      </p:sp>
+      <p:sp>
+        <p:nvSpPr>
+          <p:cNvPr id="3" name="备注占位符 2"/>
+          <p:cNvSpPr>
+            <a:spLocks noGrp="1"/>
+          </p:cNvSpPr>
+          <p:nvPr>
+            <p:ph type="body" idx="1"/>
+          </p:nvPr>
+        </p:nvSpPr>
+        <p:spPr/>
+        <p:txBody>
+          <a:bodyPr/>
+          <a:lstStyle/>
+          <a:p>
+            <a:endParaRPr kumimoji="1" lang="zh-CN" altLang="en-US" dirty="0"/>
+          </a:p>
+        </p:txBody>
+      </p:sp>
+      <p:sp>
+        <p:nvSpPr>
+          <p:cNvPr id="4" name="灯片编号占位符 3"/>
+          <p:cNvSpPr>
+            <a:spLocks noGrp="1"/>
+          </p:cNvSpPr>
+          <p:nvPr>
+            <p:ph type="sldNum" sz="quarter" idx="5"/>
+          </p:nvPr>
+        </p:nvSpPr>
+        <p:spPr/>
+        <p:txBody>
+          <a:bodyPr/>
+          <a:lstStyle/>
+          <a:p>
+            <a:fld id="{A6837353-30EB-4A48-80EB-173D804AEFBD}" type="slidenum">
+              <a:rPr lang="zh-CN" altLang="en-US" smtClean="0"/>
+              <a:t>25</a:t>
+            </a:fld>
+            <a:endParaRPr lang="zh-CN" altLang="en-US"/>
+          </a:p>
+        </p:txBody>
+      </p:sp>
+    </p:spTree>
+    <p:extLst>
+      <p:ext uri="{BB962C8B-B14F-4D97-AF65-F5344CB8AC3E}">
+        <p14:creationId xmlns:p14="http://schemas.microsoft.com/office/powerpoint/2010/main" val="1187106506"/>
+      </p:ext>
+    </p:extLst>
+  </p:cSld>
+  <p:clrMapOvr>
+    <a:masterClrMapping/>
+  </p:clrMapOvr>
+</p:notes>
+</file>
+
 <file path=ppt/notesSlides/notesSlide2.xml><?xml version="1.0" encoding="utf-8"?>
 <p:notes xmlns:a="http://schemas.openxmlformats.org/drawingml/2006/main" xmlns:r="http://schemas.openxmlformats.org/officeDocument/2006/relationships" xmlns:p="http://schemas.openxmlformats.org/presentationml/2006/main">
   <p:cSld>
@@ -777,6 +1135,510 @@
     <p:extLst>
       <p:ext uri="{BB962C8B-B14F-4D97-AF65-F5344CB8AC3E}">
         <p14:creationId xmlns:p14="http://schemas.microsoft.com/office/powerpoint/2010/main" val="3959932634"/>
+      </p:ext>
+    </p:extLst>
+  </p:cSld>
+  <p:clrMapOvr>
+    <a:masterClrMapping/>
+  </p:clrMapOvr>
+</p:notes>
+</file>
+
+<file path=ppt/notesSlides/notesSlide4.xml><?xml version="1.0" encoding="utf-8"?>
+<p:notes xmlns:a="http://schemas.openxmlformats.org/drawingml/2006/main" xmlns:r="http://schemas.openxmlformats.org/officeDocument/2006/relationships" xmlns:p="http://schemas.openxmlformats.org/presentationml/2006/main">
+  <p:cSld>
+    <p:spTree>
+      <p:nvGrpSpPr>
+        <p:cNvPr id="1" name=""/>
+        <p:cNvGrpSpPr/>
+        <p:nvPr/>
+      </p:nvGrpSpPr>
+      <p:grpSpPr>
+        <a:xfrm>
+          <a:off x="0" y="0"/>
+          <a:ext cx="0" cy="0"/>
+          <a:chOff x="0" y="0"/>
+          <a:chExt cx="0" cy="0"/>
+        </a:xfrm>
+      </p:grpSpPr>
+      <p:sp>
+        <p:nvSpPr>
+          <p:cNvPr id="2" name="幻灯片图像占位符 1"/>
+          <p:cNvSpPr>
+            <a:spLocks noGrp="1" noRot="1" noChangeAspect="1"/>
+          </p:cNvSpPr>
+          <p:nvPr>
+            <p:ph type="sldImg"/>
+          </p:nvPr>
+        </p:nvSpPr>
+        <p:spPr/>
+      </p:sp>
+      <p:sp>
+        <p:nvSpPr>
+          <p:cNvPr id="3" name="备注占位符 2"/>
+          <p:cNvSpPr>
+            <a:spLocks noGrp="1"/>
+          </p:cNvSpPr>
+          <p:nvPr>
+            <p:ph type="body" idx="1"/>
+          </p:nvPr>
+        </p:nvSpPr>
+        <p:spPr/>
+        <p:txBody>
+          <a:bodyPr/>
+          <a:lstStyle/>
+          <a:p>
+            <a:endParaRPr kumimoji="1" lang="zh-CN" altLang="en-US" dirty="0"/>
+          </a:p>
+        </p:txBody>
+      </p:sp>
+      <p:sp>
+        <p:nvSpPr>
+          <p:cNvPr id="4" name="灯片编号占位符 3"/>
+          <p:cNvSpPr>
+            <a:spLocks noGrp="1"/>
+          </p:cNvSpPr>
+          <p:nvPr>
+            <p:ph type="sldNum" sz="quarter" idx="5"/>
+          </p:nvPr>
+        </p:nvSpPr>
+        <p:spPr/>
+        <p:txBody>
+          <a:bodyPr/>
+          <a:lstStyle/>
+          <a:p>
+            <a:fld id="{A6837353-30EB-4A48-80EB-173D804AEFBD}" type="slidenum">
+              <a:rPr lang="zh-CN" altLang="en-US" smtClean="0"/>
+              <a:t>5</a:t>
+            </a:fld>
+            <a:endParaRPr lang="zh-CN" altLang="en-US"/>
+          </a:p>
+        </p:txBody>
+      </p:sp>
+    </p:spTree>
+    <p:extLst>
+      <p:ext uri="{BB962C8B-B14F-4D97-AF65-F5344CB8AC3E}">
+        <p14:creationId xmlns:p14="http://schemas.microsoft.com/office/powerpoint/2010/main" val="1824342790"/>
+      </p:ext>
+    </p:extLst>
+  </p:cSld>
+  <p:clrMapOvr>
+    <a:masterClrMapping/>
+  </p:clrMapOvr>
+</p:notes>
+</file>
+
+<file path=ppt/notesSlides/notesSlide5.xml><?xml version="1.0" encoding="utf-8"?>
+<p:notes xmlns:a="http://schemas.openxmlformats.org/drawingml/2006/main" xmlns:r="http://schemas.openxmlformats.org/officeDocument/2006/relationships" xmlns:p="http://schemas.openxmlformats.org/presentationml/2006/main">
+  <p:cSld>
+    <p:spTree>
+      <p:nvGrpSpPr>
+        <p:cNvPr id="1" name=""/>
+        <p:cNvGrpSpPr/>
+        <p:nvPr/>
+      </p:nvGrpSpPr>
+      <p:grpSpPr>
+        <a:xfrm>
+          <a:off x="0" y="0"/>
+          <a:ext cx="0" cy="0"/>
+          <a:chOff x="0" y="0"/>
+          <a:chExt cx="0" cy="0"/>
+        </a:xfrm>
+      </p:grpSpPr>
+      <p:sp>
+        <p:nvSpPr>
+          <p:cNvPr id="2" name="幻灯片图像占位符 1"/>
+          <p:cNvSpPr>
+            <a:spLocks noGrp="1" noRot="1" noChangeAspect="1"/>
+          </p:cNvSpPr>
+          <p:nvPr>
+            <p:ph type="sldImg"/>
+          </p:nvPr>
+        </p:nvSpPr>
+        <p:spPr/>
+      </p:sp>
+      <p:sp>
+        <p:nvSpPr>
+          <p:cNvPr id="3" name="备注占位符 2"/>
+          <p:cNvSpPr>
+            <a:spLocks noGrp="1"/>
+          </p:cNvSpPr>
+          <p:nvPr>
+            <p:ph type="body" idx="1"/>
+          </p:nvPr>
+        </p:nvSpPr>
+        <p:spPr/>
+        <p:txBody>
+          <a:bodyPr/>
+          <a:lstStyle/>
+          <a:p>
+            <a:endParaRPr kumimoji="1" lang="zh-CN" altLang="en-US" dirty="0"/>
+          </a:p>
+        </p:txBody>
+      </p:sp>
+      <p:sp>
+        <p:nvSpPr>
+          <p:cNvPr id="4" name="灯片编号占位符 3"/>
+          <p:cNvSpPr>
+            <a:spLocks noGrp="1"/>
+          </p:cNvSpPr>
+          <p:nvPr>
+            <p:ph type="sldNum" sz="quarter" idx="5"/>
+          </p:nvPr>
+        </p:nvSpPr>
+        <p:spPr/>
+        <p:txBody>
+          <a:bodyPr/>
+          <a:lstStyle/>
+          <a:p>
+            <a:fld id="{A6837353-30EB-4A48-80EB-173D804AEFBD}" type="slidenum">
+              <a:rPr lang="zh-CN" altLang="en-US" smtClean="0"/>
+              <a:t>7</a:t>
+            </a:fld>
+            <a:endParaRPr lang="zh-CN" altLang="en-US"/>
+          </a:p>
+        </p:txBody>
+      </p:sp>
+    </p:spTree>
+    <p:extLst>
+      <p:ext uri="{BB962C8B-B14F-4D97-AF65-F5344CB8AC3E}">
+        <p14:creationId xmlns:p14="http://schemas.microsoft.com/office/powerpoint/2010/main" val="1464175590"/>
+      </p:ext>
+    </p:extLst>
+  </p:cSld>
+  <p:clrMapOvr>
+    <a:masterClrMapping/>
+  </p:clrMapOvr>
+</p:notes>
+</file>
+
+<file path=ppt/notesSlides/notesSlide6.xml><?xml version="1.0" encoding="utf-8"?>
+<p:notes xmlns:a="http://schemas.openxmlformats.org/drawingml/2006/main" xmlns:r="http://schemas.openxmlformats.org/officeDocument/2006/relationships" xmlns:p="http://schemas.openxmlformats.org/presentationml/2006/main">
+  <p:cSld>
+    <p:spTree>
+      <p:nvGrpSpPr>
+        <p:cNvPr id="1" name=""/>
+        <p:cNvGrpSpPr/>
+        <p:nvPr/>
+      </p:nvGrpSpPr>
+      <p:grpSpPr>
+        <a:xfrm>
+          <a:off x="0" y="0"/>
+          <a:ext cx="0" cy="0"/>
+          <a:chOff x="0" y="0"/>
+          <a:chExt cx="0" cy="0"/>
+        </a:xfrm>
+      </p:grpSpPr>
+      <p:sp>
+        <p:nvSpPr>
+          <p:cNvPr id="2" name="幻灯片图像占位符 1"/>
+          <p:cNvSpPr>
+            <a:spLocks noGrp="1" noRot="1" noChangeAspect="1"/>
+          </p:cNvSpPr>
+          <p:nvPr>
+            <p:ph type="sldImg"/>
+          </p:nvPr>
+        </p:nvSpPr>
+        <p:spPr/>
+      </p:sp>
+      <p:sp>
+        <p:nvSpPr>
+          <p:cNvPr id="3" name="备注占位符 2"/>
+          <p:cNvSpPr>
+            <a:spLocks noGrp="1"/>
+          </p:cNvSpPr>
+          <p:nvPr>
+            <p:ph type="body" idx="1"/>
+          </p:nvPr>
+        </p:nvSpPr>
+        <p:spPr/>
+        <p:txBody>
+          <a:bodyPr/>
+          <a:lstStyle/>
+          <a:p>
+            <a:endParaRPr kumimoji="1" lang="zh-CN" altLang="en-US" dirty="0"/>
+          </a:p>
+        </p:txBody>
+      </p:sp>
+      <p:sp>
+        <p:nvSpPr>
+          <p:cNvPr id="4" name="灯片编号占位符 3"/>
+          <p:cNvSpPr>
+            <a:spLocks noGrp="1"/>
+          </p:cNvSpPr>
+          <p:nvPr>
+            <p:ph type="sldNum" sz="quarter" idx="5"/>
+          </p:nvPr>
+        </p:nvSpPr>
+        <p:spPr/>
+        <p:txBody>
+          <a:bodyPr/>
+          <a:lstStyle/>
+          <a:p>
+            <a:fld id="{A6837353-30EB-4A48-80EB-173D804AEFBD}" type="slidenum">
+              <a:rPr lang="zh-CN" altLang="en-US" smtClean="0"/>
+              <a:t>8</a:t>
+            </a:fld>
+            <a:endParaRPr lang="zh-CN" altLang="en-US"/>
+          </a:p>
+        </p:txBody>
+      </p:sp>
+    </p:spTree>
+    <p:extLst>
+      <p:ext uri="{BB962C8B-B14F-4D97-AF65-F5344CB8AC3E}">
+        <p14:creationId xmlns:p14="http://schemas.microsoft.com/office/powerpoint/2010/main" val="3598498615"/>
+      </p:ext>
+    </p:extLst>
+  </p:cSld>
+  <p:clrMapOvr>
+    <a:masterClrMapping/>
+  </p:clrMapOvr>
+</p:notes>
+</file>
+
+<file path=ppt/notesSlides/notesSlide7.xml><?xml version="1.0" encoding="utf-8"?>
+<p:notes xmlns:a="http://schemas.openxmlformats.org/drawingml/2006/main" xmlns:r="http://schemas.openxmlformats.org/officeDocument/2006/relationships" xmlns:p="http://schemas.openxmlformats.org/presentationml/2006/main">
+  <p:cSld>
+    <p:spTree>
+      <p:nvGrpSpPr>
+        <p:cNvPr id="1" name=""/>
+        <p:cNvGrpSpPr/>
+        <p:nvPr/>
+      </p:nvGrpSpPr>
+      <p:grpSpPr>
+        <a:xfrm>
+          <a:off x="0" y="0"/>
+          <a:ext cx="0" cy="0"/>
+          <a:chOff x="0" y="0"/>
+          <a:chExt cx="0" cy="0"/>
+        </a:xfrm>
+      </p:grpSpPr>
+      <p:sp>
+        <p:nvSpPr>
+          <p:cNvPr id="2" name="幻灯片图像占位符 1"/>
+          <p:cNvSpPr>
+            <a:spLocks noGrp="1" noRot="1" noChangeAspect="1"/>
+          </p:cNvSpPr>
+          <p:nvPr>
+            <p:ph type="sldImg"/>
+          </p:nvPr>
+        </p:nvSpPr>
+        <p:spPr/>
+      </p:sp>
+      <p:sp>
+        <p:nvSpPr>
+          <p:cNvPr id="3" name="备注占位符 2"/>
+          <p:cNvSpPr>
+            <a:spLocks noGrp="1"/>
+          </p:cNvSpPr>
+          <p:nvPr>
+            <p:ph type="body" idx="1"/>
+          </p:nvPr>
+        </p:nvSpPr>
+        <p:spPr/>
+        <p:txBody>
+          <a:bodyPr/>
+          <a:lstStyle/>
+          <a:p>
+            <a:endParaRPr kumimoji="1" lang="zh-CN" altLang="en-US" dirty="0"/>
+          </a:p>
+        </p:txBody>
+      </p:sp>
+      <p:sp>
+        <p:nvSpPr>
+          <p:cNvPr id="4" name="灯片编号占位符 3"/>
+          <p:cNvSpPr>
+            <a:spLocks noGrp="1"/>
+          </p:cNvSpPr>
+          <p:nvPr>
+            <p:ph type="sldNum" sz="quarter" idx="5"/>
+          </p:nvPr>
+        </p:nvSpPr>
+        <p:spPr/>
+        <p:txBody>
+          <a:bodyPr/>
+          <a:lstStyle/>
+          <a:p>
+            <a:fld id="{A6837353-30EB-4A48-80EB-173D804AEFBD}" type="slidenum">
+              <a:rPr lang="zh-CN" altLang="en-US" smtClean="0"/>
+              <a:t>10</a:t>
+            </a:fld>
+            <a:endParaRPr lang="zh-CN" altLang="en-US"/>
+          </a:p>
+        </p:txBody>
+      </p:sp>
+    </p:spTree>
+    <p:extLst>
+      <p:ext uri="{BB962C8B-B14F-4D97-AF65-F5344CB8AC3E}">
+        <p14:creationId xmlns:p14="http://schemas.microsoft.com/office/powerpoint/2010/main" val="3745669430"/>
+      </p:ext>
+    </p:extLst>
+  </p:cSld>
+  <p:clrMapOvr>
+    <a:masterClrMapping/>
+  </p:clrMapOvr>
+</p:notes>
+</file>
+
+<file path=ppt/notesSlides/notesSlide8.xml><?xml version="1.0" encoding="utf-8"?>
+<p:notes xmlns:a="http://schemas.openxmlformats.org/drawingml/2006/main" xmlns:r="http://schemas.openxmlformats.org/officeDocument/2006/relationships" xmlns:p="http://schemas.openxmlformats.org/presentationml/2006/main">
+  <p:cSld>
+    <p:spTree>
+      <p:nvGrpSpPr>
+        <p:cNvPr id="1" name=""/>
+        <p:cNvGrpSpPr/>
+        <p:nvPr/>
+      </p:nvGrpSpPr>
+      <p:grpSpPr>
+        <a:xfrm>
+          <a:off x="0" y="0"/>
+          <a:ext cx="0" cy="0"/>
+          <a:chOff x="0" y="0"/>
+          <a:chExt cx="0" cy="0"/>
+        </a:xfrm>
+      </p:grpSpPr>
+      <p:sp>
+        <p:nvSpPr>
+          <p:cNvPr id="2" name="幻灯片图像占位符 1"/>
+          <p:cNvSpPr>
+            <a:spLocks noGrp="1" noRot="1" noChangeAspect="1"/>
+          </p:cNvSpPr>
+          <p:nvPr>
+            <p:ph type="sldImg"/>
+          </p:nvPr>
+        </p:nvSpPr>
+        <p:spPr/>
+      </p:sp>
+      <p:sp>
+        <p:nvSpPr>
+          <p:cNvPr id="3" name="备注占位符 2"/>
+          <p:cNvSpPr>
+            <a:spLocks noGrp="1"/>
+          </p:cNvSpPr>
+          <p:nvPr>
+            <p:ph type="body" idx="1"/>
+          </p:nvPr>
+        </p:nvSpPr>
+        <p:spPr/>
+        <p:txBody>
+          <a:bodyPr/>
+          <a:lstStyle/>
+          <a:p>
+            <a:endParaRPr kumimoji="1" lang="zh-CN" altLang="en-US" dirty="0"/>
+          </a:p>
+        </p:txBody>
+      </p:sp>
+      <p:sp>
+        <p:nvSpPr>
+          <p:cNvPr id="4" name="灯片编号占位符 3"/>
+          <p:cNvSpPr>
+            <a:spLocks noGrp="1"/>
+          </p:cNvSpPr>
+          <p:nvPr>
+            <p:ph type="sldNum" sz="quarter" idx="5"/>
+          </p:nvPr>
+        </p:nvSpPr>
+        <p:spPr/>
+        <p:txBody>
+          <a:bodyPr/>
+          <a:lstStyle/>
+          <a:p>
+            <a:fld id="{A6837353-30EB-4A48-80EB-173D804AEFBD}" type="slidenum">
+              <a:rPr lang="zh-CN" altLang="en-US" smtClean="0"/>
+              <a:t>11</a:t>
+            </a:fld>
+            <a:endParaRPr lang="zh-CN" altLang="en-US"/>
+          </a:p>
+        </p:txBody>
+      </p:sp>
+    </p:spTree>
+    <p:extLst>
+      <p:ext uri="{BB962C8B-B14F-4D97-AF65-F5344CB8AC3E}">
+        <p14:creationId xmlns:p14="http://schemas.microsoft.com/office/powerpoint/2010/main" val="62332478"/>
+      </p:ext>
+    </p:extLst>
+  </p:cSld>
+  <p:clrMapOvr>
+    <a:masterClrMapping/>
+  </p:clrMapOvr>
+</p:notes>
+</file>
+
+<file path=ppt/notesSlides/notesSlide9.xml><?xml version="1.0" encoding="utf-8"?>
+<p:notes xmlns:a="http://schemas.openxmlformats.org/drawingml/2006/main" xmlns:r="http://schemas.openxmlformats.org/officeDocument/2006/relationships" xmlns:p="http://schemas.openxmlformats.org/presentationml/2006/main">
+  <p:cSld>
+    <p:spTree>
+      <p:nvGrpSpPr>
+        <p:cNvPr id="1" name=""/>
+        <p:cNvGrpSpPr/>
+        <p:nvPr/>
+      </p:nvGrpSpPr>
+      <p:grpSpPr>
+        <a:xfrm>
+          <a:off x="0" y="0"/>
+          <a:ext cx="0" cy="0"/>
+          <a:chOff x="0" y="0"/>
+          <a:chExt cx="0" cy="0"/>
+        </a:xfrm>
+      </p:grpSpPr>
+      <p:sp>
+        <p:nvSpPr>
+          <p:cNvPr id="2" name="幻灯片图像占位符 1"/>
+          <p:cNvSpPr>
+            <a:spLocks noGrp="1" noRot="1" noChangeAspect="1"/>
+          </p:cNvSpPr>
+          <p:nvPr>
+            <p:ph type="sldImg"/>
+          </p:nvPr>
+        </p:nvSpPr>
+        <p:spPr/>
+      </p:sp>
+      <p:sp>
+        <p:nvSpPr>
+          <p:cNvPr id="3" name="备注占位符 2"/>
+          <p:cNvSpPr>
+            <a:spLocks noGrp="1"/>
+          </p:cNvSpPr>
+          <p:nvPr>
+            <p:ph type="body" idx="1"/>
+          </p:nvPr>
+        </p:nvSpPr>
+        <p:spPr/>
+        <p:txBody>
+          <a:bodyPr/>
+          <a:lstStyle/>
+          <a:p>
+            <a:endParaRPr kumimoji="1" lang="zh-CN" altLang="en-US" dirty="0"/>
+          </a:p>
+        </p:txBody>
+      </p:sp>
+      <p:sp>
+        <p:nvSpPr>
+          <p:cNvPr id="4" name="灯片编号占位符 3"/>
+          <p:cNvSpPr>
+            <a:spLocks noGrp="1"/>
+          </p:cNvSpPr>
+          <p:nvPr>
+            <p:ph type="sldNum" sz="quarter" idx="5"/>
+          </p:nvPr>
+        </p:nvSpPr>
+        <p:spPr/>
+        <p:txBody>
+          <a:bodyPr/>
+          <a:lstStyle/>
+          <a:p>
+            <a:fld id="{A6837353-30EB-4A48-80EB-173D804AEFBD}" type="slidenum">
+              <a:rPr lang="zh-CN" altLang="en-US" smtClean="0"/>
+              <a:t>18</a:t>
+            </a:fld>
+            <a:endParaRPr lang="zh-CN" altLang="en-US"/>
+          </a:p>
+        </p:txBody>
+      </p:sp>
+    </p:spTree>
+    <p:extLst>
+      <p:ext uri="{BB962C8B-B14F-4D97-AF65-F5344CB8AC3E}">
+        <p14:creationId xmlns:p14="http://schemas.microsoft.com/office/powerpoint/2010/main" val="4045693721"/>
       </p:ext>
     </p:extLst>
   </p:cSld>
@@ -11554,7 +12416,7 @@
           <a:p>
             <a:fld id="{82F288E0-7875-42C4-84C8-98DBBD3BF4D2}" type="datetimeFigureOut">
               <a:rPr lang="zh-CN" altLang="en-US" smtClean="0"/>
-              <a:t>2022/7/4</a:t>
+              <a:t>2022/7/7</a:t>
             </a:fld>
             <a:endParaRPr lang="zh-CN" altLang="en-US"/>
           </a:p>
@@ -13135,7 +13997,7 @@
           <a:p>
             <a:fld id="{82F288E0-7875-42C4-84C8-98DBBD3BF4D2}" type="datetimeFigureOut">
               <a:rPr lang="zh-CN" altLang="en-US" smtClean="0"/>
-              <a:t>2022/7/4</a:t>
+              <a:t>2022/7/7</a:t>
             </a:fld>
             <a:endParaRPr lang="zh-CN" altLang="en-US"/>
           </a:p>
@@ -13932,6 +14794,2019 @@
 </p:sld>
 </file>
 
+<file path=ppt/slides/slide10.xml><?xml version="1.0" encoding="utf-8"?>
+<p:sld xmlns:a="http://schemas.openxmlformats.org/drawingml/2006/main" xmlns:r="http://schemas.openxmlformats.org/officeDocument/2006/relationships" xmlns:p="http://schemas.openxmlformats.org/presentationml/2006/main">
+  <p:cSld>
+    <p:spTree>
+      <p:nvGrpSpPr>
+        <p:cNvPr id="1" name=""/>
+        <p:cNvGrpSpPr/>
+        <p:nvPr/>
+      </p:nvGrpSpPr>
+      <p:grpSpPr>
+        <a:xfrm>
+          <a:off x="0" y="0"/>
+          <a:ext cx="0" cy="0"/>
+          <a:chOff x="0" y="0"/>
+          <a:chExt cx="0" cy="0"/>
+        </a:xfrm>
+      </p:grpSpPr>
+      <p:sp>
+        <p:nvSpPr>
+          <p:cNvPr id="2" name="标题 1">
+            <a:extLst>
+              <a:ext uri="{FF2B5EF4-FFF2-40B4-BE49-F238E27FC236}">
+                <a16:creationId xmlns:a16="http://schemas.microsoft.com/office/drawing/2014/main" id="{42E570C0-41D6-045B-FD85-F50573B6B0BE}"/>
+              </a:ext>
+            </a:extLst>
+          </p:cNvPr>
+          <p:cNvSpPr>
+            <a:spLocks noGrp="1"/>
+          </p:cNvSpPr>
+          <p:nvPr>
+            <p:ph type="title"/>
+          </p:nvPr>
+        </p:nvSpPr>
+        <p:spPr/>
+        <p:txBody>
+          <a:bodyPr/>
+          <a:lstStyle/>
+          <a:p>
+            <a:r>
+              <a:rPr kumimoji="1" lang="zh-CN" altLang="en-US" sz="2000" dirty="0"/>
+              <a:t>浏览器中的网络协议</a:t>
+            </a:r>
+            <a:endParaRPr kumimoji="1" lang="zh-CN" altLang="en-US" dirty="0"/>
+          </a:p>
+        </p:txBody>
+      </p:sp>
+      <p:sp>
+        <p:nvSpPr>
+          <p:cNvPr id="3" name="文本框 2">
+            <a:extLst>
+              <a:ext uri="{FF2B5EF4-FFF2-40B4-BE49-F238E27FC236}">
+                <a16:creationId xmlns:a16="http://schemas.microsoft.com/office/drawing/2014/main" id="{4CC3A031-298E-CAAC-7E0E-6ACB93D4824D}"/>
+              </a:ext>
+            </a:extLst>
+          </p:cNvPr>
+          <p:cNvSpPr txBox="1"/>
+          <p:nvPr/>
+        </p:nvSpPr>
+        <p:spPr>
+          <a:xfrm>
+            <a:off x="354330" y="1257300"/>
+            <a:ext cx="11695381" cy="369332"/>
+          </a:xfrm>
+          <a:prstGeom prst="rect">
+            <a:avLst/>
+          </a:prstGeom>
+          <a:noFill/>
+        </p:spPr>
+        <p:txBody>
+          <a:bodyPr wrap="none" rtlCol="0">
+            <a:spAutoFit/>
+          </a:bodyPr>
+          <a:lstStyle/>
+          <a:p>
+            <a:r>
+              <a:rPr kumimoji="1" lang="zh-CN" altLang="en-US" dirty="0"/>
+              <a:t>然而，这些协议都不是最重要的，因为他就是个固定格式 ，浏览器怎么转化为这个固定的格式才是最重要的因为：</a:t>
+            </a:r>
+          </a:p>
+        </p:txBody>
+      </p:sp>
+      <p:pic>
+        <p:nvPicPr>
+          <p:cNvPr id="4" name="图片 3">
+            <a:extLst>
+              <a:ext uri="{FF2B5EF4-FFF2-40B4-BE49-F238E27FC236}">
+                <a16:creationId xmlns:a16="http://schemas.microsoft.com/office/drawing/2014/main" id="{4ECEFE04-84A2-8B63-B417-18CB1EE6A76D}"/>
+              </a:ext>
+            </a:extLst>
+          </p:cNvPr>
+          <p:cNvPicPr>
+            <a:picLocks noChangeAspect="1"/>
+          </p:cNvPicPr>
+          <p:nvPr/>
+        </p:nvPicPr>
+        <p:blipFill>
+          <a:blip r:embed="rId3"/>
+          <a:stretch>
+            <a:fillRect/>
+          </a:stretch>
+        </p:blipFill>
+        <p:spPr>
+          <a:xfrm>
+            <a:off x="371664" y="2031149"/>
+            <a:ext cx="11678047" cy="2597125"/>
+          </a:xfrm>
+          <a:prstGeom prst="rect">
+            <a:avLst/>
+          </a:prstGeom>
+        </p:spPr>
+      </p:pic>
+      <p:sp>
+        <p:nvSpPr>
+          <p:cNvPr id="6" name="文本框 5">
+            <a:extLst>
+              <a:ext uri="{FF2B5EF4-FFF2-40B4-BE49-F238E27FC236}">
+                <a16:creationId xmlns:a16="http://schemas.microsoft.com/office/drawing/2014/main" id="{D3C6C616-A760-C94F-439C-A974A5F1CD7D}"/>
+              </a:ext>
+            </a:extLst>
+          </p:cNvPr>
+          <p:cNvSpPr txBox="1"/>
+          <p:nvPr/>
+        </p:nvSpPr>
+        <p:spPr>
+          <a:xfrm>
+            <a:off x="582930" y="5032791"/>
+            <a:ext cx="9694577" cy="369332"/>
+          </a:xfrm>
+          <a:prstGeom prst="rect">
+            <a:avLst/>
+          </a:prstGeom>
+          <a:noFill/>
+        </p:spPr>
+        <p:txBody>
+          <a:bodyPr wrap="none" rtlCol="0">
+            <a:spAutoFit/>
+          </a:bodyPr>
+          <a:lstStyle/>
+          <a:p>
+            <a:r>
+              <a:rPr kumimoji="1" lang="en-US" altLang="zh-CN" dirty="0" err="1"/>
+              <a:t>Tcp</a:t>
+            </a:r>
+            <a:r>
+              <a:rPr kumimoji="1" lang="zh-CN" altLang="en-US" dirty="0"/>
+              <a:t> 传输的二进制的流是一段没有换行的文本，需要浏览器做解析处理，将他每个部分区分开来</a:t>
+            </a:r>
+          </a:p>
+        </p:txBody>
+      </p:sp>
+    </p:spTree>
+    <p:extLst>
+      <p:ext uri="{BB962C8B-B14F-4D97-AF65-F5344CB8AC3E}">
+        <p14:creationId xmlns:p14="http://schemas.microsoft.com/office/powerpoint/2010/main" val="1189801658"/>
+      </p:ext>
+    </p:extLst>
+  </p:cSld>
+  <p:clrMapOvr>
+    <a:masterClrMapping/>
+  </p:clrMapOvr>
+</p:sld>
+</file>
+
+<file path=ppt/slides/slide11.xml><?xml version="1.0" encoding="utf-8"?>
+<p:sld xmlns:a="http://schemas.openxmlformats.org/drawingml/2006/main" xmlns:r="http://schemas.openxmlformats.org/officeDocument/2006/relationships" xmlns:p="http://schemas.openxmlformats.org/presentationml/2006/main">
+  <p:cSld>
+    <p:spTree>
+      <p:nvGrpSpPr>
+        <p:cNvPr id="1" name=""/>
+        <p:cNvGrpSpPr/>
+        <p:nvPr/>
+      </p:nvGrpSpPr>
+      <p:grpSpPr>
+        <a:xfrm>
+          <a:off x="0" y="0"/>
+          <a:ext cx="0" cy="0"/>
+          <a:chOff x="0" y="0"/>
+          <a:chExt cx="0" cy="0"/>
+        </a:xfrm>
+      </p:grpSpPr>
+      <p:sp>
+        <p:nvSpPr>
+          <p:cNvPr id="2" name="标题 1">
+            <a:extLst>
+              <a:ext uri="{FF2B5EF4-FFF2-40B4-BE49-F238E27FC236}">
+                <a16:creationId xmlns:a16="http://schemas.microsoft.com/office/drawing/2014/main" id="{47F59525-1050-AE12-D83B-ED4DF6308E5C}"/>
+              </a:ext>
+            </a:extLst>
+          </p:cNvPr>
+          <p:cNvSpPr>
+            <a:spLocks noGrp="1"/>
+          </p:cNvSpPr>
+          <p:nvPr>
+            <p:ph type="title"/>
+          </p:nvPr>
+        </p:nvSpPr>
+        <p:spPr/>
+        <p:txBody>
+          <a:bodyPr/>
+          <a:lstStyle/>
+          <a:p>
+            <a:r>
+              <a:rPr kumimoji="1" lang="zh-CN" altLang="en-US" sz="2400" dirty="0"/>
+              <a:t>浏览器中的网络协议</a:t>
+            </a:r>
+            <a:endParaRPr kumimoji="1" lang="zh-CN" altLang="en-US" dirty="0"/>
+          </a:p>
+        </p:txBody>
+      </p:sp>
+      <p:sp>
+        <p:nvSpPr>
+          <p:cNvPr id="3" name="文本框 2">
+            <a:extLst>
+              <a:ext uri="{FF2B5EF4-FFF2-40B4-BE49-F238E27FC236}">
+                <a16:creationId xmlns:a16="http://schemas.microsoft.com/office/drawing/2014/main" id="{843D5813-C838-8263-BE7E-532F240984F6}"/>
+              </a:ext>
+            </a:extLst>
+          </p:cNvPr>
+          <p:cNvSpPr txBox="1"/>
+          <p:nvPr/>
+        </p:nvSpPr>
+        <p:spPr>
+          <a:xfrm>
+            <a:off x="457200" y="1131570"/>
+            <a:ext cx="877163" cy="369332"/>
+          </a:xfrm>
+          <a:prstGeom prst="rect">
+            <a:avLst/>
+          </a:prstGeom>
+          <a:noFill/>
+        </p:spPr>
+        <p:txBody>
+          <a:bodyPr wrap="none" rtlCol="0">
+            <a:spAutoFit/>
+          </a:bodyPr>
+          <a:lstStyle/>
+          <a:p>
+            <a:r>
+              <a:rPr kumimoji="1" lang="zh-CN" altLang="en-US" dirty="0"/>
+              <a:t>状态机</a:t>
+            </a:r>
+          </a:p>
+        </p:txBody>
+      </p:sp>
+      <p:sp>
+        <p:nvSpPr>
+          <p:cNvPr id="4" name="文本框 3">
+            <a:extLst>
+              <a:ext uri="{FF2B5EF4-FFF2-40B4-BE49-F238E27FC236}">
+                <a16:creationId xmlns:a16="http://schemas.microsoft.com/office/drawing/2014/main" id="{21115A49-EAD9-46F3-FD08-E9BD41BD69C6}"/>
+              </a:ext>
+            </a:extLst>
+          </p:cNvPr>
+          <p:cNvSpPr txBox="1"/>
+          <p:nvPr/>
+        </p:nvSpPr>
+        <p:spPr>
+          <a:xfrm>
+            <a:off x="457200" y="1631099"/>
+            <a:ext cx="10513536" cy="1754326"/>
+          </a:xfrm>
+          <a:prstGeom prst="rect">
+            <a:avLst/>
+          </a:prstGeom>
+          <a:noFill/>
+        </p:spPr>
+        <p:txBody>
+          <a:bodyPr wrap="square" rtlCol="0">
+            <a:spAutoFit/>
+          </a:bodyPr>
+          <a:lstStyle/>
+          <a:p>
+            <a:r>
+              <a:rPr lang="zh-CN" altLang="en-US" dirty="0"/>
+              <a:t>有限状态机（</a:t>
+            </a:r>
+            <a:r>
+              <a:rPr lang="en" altLang="zh-CN" dirty="0"/>
+              <a:t>Finite-state </a:t>
+            </a:r>
+            <a:r>
+              <a:rPr lang="en" altLang="zh-CN" dirty="0" err="1"/>
+              <a:t>machine,FSM</a:t>
+            </a:r>
+            <a:r>
+              <a:rPr lang="zh-CN" altLang="en" dirty="0"/>
+              <a:t>），</a:t>
+            </a:r>
+            <a:r>
+              <a:rPr lang="zh-CN" altLang="en-US" dirty="0"/>
+              <a:t>又称有限状态自动机，简称状态机，是表示有限个状态以及在这些状态之间的转移和动作等行为的数学模型。</a:t>
+            </a:r>
+            <a:endParaRPr lang="en-US" altLang="zh-CN" dirty="0"/>
+          </a:p>
+          <a:p>
+            <a:endParaRPr lang="en-US" altLang="zh-CN" dirty="0"/>
+          </a:p>
+          <a:p>
+            <a:r>
+              <a:rPr lang="zh-CN" altLang="en-US" dirty="0"/>
+              <a:t>这个在代码编译里面应用广泛，比如说</a:t>
+            </a:r>
+            <a:r>
+              <a:rPr lang="en-US" altLang="zh-CN" dirty="0"/>
+              <a:t>babel</a:t>
+            </a:r>
+            <a:r>
+              <a:rPr lang="zh-CN" altLang="en-US" dirty="0"/>
+              <a:t>  、</a:t>
+            </a:r>
+            <a:r>
+              <a:rPr lang="en-US" altLang="zh-CN" dirty="0" err="1"/>
+              <a:t>vue</a:t>
+            </a:r>
+            <a:r>
+              <a:rPr lang="en-US" altLang="zh-CN" dirty="0"/>
+              <a:t>-</a:t>
+            </a:r>
+            <a:r>
+              <a:rPr lang="en" altLang="zh-CN" dirty="0"/>
+              <a:t>compile</a:t>
+            </a:r>
+            <a:r>
+              <a:rPr lang="zh-CN" altLang="en-US" dirty="0"/>
+              <a:t> 里面全是应用</a:t>
+            </a:r>
+            <a:endParaRPr lang="en" altLang="zh-CN" dirty="0"/>
+          </a:p>
+          <a:p>
+            <a:endParaRPr lang="zh-CN" altLang="en-US" dirty="0"/>
+          </a:p>
+          <a:p>
+            <a:endParaRPr kumimoji="1" lang="zh-CN" altLang="en-US" dirty="0"/>
+          </a:p>
+        </p:txBody>
+      </p:sp>
+      <p:sp>
+        <p:nvSpPr>
+          <p:cNvPr id="6" name="文本框 5">
+            <a:extLst>
+              <a:ext uri="{FF2B5EF4-FFF2-40B4-BE49-F238E27FC236}">
+                <a16:creationId xmlns:a16="http://schemas.microsoft.com/office/drawing/2014/main" id="{830E7961-41EC-5A61-0FAC-7B4E0BE210A8}"/>
+              </a:ext>
+            </a:extLst>
+          </p:cNvPr>
+          <p:cNvSpPr txBox="1"/>
+          <p:nvPr/>
+        </p:nvSpPr>
+        <p:spPr>
+          <a:xfrm>
+            <a:off x="2144771" y="3640521"/>
+            <a:ext cx="7666971" cy="523220"/>
+          </a:xfrm>
+          <a:prstGeom prst="rect">
+            <a:avLst/>
+          </a:prstGeom>
+          <a:noFill/>
+        </p:spPr>
+        <p:txBody>
+          <a:bodyPr wrap="none" rtlCol="0">
+            <a:spAutoFit/>
+          </a:bodyPr>
+          <a:lstStyle/>
+          <a:p>
+            <a:r>
+              <a:rPr lang="zh-CN" altLang="en-US" sz="2800" dirty="0"/>
+              <a:t>经典字符串算法题：判断字符串中是否有</a:t>
+            </a:r>
+            <a:r>
+              <a:rPr lang="en-US" altLang="zh-CN" sz="2800" dirty="0" err="1"/>
+              <a:t>abcabx</a:t>
+            </a:r>
+            <a:endParaRPr lang="en" altLang="zh-CN" sz="2800" dirty="0"/>
+          </a:p>
+        </p:txBody>
+      </p:sp>
+    </p:spTree>
+    <p:extLst>
+      <p:ext uri="{BB962C8B-B14F-4D97-AF65-F5344CB8AC3E}">
+        <p14:creationId xmlns:p14="http://schemas.microsoft.com/office/powerpoint/2010/main" val="712796974"/>
+      </p:ext>
+    </p:extLst>
+  </p:cSld>
+  <p:clrMapOvr>
+    <a:masterClrMapping/>
+  </p:clrMapOvr>
+</p:sld>
+</file>
+
+<file path=ppt/slides/slide12.xml><?xml version="1.0" encoding="utf-8"?>
+<p:sld xmlns:a="http://schemas.openxmlformats.org/drawingml/2006/main" xmlns:r="http://schemas.openxmlformats.org/officeDocument/2006/relationships" xmlns:p="http://schemas.openxmlformats.org/presentationml/2006/main">
+  <p:cSld>
+    <p:spTree>
+      <p:nvGrpSpPr>
+        <p:cNvPr id="1" name=""/>
+        <p:cNvGrpSpPr/>
+        <p:nvPr/>
+      </p:nvGrpSpPr>
+      <p:grpSpPr>
+        <a:xfrm>
+          <a:off x="0" y="0"/>
+          <a:ext cx="0" cy="0"/>
+          <a:chOff x="0" y="0"/>
+          <a:chExt cx="0" cy="0"/>
+        </a:xfrm>
+      </p:grpSpPr>
+      <p:sp>
+        <p:nvSpPr>
+          <p:cNvPr id="2" name="标题 1">
+            <a:extLst>
+              <a:ext uri="{FF2B5EF4-FFF2-40B4-BE49-F238E27FC236}">
+                <a16:creationId xmlns:a16="http://schemas.microsoft.com/office/drawing/2014/main" id="{BAE23D5C-2687-EDEB-FF67-7B473B116210}"/>
+              </a:ext>
+            </a:extLst>
+          </p:cNvPr>
+          <p:cNvSpPr>
+            <a:spLocks noGrp="1"/>
+          </p:cNvSpPr>
+          <p:nvPr>
+            <p:ph type="title"/>
+          </p:nvPr>
+        </p:nvSpPr>
+        <p:spPr/>
+        <p:txBody>
+          <a:bodyPr/>
+          <a:lstStyle/>
+          <a:p>
+            <a:r>
+              <a:rPr kumimoji="1" lang="zh-CN" altLang="en-US" sz="2000" dirty="0"/>
+              <a:t>浏览器中的网络协议</a:t>
+            </a:r>
+            <a:endParaRPr kumimoji="1" lang="zh-CN" altLang="en-US" dirty="0"/>
+          </a:p>
+        </p:txBody>
+      </p:sp>
+      <p:sp>
+        <p:nvSpPr>
+          <p:cNvPr id="5" name="文本框 4">
+            <a:extLst>
+              <a:ext uri="{FF2B5EF4-FFF2-40B4-BE49-F238E27FC236}">
+                <a16:creationId xmlns:a16="http://schemas.microsoft.com/office/drawing/2014/main" id="{3116A79F-969B-41C4-5D67-9C438B8DF2A6}"/>
+              </a:ext>
+            </a:extLst>
+          </p:cNvPr>
+          <p:cNvSpPr txBox="1"/>
+          <p:nvPr/>
+        </p:nvSpPr>
+        <p:spPr>
+          <a:xfrm>
+            <a:off x="685800" y="1497330"/>
+            <a:ext cx="5029200" cy="923330"/>
+          </a:xfrm>
+          <a:prstGeom prst="rect">
+            <a:avLst/>
+          </a:prstGeom>
+          <a:noFill/>
+        </p:spPr>
+        <p:txBody>
+          <a:bodyPr wrap="square" rtlCol="0">
+            <a:spAutoFit/>
+          </a:bodyPr>
+          <a:lstStyle/>
+          <a:p>
+            <a:r>
+              <a:rPr kumimoji="1" lang="zh-CN" altLang="en-US" dirty="0"/>
+              <a:t>利用状态机解析</a:t>
+            </a:r>
+            <a:r>
+              <a:rPr kumimoji="1" lang="en-US" altLang="zh-CN" dirty="0"/>
+              <a:t>http</a:t>
+            </a:r>
+            <a:r>
+              <a:rPr kumimoji="1" lang="zh-CN" altLang="en-US" dirty="0"/>
+              <a:t>格式的文本，我们知道</a:t>
+            </a:r>
+            <a:r>
+              <a:rPr kumimoji="1" lang="en-US" altLang="zh-CN" dirty="0"/>
+              <a:t>http</a:t>
+            </a:r>
+            <a:r>
+              <a:rPr kumimoji="1" lang="zh-CN" altLang="en-US" dirty="0"/>
+              <a:t> 的文本内容，分为请求头，请求</a:t>
+            </a:r>
+            <a:r>
+              <a:rPr kumimoji="1" lang="en-US" altLang="zh-CN" dirty="0"/>
+              <a:t>header</a:t>
+            </a:r>
+            <a:r>
+              <a:rPr kumimoji="1" lang="zh-CN" altLang="en-US" dirty="0"/>
+              <a:t>，以及请求</a:t>
+            </a:r>
+            <a:r>
+              <a:rPr kumimoji="1" lang="en-US" altLang="zh-CN" dirty="0"/>
+              <a:t>body</a:t>
+            </a:r>
+          </a:p>
+        </p:txBody>
+      </p:sp>
+      <p:sp>
+        <p:nvSpPr>
+          <p:cNvPr id="7" name="文本框 6">
+            <a:extLst>
+              <a:ext uri="{FF2B5EF4-FFF2-40B4-BE49-F238E27FC236}">
+                <a16:creationId xmlns:a16="http://schemas.microsoft.com/office/drawing/2014/main" id="{C6897545-7C92-304B-549E-8DCD228B19C4}"/>
+              </a:ext>
+            </a:extLst>
+          </p:cNvPr>
+          <p:cNvSpPr txBox="1"/>
+          <p:nvPr/>
+        </p:nvSpPr>
+        <p:spPr>
+          <a:xfrm>
+            <a:off x="685800" y="2729181"/>
+            <a:ext cx="5029200" cy="3416320"/>
+          </a:xfrm>
+          <a:prstGeom prst="rect">
+            <a:avLst/>
+          </a:prstGeom>
+          <a:noFill/>
+        </p:spPr>
+        <p:txBody>
+          <a:bodyPr wrap="square" rtlCol="0">
+            <a:spAutoFit/>
+          </a:bodyPr>
+          <a:lstStyle/>
+          <a:p>
+            <a:r>
+              <a:rPr lang="en" altLang="zh-CN" dirty="0"/>
+              <a:t>statusCode:‘200‘</a:t>
+            </a:r>
+            <a:r>
+              <a:rPr lang="zh-CN" altLang="en-US" dirty="0"/>
+              <a:t> </a:t>
+            </a:r>
+            <a:r>
+              <a:rPr lang="en-US" altLang="zh-CN" dirty="0"/>
+              <a:t>//</a:t>
+            </a:r>
+            <a:r>
+              <a:rPr lang="zh-CN" altLang="en-US" dirty="0"/>
+              <a:t> 头部内容</a:t>
+            </a:r>
+            <a:endParaRPr lang="en" altLang="zh-CN" dirty="0"/>
+          </a:p>
+          <a:p>
+            <a:r>
+              <a:rPr lang="en" altLang="zh-CN" dirty="0" err="1"/>
+              <a:t>statusText</a:t>
+            </a:r>
+            <a:r>
+              <a:rPr lang="en" altLang="zh-CN" dirty="0"/>
+              <a:t>:’OK’</a:t>
+            </a:r>
+            <a:r>
+              <a:rPr lang="zh-CN" altLang="en-US" dirty="0"/>
+              <a:t> </a:t>
+            </a:r>
+            <a:r>
+              <a:rPr lang="en-US" altLang="zh-CN" dirty="0"/>
+              <a:t>//</a:t>
+            </a:r>
+            <a:r>
+              <a:rPr lang="zh-CN" altLang="en-US" dirty="0"/>
+              <a:t> 状态</a:t>
+            </a:r>
+            <a:endParaRPr lang="en" altLang="zh-CN" dirty="0"/>
+          </a:p>
+          <a:p>
+            <a:r>
+              <a:rPr lang="en" altLang="zh-CN" dirty="0"/>
+              <a:t>headers:{</a:t>
+            </a:r>
+            <a:r>
+              <a:rPr lang="zh-CN" altLang="en-US" dirty="0"/>
+              <a:t> </a:t>
+            </a:r>
+            <a:r>
+              <a:rPr lang="en-US" altLang="zh-CN" dirty="0"/>
+              <a:t>//</a:t>
+            </a:r>
+            <a:r>
+              <a:rPr lang="zh-CN" altLang="en-US" dirty="0"/>
+              <a:t> </a:t>
+            </a:r>
+            <a:r>
+              <a:rPr lang="en-US" altLang="zh-CN" dirty="0"/>
+              <a:t>header</a:t>
+            </a:r>
+            <a:endParaRPr lang="en" altLang="zh-CN" dirty="0"/>
+          </a:p>
+          <a:p>
+            <a:r>
+              <a:rPr lang="en" altLang="zh-CN" dirty="0"/>
+              <a:t>Content-Type: 'text/plain’,</a:t>
+            </a:r>
+          </a:p>
+          <a:p>
+            <a:r>
+              <a:rPr lang="en" altLang="zh-CN" dirty="0"/>
+              <a:t> X-Foo: 'bar’, </a:t>
+            </a:r>
+          </a:p>
+          <a:p>
+            <a:r>
+              <a:rPr lang="en" altLang="zh-CN" dirty="0"/>
+              <a:t>Date: 'Tue, 05 Jul 2022 07:58:09 GMT’, </a:t>
+            </a:r>
+          </a:p>
+          <a:p>
+            <a:r>
+              <a:rPr lang="en" altLang="zh-CN" dirty="0"/>
+              <a:t>Connection: 'keep-alive', Keep-Alive: 'timeout=5’</a:t>
+            </a:r>
+          </a:p>
+          <a:p>
+            <a:r>
+              <a:rPr lang="en" altLang="zh-CN" dirty="0"/>
+              <a:t>}</a:t>
+            </a:r>
+          </a:p>
+          <a:p>
+            <a:endParaRPr lang="en" altLang="zh-CN" dirty="0"/>
+          </a:p>
+          <a:p>
+            <a:r>
+              <a:rPr lang="en" altLang="zh-CN" dirty="0"/>
+              <a:t>body:</a:t>
+            </a:r>
+            <a:r>
+              <a:rPr lang="en-US" altLang="zh-CN" dirty="0"/>
+              <a:t>’&lt;div&gt;&lt;/div&gt;’//</a:t>
+            </a:r>
+            <a:r>
+              <a:rPr lang="zh-CN" altLang="en-US" dirty="0"/>
+              <a:t> 请求体</a:t>
+            </a:r>
+            <a:endParaRPr lang="en" altLang="zh-CN" dirty="0"/>
+          </a:p>
+          <a:p>
+            <a:endParaRPr lang="en" altLang="zh-CN" dirty="0"/>
+          </a:p>
+          <a:p>
+            <a:endParaRPr kumimoji="1" lang="zh-CN" altLang="en-US" dirty="0"/>
+          </a:p>
+        </p:txBody>
+      </p:sp>
+      <p:sp>
+        <p:nvSpPr>
+          <p:cNvPr id="8" name="文本框 7">
+            <a:extLst>
+              <a:ext uri="{FF2B5EF4-FFF2-40B4-BE49-F238E27FC236}">
+                <a16:creationId xmlns:a16="http://schemas.microsoft.com/office/drawing/2014/main" id="{8D81DB31-9913-D869-929A-FC587D6A8824}"/>
+              </a:ext>
+            </a:extLst>
+          </p:cNvPr>
+          <p:cNvSpPr txBox="1"/>
+          <p:nvPr/>
+        </p:nvSpPr>
+        <p:spPr>
+          <a:xfrm>
+            <a:off x="6477002" y="2420660"/>
+            <a:ext cx="5029198" cy="2308324"/>
+          </a:xfrm>
+          <a:prstGeom prst="rect">
+            <a:avLst/>
+          </a:prstGeom>
+          <a:noFill/>
+        </p:spPr>
+        <p:txBody>
+          <a:bodyPr wrap="square" rtlCol="0">
+            <a:spAutoFit/>
+          </a:bodyPr>
+          <a:lstStyle/>
+          <a:p>
+            <a:r>
+              <a:rPr kumimoji="1" lang="zh-CN" altLang="en-US" dirty="0"/>
+              <a:t>有了这些内容，我们就可以根据他格式的断句区分出一些状态</a:t>
+            </a:r>
+            <a:endParaRPr kumimoji="1" lang="en-US" altLang="zh-CN" dirty="0"/>
+          </a:p>
+          <a:p>
+            <a:endParaRPr kumimoji="1" lang="en-US" altLang="zh-CN" dirty="0"/>
+          </a:p>
+          <a:p>
+            <a:r>
+              <a:rPr kumimoji="1" lang="en-US" altLang="zh-CN" dirty="0"/>
+              <a:t>1</a:t>
+            </a:r>
+            <a:r>
+              <a:rPr kumimoji="1" lang="zh-CN" altLang="en-US" dirty="0"/>
+              <a:t>、</a:t>
+            </a:r>
+            <a:r>
+              <a:rPr kumimoji="1" lang="en-US" altLang="zh-CN" dirty="0"/>
+              <a:t>\r\n</a:t>
+            </a:r>
+            <a:r>
+              <a:rPr kumimoji="1" lang="zh-CN" altLang="en-US" dirty="0"/>
+              <a:t> 表示换行 根据这个能有几个状态，比如头换行的状态，</a:t>
+            </a:r>
+            <a:r>
+              <a:rPr kumimoji="1" lang="en-US" altLang="zh-CN" dirty="0"/>
+              <a:t>header</a:t>
+            </a:r>
+            <a:r>
+              <a:rPr kumimoji="1" lang="zh-CN" altLang="en-US" dirty="0"/>
+              <a:t> 的换行状态， 等</a:t>
+            </a:r>
+            <a:endParaRPr kumimoji="1" lang="en-US" altLang="zh-CN" dirty="0"/>
+          </a:p>
+          <a:p>
+            <a:r>
+              <a:rPr kumimoji="1" lang="en-US" altLang="zh-CN" dirty="0"/>
+              <a:t>2</a:t>
+            </a:r>
+            <a:r>
+              <a:rPr kumimoji="1" lang="zh-CN" altLang="en-US" dirty="0"/>
+              <a:t>、 根据冒号也会有几个状态</a:t>
+            </a:r>
+            <a:endParaRPr kumimoji="1" lang="en-US" altLang="zh-CN" dirty="0"/>
+          </a:p>
+          <a:p>
+            <a:r>
+              <a:rPr kumimoji="1" lang="en-US" altLang="zh-CN" dirty="0"/>
+              <a:t>3</a:t>
+            </a:r>
+            <a:r>
+              <a:rPr kumimoji="1" lang="zh-CN" altLang="en-US" dirty="0"/>
+              <a:t>、 由于现在的</a:t>
+            </a:r>
+            <a:r>
+              <a:rPr kumimoji="1" lang="en-US" altLang="zh-CN" dirty="0" err="1"/>
+              <a:t>tcp</a:t>
+            </a:r>
+            <a:r>
+              <a:rPr kumimoji="1" lang="zh-CN" altLang="en-US" dirty="0"/>
+              <a:t>都是基于之前说的</a:t>
+            </a:r>
+            <a:r>
+              <a:rPr lang="en" altLang="zh-CN" dirty="0"/>
+              <a:t>chunked</a:t>
+            </a:r>
+            <a:r>
+              <a:rPr kumimoji="1" lang="zh-CN" altLang="en-US" dirty="0"/>
+              <a:t>分片，请求体的处理又会有很多状态</a:t>
+            </a:r>
+            <a:endParaRPr lang="en" altLang="zh-CN" dirty="0"/>
+          </a:p>
+        </p:txBody>
+      </p:sp>
+    </p:spTree>
+    <p:extLst>
+      <p:ext uri="{BB962C8B-B14F-4D97-AF65-F5344CB8AC3E}">
+        <p14:creationId xmlns:p14="http://schemas.microsoft.com/office/powerpoint/2010/main" val="127269621"/>
+      </p:ext>
+    </p:extLst>
+  </p:cSld>
+  <p:clrMapOvr>
+    <a:masterClrMapping/>
+  </p:clrMapOvr>
+</p:sld>
+</file>
+
+<file path=ppt/slides/slide13.xml><?xml version="1.0" encoding="utf-8"?>
+<p:sld xmlns:a="http://schemas.openxmlformats.org/drawingml/2006/main" xmlns:r="http://schemas.openxmlformats.org/officeDocument/2006/relationships" xmlns:p="http://schemas.openxmlformats.org/presentationml/2006/main">
+  <p:cSld>
+    <p:spTree>
+      <p:nvGrpSpPr>
+        <p:cNvPr id="1" name=""/>
+        <p:cNvGrpSpPr/>
+        <p:nvPr/>
+      </p:nvGrpSpPr>
+      <p:grpSpPr>
+        <a:xfrm>
+          <a:off x="0" y="0"/>
+          <a:ext cx="0" cy="0"/>
+          <a:chOff x="0" y="0"/>
+          <a:chExt cx="0" cy="0"/>
+        </a:xfrm>
+      </p:grpSpPr>
+      <p:sp>
+        <p:nvSpPr>
+          <p:cNvPr id="2" name="标题 1">
+            <a:extLst>
+              <a:ext uri="{FF2B5EF4-FFF2-40B4-BE49-F238E27FC236}">
+                <a16:creationId xmlns:a16="http://schemas.microsoft.com/office/drawing/2014/main" id="{4594EDA2-BBD7-4B8F-7AB7-B7B19485C9BC}"/>
+              </a:ext>
+            </a:extLst>
+          </p:cNvPr>
+          <p:cNvSpPr>
+            <a:spLocks noGrp="1"/>
+          </p:cNvSpPr>
+          <p:nvPr>
+            <p:ph type="title"/>
+          </p:nvPr>
+        </p:nvSpPr>
+        <p:spPr/>
+        <p:txBody>
+          <a:bodyPr/>
+          <a:lstStyle/>
+          <a:p>
+            <a:r>
+              <a:rPr kumimoji="1" lang="zh-CN" altLang="en-US" sz="2400" dirty="0"/>
+              <a:t>浏览器中的</a:t>
+            </a:r>
+            <a:r>
+              <a:rPr kumimoji="1" lang="en-US" altLang="zh-CN" sz="2400" dirty="0"/>
+              <a:t>html</a:t>
+            </a:r>
+            <a:r>
+              <a:rPr kumimoji="1" lang="zh-CN" altLang="en-US" sz="2400" dirty="0"/>
+              <a:t> 、</a:t>
+            </a:r>
+            <a:r>
+              <a:rPr kumimoji="1" lang="en-US" altLang="zh-CN" sz="2400" dirty="0" err="1"/>
+              <a:t>css</a:t>
+            </a:r>
+            <a:r>
+              <a:rPr kumimoji="1" lang="zh-CN" altLang="en-US" sz="2400" dirty="0"/>
+              <a:t> 处理规则</a:t>
+            </a:r>
+            <a:endParaRPr kumimoji="1" lang="zh-CN" altLang="en-US" dirty="0"/>
+          </a:p>
+        </p:txBody>
+      </p:sp>
+      <p:sp>
+        <p:nvSpPr>
+          <p:cNvPr id="3" name="文本框 2">
+            <a:extLst>
+              <a:ext uri="{FF2B5EF4-FFF2-40B4-BE49-F238E27FC236}">
+                <a16:creationId xmlns:a16="http://schemas.microsoft.com/office/drawing/2014/main" id="{00D51860-EF3D-784D-D9BA-5CC61C7DDB6C}"/>
+              </a:ext>
+            </a:extLst>
+          </p:cNvPr>
+          <p:cNvSpPr txBox="1"/>
+          <p:nvPr/>
+        </p:nvSpPr>
+        <p:spPr>
+          <a:xfrm>
+            <a:off x="514350" y="1360170"/>
+            <a:ext cx="9895145" cy="369332"/>
+          </a:xfrm>
+          <a:prstGeom prst="rect">
+            <a:avLst/>
+          </a:prstGeom>
+          <a:noFill/>
+        </p:spPr>
+        <p:txBody>
+          <a:bodyPr wrap="none" rtlCol="0">
+            <a:spAutoFit/>
+          </a:bodyPr>
+          <a:lstStyle/>
+          <a:p>
+            <a:r>
+              <a:rPr lang="zh-CN" altLang="en-US" dirty="0"/>
+              <a:t>这个时候进入了渲染阶段， 这是时候就需要解析处理</a:t>
+            </a:r>
+            <a:r>
+              <a:rPr lang="en-US" altLang="zh-CN" dirty="0"/>
+              <a:t>html</a:t>
+            </a:r>
+            <a:r>
+              <a:rPr lang="zh-CN" altLang="en-US" dirty="0"/>
+              <a:t>、</a:t>
+            </a:r>
+            <a:r>
+              <a:rPr lang="en-US" altLang="zh-CN" dirty="0" err="1"/>
+              <a:t>css</a:t>
+            </a:r>
+            <a:r>
+              <a:rPr lang="zh-CN" altLang="en-US" dirty="0"/>
+              <a:t> ，并且渲染为屏幕上的像素点</a:t>
+            </a:r>
+            <a:endParaRPr kumimoji="1" lang="zh-CN" altLang="en-US" dirty="0"/>
+          </a:p>
+        </p:txBody>
+      </p:sp>
+      <p:pic>
+        <p:nvPicPr>
+          <p:cNvPr id="2050" name="Picture 2">
+            <a:extLst>
+              <a:ext uri="{FF2B5EF4-FFF2-40B4-BE49-F238E27FC236}">
+                <a16:creationId xmlns:a16="http://schemas.microsoft.com/office/drawing/2014/main" id="{28118400-FF13-CD18-1BB6-BEE1DED00F2E}"/>
+              </a:ext>
+            </a:extLst>
+          </p:cNvPr>
+          <p:cNvPicPr>
+            <a:picLocks noChangeAspect="1" noChangeArrowheads="1"/>
+          </p:cNvPicPr>
+          <p:nvPr/>
+        </p:nvPicPr>
+        <p:blipFill>
+          <a:blip r:embed="rId2">
+            <a:extLst>
+              <a:ext uri="{28A0092B-C50C-407E-A947-70E740481C1C}">
+                <a14:useLocalDpi xmlns:a14="http://schemas.microsoft.com/office/drawing/2010/main" val="0"/>
+              </a:ext>
+            </a:extLst>
+          </a:blip>
+          <a:srcRect/>
+          <a:stretch>
+            <a:fillRect/>
+          </a:stretch>
+        </p:blipFill>
+        <p:spPr bwMode="auto">
+          <a:xfrm>
+            <a:off x="811530" y="2111159"/>
+            <a:ext cx="10226040" cy="4038486"/>
+          </a:xfrm>
+          <a:prstGeom prst="rect">
+            <a:avLst/>
+          </a:prstGeom>
+          <a:noFill/>
+          <a:extLst>
+            <a:ext uri="{909E8E84-426E-40DD-AFC4-6F175D3DCCD1}">
+              <a14:hiddenFill xmlns:a14="http://schemas.microsoft.com/office/drawing/2010/main">
+                <a:solidFill>
+                  <a:srgbClr val="FFFFFF"/>
+                </a:solidFill>
+              </a14:hiddenFill>
+            </a:ext>
+          </a:extLst>
+        </p:spPr>
+      </p:pic>
+    </p:spTree>
+    <p:extLst>
+      <p:ext uri="{BB962C8B-B14F-4D97-AF65-F5344CB8AC3E}">
+        <p14:creationId xmlns:p14="http://schemas.microsoft.com/office/powerpoint/2010/main" val="867864028"/>
+      </p:ext>
+    </p:extLst>
+  </p:cSld>
+  <p:clrMapOvr>
+    <a:masterClrMapping/>
+  </p:clrMapOvr>
+</p:sld>
+</file>
+
+<file path=ppt/slides/slide14.xml><?xml version="1.0" encoding="utf-8"?>
+<p:sld xmlns:a="http://schemas.openxmlformats.org/drawingml/2006/main" xmlns:r="http://schemas.openxmlformats.org/officeDocument/2006/relationships" xmlns:p="http://schemas.openxmlformats.org/presentationml/2006/main">
+  <p:cSld>
+    <p:spTree>
+      <p:nvGrpSpPr>
+        <p:cNvPr id="1" name=""/>
+        <p:cNvGrpSpPr/>
+        <p:nvPr/>
+      </p:nvGrpSpPr>
+      <p:grpSpPr>
+        <a:xfrm>
+          <a:off x="0" y="0"/>
+          <a:ext cx="0" cy="0"/>
+          <a:chOff x="0" y="0"/>
+          <a:chExt cx="0" cy="0"/>
+        </a:xfrm>
+      </p:grpSpPr>
+      <p:sp>
+        <p:nvSpPr>
+          <p:cNvPr id="2" name="标题 1">
+            <a:extLst>
+              <a:ext uri="{FF2B5EF4-FFF2-40B4-BE49-F238E27FC236}">
+                <a16:creationId xmlns:a16="http://schemas.microsoft.com/office/drawing/2014/main" id="{13AA0123-3A53-ED3F-C30D-11ED32488A9D}"/>
+              </a:ext>
+            </a:extLst>
+          </p:cNvPr>
+          <p:cNvSpPr>
+            <a:spLocks noGrp="1"/>
+          </p:cNvSpPr>
+          <p:nvPr>
+            <p:ph type="title"/>
+          </p:nvPr>
+        </p:nvSpPr>
+        <p:spPr/>
+        <p:txBody>
+          <a:bodyPr/>
+          <a:lstStyle/>
+          <a:p>
+            <a:r>
+              <a:rPr kumimoji="1" lang="zh-CN" altLang="en-US" sz="2000" dirty="0"/>
+              <a:t>浏览器中的</a:t>
+            </a:r>
+            <a:r>
+              <a:rPr kumimoji="1" lang="en-US" altLang="zh-CN" sz="2000" dirty="0"/>
+              <a:t>html</a:t>
+            </a:r>
+            <a:r>
+              <a:rPr kumimoji="1" lang="zh-CN" altLang="en-US" sz="2000" dirty="0"/>
+              <a:t> 、</a:t>
+            </a:r>
+            <a:r>
+              <a:rPr kumimoji="1" lang="en-US" altLang="zh-CN" sz="2000" dirty="0" err="1"/>
+              <a:t>css</a:t>
+            </a:r>
+            <a:r>
+              <a:rPr kumimoji="1" lang="zh-CN" altLang="en-US" sz="2000" dirty="0"/>
+              <a:t> 处理规则</a:t>
+            </a:r>
+            <a:endParaRPr kumimoji="1" lang="zh-CN" altLang="en-US" dirty="0"/>
+          </a:p>
+        </p:txBody>
+      </p:sp>
+      <p:sp>
+        <p:nvSpPr>
+          <p:cNvPr id="3" name="文本框 2">
+            <a:extLst>
+              <a:ext uri="{FF2B5EF4-FFF2-40B4-BE49-F238E27FC236}">
+                <a16:creationId xmlns:a16="http://schemas.microsoft.com/office/drawing/2014/main" id="{8B1103FA-DD49-EDA1-7A57-B546680D13AF}"/>
+              </a:ext>
+            </a:extLst>
+          </p:cNvPr>
+          <p:cNvSpPr txBox="1"/>
+          <p:nvPr/>
+        </p:nvSpPr>
+        <p:spPr>
+          <a:xfrm>
+            <a:off x="897118" y="3642465"/>
+            <a:ext cx="3234690" cy="369332"/>
+          </a:xfrm>
+          <a:prstGeom prst="rect">
+            <a:avLst/>
+          </a:prstGeom>
+          <a:noFill/>
+        </p:spPr>
+        <p:txBody>
+          <a:bodyPr wrap="square" rtlCol="0">
+            <a:spAutoFit/>
+          </a:bodyPr>
+          <a:lstStyle/>
+          <a:p>
+            <a:r>
+              <a:rPr lang="zh-CN" altLang="en-US" b="1" dirty="0"/>
+              <a:t>构建</a:t>
+            </a:r>
+            <a:r>
+              <a:rPr lang="en" altLang="zh-CN" b="1" dirty="0"/>
+              <a:t>DOM</a:t>
+            </a:r>
+            <a:r>
+              <a:rPr lang="zh-CN" altLang="en-US" b="1" dirty="0"/>
+              <a:t>树</a:t>
+            </a:r>
+          </a:p>
+        </p:txBody>
+      </p:sp>
+      <p:pic>
+        <p:nvPicPr>
+          <p:cNvPr id="4" name="图片 3">
+            <a:extLst>
+              <a:ext uri="{FF2B5EF4-FFF2-40B4-BE49-F238E27FC236}">
+                <a16:creationId xmlns:a16="http://schemas.microsoft.com/office/drawing/2014/main" id="{05313CAE-7CAA-D4AC-770B-91537DC9111C}"/>
+              </a:ext>
+            </a:extLst>
+          </p:cNvPr>
+          <p:cNvPicPr>
+            <a:picLocks noChangeAspect="1"/>
+          </p:cNvPicPr>
+          <p:nvPr/>
+        </p:nvPicPr>
+        <p:blipFill>
+          <a:blip r:embed="rId2"/>
+          <a:stretch>
+            <a:fillRect/>
+          </a:stretch>
+        </p:blipFill>
+        <p:spPr>
+          <a:xfrm>
+            <a:off x="897118" y="1386287"/>
+            <a:ext cx="10397764" cy="1756963"/>
+          </a:xfrm>
+          <a:prstGeom prst="rect">
+            <a:avLst/>
+          </a:prstGeom>
+        </p:spPr>
+      </p:pic>
+      <p:sp>
+        <p:nvSpPr>
+          <p:cNvPr id="5" name="文本框 4">
+            <a:extLst>
+              <a:ext uri="{FF2B5EF4-FFF2-40B4-BE49-F238E27FC236}">
+                <a16:creationId xmlns:a16="http://schemas.microsoft.com/office/drawing/2014/main" id="{F1C5AAA2-EFD9-D09D-2C2B-C6DD978314EE}"/>
+              </a:ext>
+            </a:extLst>
+          </p:cNvPr>
+          <p:cNvSpPr txBox="1"/>
+          <p:nvPr/>
+        </p:nvSpPr>
+        <p:spPr>
+          <a:xfrm>
+            <a:off x="897118" y="4564324"/>
+            <a:ext cx="10275570" cy="369332"/>
+          </a:xfrm>
+          <a:prstGeom prst="rect">
+            <a:avLst/>
+          </a:prstGeom>
+          <a:noFill/>
+        </p:spPr>
+        <p:txBody>
+          <a:bodyPr wrap="none" rtlCol="0">
+            <a:spAutoFit/>
+          </a:bodyPr>
+          <a:lstStyle/>
+          <a:p>
+            <a:r>
+              <a:rPr lang="zh-CN" altLang="en-US" dirty="0"/>
+              <a:t>因为浏览器无法直接理解和使用</a:t>
+            </a:r>
+            <a:r>
+              <a:rPr lang="en" altLang="zh-CN" dirty="0"/>
+              <a:t>HTML</a:t>
+            </a:r>
+            <a:r>
+              <a:rPr lang="zh-CN" altLang="en" dirty="0"/>
+              <a:t>，</a:t>
+            </a:r>
+            <a:r>
+              <a:rPr lang="zh-CN" altLang="en-US" dirty="0"/>
+              <a:t>所以需要将</a:t>
+            </a:r>
+            <a:r>
+              <a:rPr lang="en" altLang="zh-CN" dirty="0"/>
+              <a:t>HTML</a:t>
+            </a:r>
+            <a:r>
+              <a:rPr lang="zh-CN" altLang="en-US" dirty="0"/>
+              <a:t>转换为浏览器能够理解的结构</a:t>
+            </a:r>
+            <a:r>
+              <a:rPr lang="en-US" altLang="zh-CN" dirty="0"/>
+              <a:t>——</a:t>
+            </a:r>
+            <a:r>
+              <a:rPr lang="en" altLang="zh-CN" dirty="0"/>
+              <a:t>DOM</a:t>
+            </a:r>
+            <a:r>
+              <a:rPr lang="zh-CN" altLang="en-US" dirty="0"/>
+              <a:t>树。</a:t>
+            </a:r>
+            <a:endParaRPr kumimoji="1" lang="zh-CN" altLang="en-US" dirty="0"/>
+          </a:p>
+        </p:txBody>
+      </p:sp>
+    </p:spTree>
+    <p:extLst>
+      <p:ext uri="{BB962C8B-B14F-4D97-AF65-F5344CB8AC3E}">
+        <p14:creationId xmlns:p14="http://schemas.microsoft.com/office/powerpoint/2010/main" val="4260975307"/>
+      </p:ext>
+    </p:extLst>
+  </p:cSld>
+  <p:clrMapOvr>
+    <a:masterClrMapping/>
+  </p:clrMapOvr>
+</p:sld>
+</file>
+
+<file path=ppt/slides/slide15.xml><?xml version="1.0" encoding="utf-8"?>
+<p:sld xmlns:a="http://schemas.openxmlformats.org/drawingml/2006/main" xmlns:r="http://schemas.openxmlformats.org/officeDocument/2006/relationships" xmlns:p="http://schemas.openxmlformats.org/presentationml/2006/main">
+  <p:cSld>
+    <p:spTree>
+      <p:nvGrpSpPr>
+        <p:cNvPr id="1" name=""/>
+        <p:cNvGrpSpPr/>
+        <p:nvPr/>
+      </p:nvGrpSpPr>
+      <p:grpSpPr>
+        <a:xfrm>
+          <a:off x="0" y="0"/>
+          <a:ext cx="0" cy="0"/>
+          <a:chOff x="0" y="0"/>
+          <a:chExt cx="0" cy="0"/>
+        </a:xfrm>
+      </p:grpSpPr>
+      <p:sp>
+        <p:nvSpPr>
+          <p:cNvPr id="2" name="标题 1">
+            <a:extLst>
+              <a:ext uri="{FF2B5EF4-FFF2-40B4-BE49-F238E27FC236}">
+                <a16:creationId xmlns:a16="http://schemas.microsoft.com/office/drawing/2014/main" id="{4883A65A-593C-F7F6-E279-54E45D743206}"/>
+              </a:ext>
+            </a:extLst>
+          </p:cNvPr>
+          <p:cNvSpPr>
+            <a:spLocks noGrp="1"/>
+          </p:cNvSpPr>
+          <p:nvPr>
+            <p:ph type="title"/>
+          </p:nvPr>
+        </p:nvSpPr>
+        <p:spPr/>
+        <p:txBody>
+          <a:bodyPr/>
+          <a:lstStyle/>
+          <a:p>
+            <a:r>
+              <a:rPr kumimoji="1" lang="zh-CN" altLang="en-US" sz="2400" dirty="0"/>
+              <a:t>浏览器中的</a:t>
+            </a:r>
+            <a:r>
+              <a:rPr kumimoji="1" lang="en-US" altLang="zh-CN" sz="2400" dirty="0"/>
+              <a:t>html</a:t>
+            </a:r>
+            <a:r>
+              <a:rPr kumimoji="1" lang="zh-CN" altLang="en-US" sz="2400" dirty="0"/>
+              <a:t> 、</a:t>
+            </a:r>
+            <a:r>
+              <a:rPr kumimoji="1" lang="en-US" altLang="zh-CN" sz="2400" dirty="0" err="1"/>
+              <a:t>css</a:t>
+            </a:r>
+            <a:r>
+              <a:rPr kumimoji="1" lang="zh-CN" altLang="en-US" sz="2400" dirty="0"/>
+              <a:t> 处理规则</a:t>
+            </a:r>
+            <a:endParaRPr kumimoji="1" lang="zh-CN" altLang="en-US" dirty="0"/>
+          </a:p>
+        </p:txBody>
+      </p:sp>
+      <p:pic>
+        <p:nvPicPr>
+          <p:cNvPr id="3074" name="Picture 2">
+            <a:extLst>
+              <a:ext uri="{FF2B5EF4-FFF2-40B4-BE49-F238E27FC236}">
+                <a16:creationId xmlns:a16="http://schemas.microsoft.com/office/drawing/2014/main" id="{E43B976C-6F94-8A8E-3D75-88D6AA6EDD4C}"/>
+              </a:ext>
+            </a:extLst>
+          </p:cNvPr>
+          <p:cNvPicPr>
+            <a:picLocks noChangeAspect="1" noChangeArrowheads="1"/>
+          </p:cNvPicPr>
+          <p:nvPr/>
+        </p:nvPicPr>
+        <p:blipFill>
+          <a:blip r:embed="rId2">
+            <a:extLst>
+              <a:ext uri="{28A0092B-C50C-407E-A947-70E740481C1C}">
+                <a14:useLocalDpi xmlns:a14="http://schemas.microsoft.com/office/drawing/2010/main" val="0"/>
+              </a:ext>
+            </a:extLst>
+          </a:blip>
+          <a:srcRect/>
+          <a:stretch>
+            <a:fillRect/>
+          </a:stretch>
+        </p:blipFill>
+        <p:spPr bwMode="auto">
+          <a:xfrm>
+            <a:off x="630512" y="1108709"/>
+            <a:ext cx="10635658" cy="5168265"/>
+          </a:xfrm>
+          <a:prstGeom prst="rect">
+            <a:avLst/>
+          </a:prstGeom>
+          <a:noFill/>
+          <a:extLst>
+            <a:ext uri="{909E8E84-426E-40DD-AFC4-6F175D3DCCD1}">
+              <a14:hiddenFill xmlns:a14="http://schemas.microsoft.com/office/drawing/2010/main">
+                <a:solidFill>
+                  <a:srgbClr val="FFFFFF"/>
+                </a:solidFill>
+              </a14:hiddenFill>
+            </a:ext>
+          </a:extLst>
+        </p:spPr>
+      </p:pic>
+    </p:spTree>
+    <p:extLst>
+      <p:ext uri="{BB962C8B-B14F-4D97-AF65-F5344CB8AC3E}">
+        <p14:creationId xmlns:p14="http://schemas.microsoft.com/office/powerpoint/2010/main" val="484019979"/>
+      </p:ext>
+    </p:extLst>
+  </p:cSld>
+  <p:clrMapOvr>
+    <a:masterClrMapping/>
+  </p:clrMapOvr>
+</p:sld>
+</file>
+
+<file path=ppt/slides/slide16.xml><?xml version="1.0" encoding="utf-8"?>
+<p:sld xmlns:a="http://schemas.openxmlformats.org/drawingml/2006/main" xmlns:r="http://schemas.openxmlformats.org/officeDocument/2006/relationships" xmlns:p="http://schemas.openxmlformats.org/presentationml/2006/main">
+  <p:cSld>
+    <p:spTree>
+      <p:nvGrpSpPr>
+        <p:cNvPr id="1" name=""/>
+        <p:cNvGrpSpPr/>
+        <p:nvPr/>
+      </p:nvGrpSpPr>
+      <p:grpSpPr>
+        <a:xfrm>
+          <a:off x="0" y="0"/>
+          <a:ext cx="0" cy="0"/>
+          <a:chOff x="0" y="0"/>
+          <a:chExt cx="0" cy="0"/>
+        </a:xfrm>
+      </p:grpSpPr>
+      <p:sp>
+        <p:nvSpPr>
+          <p:cNvPr id="2" name="标题 1">
+            <a:extLst>
+              <a:ext uri="{FF2B5EF4-FFF2-40B4-BE49-F238E27FC236}">
+                <a16:creationId xmlns:a16="http://schemas.microsoft.com/office/drawing/2014/main" id="{49A12D50-382A-E006-B498-55106F780A4E}"/>
+              </a:ext>
+            </a:extLst>
+          </p:cNvPr>
+          <p:cNvSpPr>
+            <a:spLocks noGrp="1"/>
+          </p:cNvSpPr>
+          <p:nvPr>
+            <p:ph type="title"/>
+          </p:nvPr>
+        </p:nvSpPr>
+        <p:spPr/>
+        <p:txBody>
+          <a:bodyPr/>
+          <a:lstStyle/>
+          <a:p>
+            <a:r>
+              <a:rPr kumimoji="1" lang="zh-CN" altLang="en-US" sz="2000" dirty="0"/>
+              <a:t>浏览器中的</a:t>
+            </a:r>
+            <a:r>
+              <a:rPr kumimoji="1" lang="en-US" altLang="zh-CN" sz="2000" dirty="0"/>
+              <a:t>html</a:t>
+            </a:r>
+            <a:r>
+              <a:rPr kumimoji="1" lang="zh-CN" altLang="en-US" sz="2000" dirty="0"/>
+              <a:t> 、</a:t>
+            </a:r>
+            <a:r>
+              <a:rPr kumimoji="1" lang="en-US" altLang="zh-CN" sz="2000" dirty="0" err="1"/>
+              <a:t>css</a:t>
+            </a:r>
+            <a:r>
+              <a:rPr kumimoji="1" lang="zh-CN" altLang="en-US" sz="2000" dirty="0"/>
+              <a:t> 处理规则</a:t>
+            </a:r>
+            <a:endParaRPr kumimoji="1" lang="zh-CN" altLang="en-US" dirty="0"/>
+          </a:p>
+        </p:txBody>
+      </p:sp>
+      <p:sp>
+        <p:nvSpPr>
+          <p:cNvPr id="3" name="文本框 2">
+            <a:extLst>
+              <a:ext uri="{FF2B5EF4-FFF2-40B4-BE49-F238E27FC236}">
+                <a16:creationId xmlns:a16="http://schemas.microsoft.com/office/drawing/2014/main" id="{14564DD0-F98D-95DE-92A0-BE5AD040B012}"/>
+              </a:ext>
+            </a:extLst>
+          </p:cNvPr>
+          <p:cNvSpPr txBox="1"/>
+          <p:nvPr/>
+        </p:nvSpPr>
+        <p:spPr>
+          <a:xfrm>
+            <a:off x="422910" y="990390"/>
+            <a:ext cx="6558398" cy="369332"/>
+          </a:xfrm>
+          <a:prstGeom prst="rect">
+            <a:avLst/>
+          </a:prstGeom>
+          <a:noFill/>
+        </p:spPr>
+        <p:txBody>
+          <a:bodyPr wrap="none" rtlCol="0">
+            <a:spAutoFit/>
+          </a:bodyPr>
+          <a:lstStyle/>
+          <a:p>
+            <a:r>
+              <a:rPr kumimoji="1" lang="zh-CN" altLang="en-US" dirty="0"/>
+              <a:t>在</a:t>
+            </a:r>
+            <a:r>
+              <a:rPr kumimoji="1" lang="en-US" altLang="zh-CN" dirty="0" err="1"/>
+              <a:t>js</a:t>
+            </a:r>
+            <a:r>
+              <a:rPr kumimoji="1" lang="zh-CN" altLang="en-US" dirty="0"/>
+              <a:t> 中来表现来说 ，使用对象来描述标签，</a:t>
+            </a:r>
+            <a:r>
+              <a:rPr kumimoji="1" lang="en-US" altLang="zh-CN" dirty="0"/>
+              <a:t>children</a:t>
+            </a:r>
+            <a:r>
+              <a:rPr kumimoji="1" lang="zh-CN" altLang="en-US" dirty="0"/>
+              <a:t> 描述子标签</a:t>
+            </a:r>
+          </a:p>
+        </p:txBody>
+      </p:sp>
+      <p:pic>
+        <p:nvPicPr>
+          <p:cNvPr id="4" name="图片 3">
+            <a:extLst>
+              <a:ext uri="{FF2B5EF4-FFF2-40B4-BE49-F238E27FC236}">
+                <a16:creationId xmlns:a16="http://schemas.microsoft.com/office/drawing/2014/main" id="{43D68A43-FDE1-C754-2620-1301979F7945}"/>
+              </a:ext>
+            </a:extLst>
+          </p:cNvPr>
+          <p:cNvPicPr>
+            <a:picLocks noChangeAspect="1"/>
+          </p:cNvPicPr>
+          <p:nvPr/>
+        </p:nvPicPr>
+        <p:blipFill>
+          <a:blip r:embed="rId2"/>
+          <a:stretch>
+            <a:fillRect/>
+          </a:stretch>
+        </p:blipFill>
+        <p:spPr>
+          <a:xfrm>
+            <a:off x="834390" y="1497329"/>
+            <a:ext cx="9806940" cy="4960560"/>
+          </a:xfrm>
+          <a:prstGeom prst="rect">
+            <a:avLst/>
+          </a:prstGeom>
+        </p:spPr>
+      </p:pic>
+    </p:spTree>
+    <p:extLst>
+      <p:ext uri="{BB962C8B-B14F-4D97-AF65-F5344CB8AC3E}">
+        <p14:creationId xmlns:p14="http://schemas.microsoft.com/office/powerpoint/2010/main" val="1943369329"/>
+      </p:ext>
+    </p:extLst>
+  </p:cSld>
+  <p:clrMapOvr>
+    <a:masterClrMapping/>
+  </p:clrMapOvr>
+</p:sld>
+</file>
+
+<file path=ppt/slides/slide17.xml><?xml version="1.0" encoding="utf-8"?>
+<p:sld xmlns:a="http://schemas.openxmlformats.org/drawingml/2006/main" xmlns:r="http://schemas.openxmlformats.org/officeDocument/2006/relationships" xmlns:p="http://schemas.openxmlformats.org/presentationml/2006/main">
+  <p:cSld>
+    <p:spTree>
+      <p:nvGrpSpPr>
+        <p:cNvPr id="1" name=""/>
+        <p:cNvGrpSpPr/>
+        <p:nvPr/>
+      </p:nvGrpSpPr>
+      <p:grpSpPr>
+        <a:xfrm>
+          <a:off x="0" y="0"/>
+          <a:ext cx="0" cy="0"/>
+          <a:chOff x="0" y="0"/>
+          <a:chExt cx="0" cy="0"/>
+        </a:xfrm>
+      </p:grpSpPr>
+      <p:sp>
+        <p:nvSpPr>
+          <p:cNvPr id="2" name="标题 1">
+            <a:extLst>
+              <a:ext uri="{FF2B5EF4-FFF2-40B4-BE49-F238E27FC236}">
+                <a16:creationId xmlns:a16="http://schemas.microsoft.com/office/drawing/2014/main" id="{967EA7BA-9188-BC6F-9C40-2CF5A9176AE5}"/>
+              </a:ext>
+            </a:extLst>
+          </p:cNvPr>
+          <p:cNvSpPr>
+            <a:spLocks noGrp="1"/>
+          </p:cNvSpPr>
+          <p:nvPr>
+            <p:ph type="title"/>
+          </p:nvPr>
+        </p:nvSpPr>
+        <p:spPr/>
+        <p:txBody>
+          <a:bodyPr/>
+          <a:lstStyle/>
+          <a:p>
+            <a:r>
+              <a:rPr kumimoji="1" lang="zh-CN" altLang="en-US" sz="2400" dirty="0"/>
+              <a:t>浏览器中的</a:t>
+            </a:r>
+            <a:r>
+              <a:rPr kumimoji="1" lang="en-US" altLang="zh-CN" sz="2400" dirty="0"/>
+              <a:t>html</a:t>
+            </a:r>
+            <a:r>
+              <a:rPr kumimoji="1" lang="zh-CN" altLang="en-US" sz="2400" dirty="0"/>
+              <a:t> 、</a:t>
+            </a:r>
+            <a:r>
+              <a:rPr kumimoji="1" lang="en-US" altLang="zh-CN" sz="2400" dirty="0" err="1"/>
+              <a:t>css</a:t>
+            </a:r>
+            <a:r>
+              <a:rPr kumimoji="1" lang="zh-CN" altLang="en-US" sz="2400" dirty="0"/>
+              <a:t> 处理规则</a:t>
+            </a:r>
+            <a:endParaRPr kumimoji="1" lang="zh-CN" altLang="en-US" dirty="0"/>
+          </a:p>
+        </p:txBody>
+      </p:sp>
+      <p:pic>
+        <p:nvPicPr>
+          <p:cNvPr id="3" name="图片 2">
+            <a:extLst>
+              <a:ext uri="{FF2B5EF4-FFF2-40B4-BE49-F238E27FC236}">
+                <a16:creationId xmlns:a16="http://schemas.microsoft.com/office/drawing/2014/main" id="{E21D0D0D-49A9-3744-3060-106AA8BDEA19}"/>
+              </a:ext>
+            </a:extLst>
+          </p:cNvPr>
+          <p:cNvPicPr>
+            <a:picLocks noChangeAspect="1"/>
+          </p:cNvPicPr>
+          <p:nvPr/>
+        </p:nvPicPr>
+        <p:blipFill>
+          <a:blip r:embed="rId2"/>
+          <a:stretch>
+            <a:fillRect/>
+          </a:stretch>
+        </p:blipFill>
+        <p:spPr>
+          <a:xfrm>
+            <a:off x="268605" y="1351589"/>
+            <a:ext cx="11654790" cy="1887229"/>
+          </a:xfrm>
+          <a:prstGeom prst="rect">
+            <a:avLst/>
+          </a:prstGeom>
+        </p:spPr>
+      </p:pic>
+      <p:sp>
+        <p:nvSpPr>
+          <p:cNvPr id="4" name="文本框 3">
+            <a:extLst>
+              <a:ext uri="{FF2B5EF4-FFF2-40B4-BE49-F238E27FC236}">
+                <a16:creationId xmlns:a16="http://schemas.microsoft.com/office/drawing/2014/main" id="{4198CD8D-4509-2AFD-D400-8CDF34B70DC4}"/>
+              </a:ext>
+            </a:extLst>
+          </p:cNvPr>
+          <p:cNvSpPr txBox="1"/>
+          <p:nvPr/>
+        </p:nvSpPr>
+        <p:spPr>
+          <a:xfrm>
+            <a:off x="491490" y="3897630"/>
+            <a:ext cx="8629650" cy="646331"/>
+          </a:xfrm>
+          <a:prstGeom prst="rect">
+            <a:avLst/>
+          </a:prstGeom>
+          <a:noFill/>
+        </p:spPr>
+        <p:txBody>
+          <a:bodyPr wrap="square" rtlCol="0">
+            <a:spAutoFit/>
+          </a:bodyPr>
+          <a:lstStyle/>
+          <a:p>
+            <a:r>
+              <a:rPr kumimoji="1" lang="zh-CN" altLang="en-US" dirty="0"/>
+              <a:t> 知道了目标以后，我们就需要将上述的一坨</a:t>
+            </a:r>
+            <a:r>
+              <a:rPr kumimoji="1" lang="en-US" altLang="zh-CN" dirty="0"/>
+              <a:t>html</a:t>
+            </a:r>
+            <a:r>
+              <a:rPr kumimoji="1" lang="zh-CN" altLang="en-US" dirty="0"/>
+              <a:t>转化为 树的结构，同样的还是使用状态机 生成</a:t>
+            </a:r>
+            <a:r>
+              <a:rPr kumimoji="1" lang="en-US" altLang="zh-CN" dirty="0" err="1"/>
+              <a:t>ast</a:t>
+            </a:r>
+            <a:r>
+              <a:rPr kumimoji="1" lang="zh-CN" altLang="en-US" dirty="0"/>
+              <a:t> </a:t>
+            </a:r>
+          </a:p>
+        </p:txBody>
+      </p:sp>
+    </p:spTree>
+    <p:extLst>
+      <p:ext uri="{BB962C8B-B14F-4D97-AF65-F5344CB8AC3E}">
+        <p14:creationId xmlns:p14="http://schemas.microsoft.com/office/powerpoint/2010/main" val="1299438809"/>
+      </p:ext>
+    </p:extLst>
+  </p:cSld>
+  <p:clrMapOvr>
+    <a:masterClrMapping/>
+  </p:clrMapOvr>
+</p:sld>
+</file>
+
+<file path=ppt/slides/slide18.xml><?xml version="1.0" encoding="utf-8"?>
+<p:sld xmlns:a="http://schemas.openxmlformats.org/drawingml/2006/main" xmlns:r="http://schemas.openxmlformats.org/officeDocument/2006/relationships" xmlns:p="http://schemas.openxmlformats.org/presentationml/2006/main">
+  <p:cSld>
+    <p:spTree>
+      <p:nvGrpSpPr>
+        <p:cNvPr id="1" name=""/>
+        <p:cNvGrpSpPr/>
+        <p:nvPr/>
+      </p:nvGrpSpPr>
+      <p:grpSpPr>
+        <a:xfrm>
+          <a:off x="0" y="0"/>
+          <a:ext cx="0" cy="0"/>
+          <a:chOff x="0" y="0"/>
+          <a:chExt cx="0" cy="0"/>
+        </a:xfrm>
+      </p:grpSpPr>
+      <p:sp>
+        <p:nvSpPr>
+          <p:cNvPr id="2" name="标题 1">
+            <a:extLst>
+              <a:ext uri="{FF2B5EF4-FFF2-40B4-BE49-F238E27FC236}">
+                <a16:creationId xmlns:a16="http://schemas.microsoft.com/office/drawing/2014/main" id="{93315672-A6E6-616E-7A87-37FA54641B0E}"/>
+              </a:ext>
+            </a:extLst>
+          </p:cNvPr>
+          <p:cNvSpPr>
+            <a:spLocks noGrp="1"/>
+          </p:cNvSpPr>
+          <p:nvPr>
+            <p:ph type="title"/>
+          </p:nvPr>
+        </p:nvSpPr>
+        <p:spPr/>
+        <p:txBody>
+          <a:bodyPr/>
+          <a:lstStyle/>
+          <a:p>
+            <a:r>
+              <a:rPr kumimoji="1" lang="zh-CN" altLang="en-US" sz="2400" dirty="0"/>
+              <a:t>浏览器中的循环系统</a:t>
+            </a:r>
+            <a:endParaRPr kumimoji="1" lang="zh-CN" altLang="en-US" dirty="0"/>
+          </a:p>
+        </p:txBody>
+      </p:sp>
+      <p:sp>
+        <p:nvSpPr>
+          <p:cNvPr id="3" name="文本框 2">
+            <a:extLst>
+              <a:ext uri="{FF2B5EF4-FFF2-40B4-BE49-F238E27FC236}">
+                <a16:creationId xmlns:a16="http://schemas.microsoft.com/office/drawing/2014/main" id="{255EF140-E17F-B8ED-1F76-24F454EFCBF2}"/>
+              </a:ext>
+            </a:extLst>
+          </p:cNvPr>
+          <p:cNvSpPr txBox="1"/>
+          <p:nvPr/>
+        </p:nvSpPr>
+        <p:spPr>
+          <a:xfrm>
+            <a:off x="400050" y="960120"/>
+            <a:ext cx="2276585" cy="646331"/>
+          </a:xfrm>
+          <a:prstGeom prst="rect">
+            <a:avLst/>
+          </a:prstGeom>
+          <a:noFill/>
+        </p:spPr>
+        <p:txBody>
+          <a:bodyPr wrap="none" rtlCol="0">
+            <a:spAutoFit/>
+          </a:bodyPr>
+          <a:lstStyle/>
+          <a:p>
+            <a:r>
+              <a:rPr lang="zh-CN" altLang="en-US" b="1" dirty="0"/>
+              <a:t>消息队列和事件循环</a:t>
+            </a:r>
+          </a:p>
+          <a:p>
+            <a:endParaRPr kumimoji="1" lang="zh-CN" altLang="en-US" dirty="0"/>
+          </a:p>
+        </p:txBody>
+      </p:sp>
+      <p:sp>
+        <p:nvSpPr>
+          <p:cNvPr id="4" name="文本框 3">
+            <a:extLst>
+              <a:ext uri="{FF2B5EF4-FFF2-40B4-BE49-F238E27FC236}">
+                <a16:creationId xmlns:a16="http://schemas.microsoft.com/office/drawing/2014/main" id="{80B56114-D542-DBD7-7C6E-806DBEE681F7}"/>
+              </a:ext>
+            </a:extLst>
+          </p:cNvPr>
+          <p:cNvSpPr txBox="1"/>
+          <p:nvPr/>
+        </p:nvSpPr>
+        <p:spPr>
+          <a:xfrm>
+            <a:off x="308610" y="1485188"/>
+            <a:ext cx="11320816" cy="923330"/>
+          </a:xfrm>
+          <a:prstGeom prst="rect">
+            <a:avLst/>
+          </a:prstGeom>
+          <a:noFill/>
+        </p:spPr>
+        <p:txBody>
+          <a:bodyPr wrap="square" rtlCol="0">
+            <a:spAutoFit/>
+          </a:bodyPr>
+          <a:lstStyle/>
+          <a:p>
+            <a:r>
+              <a:rPr lang="zh-CN" altLang="en-US" dirty="0"/>
+              <a:t>每个渲染进程都有一个主线程，并且主线程非常繁忙，既要处理 </a:t>
+            </a:r>
+            <a:r>
+              <a:rPr lang="en" altLang="zh-CN" dirty="0"/>
+              <a:t>DOM</a:t>
+            </a:r>
+            <a:r>
+              <a:rPr lang="zh-CN" altLang="en" dirty="0"/>
+              <a:t>，</a:t>
+            </a:r>
+            <a:r>
+              <a:rPr lang="zh-CN" altLang="en-US" dirty="0"/>
+              <a:t>又要计算样式，还要处理布局，同时还需要处理 </a:t>
+            </a:r>
+            <a:r>
+              <a:rPr lang="en" altLang="zh-CN" dirty="0"/>
+              <a:t>JavaScript </a:t>
+            </a:r>
+            <a:r>
+              <a:rPr lang="zh-CN" altLang="en-US" dirty="0"/>
+              <a:t>任务以及各种输入事件。要让这么多不同类型的任务在主线程中有条不紊地执行，这就需要一个系统来统筹调度这些任务，</a:t>
+            </a:r>
+            <a:endParaRPr kumimoji="1" lang="zh-CN" altLang="en-US" dirty="0"/>
+          </a:p>
+        </p:txBody>
+      </p:sp>
+      <p:sp>
+        <p:nvSpPr>
+          <p:cNvPr id="5" name="文本框 4">
+            <a:extLst>
+              <a:ext uri="{FF2B5EF4-FFF2-40B4-BE49-F238E27FC236}">
+                <a16:creationId xmlns:a16="http://schemas.microsoft.com/office/drawing/2014/main" id="{56D56C56-CFC6-904F-D14F-847B006B1B23}"/>
+              </a:ext>
+            </a:extLst>
+          </p:cNvPr>
+          <p:cNvSpPr txBox="1"/>
+          <p:nvPr/>
+        </p:nvSpPr>
+        <p:spPr>
+          <a:xfrm>
+            <a:off x="400050" y="3309438"/>
+            <a:ext cx="4217670" cy="1200329"/>
+          </a:xfrm>
+          <a:prstGeom prst="rect">
+            <a:avLst/>
+          </a:prstGeom>
+          <a:noFill/>
+        </p:spPr>
+        <p:txBody>
+          <a:bodyPr wrap="square" rtlCol="0">
+            <a:spAutoFit/>
+          </a:bodyPr>
+          <a:lstStyle/>
+          <a:p>
+            <a:r>
+              <a:rPr lang="en-US" altLang="zh-CN" b="1" dirty="0"/>
+              <a:t>1</a:t>
+            </a:r>
+            <a:r>
+              <a:rPr lang="zh-CN" altLang="en-US" b="1" dirty="0"/>
+              <a:t>、使用单线程处理</a:t>
+            </a:r>
+            <a:r>
+              <a:rPr kumimoji="1" lang="zh-CN" altLang="en-US" b="1" dirty="0"/>
+              <a:t>任务</a:t>
+            </a:r>
+            <a:endParaRPr kumimoji="1" lang="en-US" altLang="zh-CN" b="1" dirty="0"/>
+          </a:p>
+          <a:p>
+            <a:r>
+              <a:rPr kumimoji="1" lang="en-US" altLang="zh-CN" b="1" dirty="0"/>
+              <a:t>2</a:t>
+            </a:r>
+            <a:r>
+              <a:rPr kumimoji="1" lang="zh-CN" altLang="en-US" b="1" dirty="0"/>
+              <a:t>、</a:t>
+            </a:r>
+            <a:r>
+              <a:rPr lang="zh-CN" altLang="en-US" b="1" dirty="0"/>
+              <a:t>引入了循环机制</a:t>
+            </a:r>
+            <a:r>
+              <a:rPr lang="en-US" altLang="zh-CN" b="1" dirty="0"/>
+              <a:t>,</a:t>
+            </a:r>
+            <a:r>
+              <a:rPr lang="zh-CN" altLang="en-US" b="1" dirty="0"/>
+              <a:t>顺序执行任务</a:t>
+            </a:r>
+            <a:endParaRPr lang="en-US" altLang="zh-CN" b="1" dirty="0"/>
+          </a:p>
+          <a:p>
+            <a:r>
+              <a:rPr lang="en-US" altLang="zh-CN" b="1" dirty="0"/>
+              <a:t>3</a:t>
+            </a:r>
+            <a:r>
+              <a:rPr lang="zh-CN" altLang="en-US" b="1" dirty="0"/>
+              <a:t>、引入消息队列排队任务</a:t>
+            </a:r>
+            <a:endParaRPr lang="en-US" altLang="zh-CN" b="1" dirty="0"/>
+          </a:p>
+          <a:p>
+            <a:r>
+              <a:rPr kumimoji="1" lang="en-US" altLang="zh-CN" b="1" dirty="0"/>
+              <a:t>4</a:t>
+            </a:r>
+            <a:r>
+              <a:rPr kumimoji="1" lang="zh-CN" altLang="en-US" b="1" dirty="0"/>
+              <a:t>、引入微任务</a:t>
+            </a:r>
+            <a:r>
+              <a:rPr lang="zh-CN" altLang="en-US" b="1" dirty="0"/>
+              <a:t>处理高优先级的任务</a:t>
+            </a:r>
+            <a:endParaRPr kumimoji="1" lang="zh-CN" altLang="en-US" b="1" dirty="0"/>
+          </a:p>
+        </p:txBody>
+      </p:sp>
+      <p:pic>
+        <p:nvPicPr>
+          <p:cNvPr id="5122" name="Picture 2" descr="Help, I'm stuck in an event-loop">
+            <a:extLst>
+              <a:ext uri="{FF2B5EF4-FFF2-40B4-BE49-F238E27FC236}">
+                <a16:creationId xmlns:a16="http://schemas.microsoft.com/office/drawing/2014/main" id="{6C4FA9B9-49A7-16A6-7941-21B7C0AF5237}"/>
+              </a:ext>
+            </a:extLst>
+          </p:cNvPr>
+          <p:cNvPicPr>
+            <a:picLocks noChangeAspect="1" noChangeArrowheads="1"/>
+          </p:cNvPicPr>
+          <p:nvPr/>
+        </p:nvPicPr>
+        <p:blipFill>
+          <a:blip r:embed="rId3">
+            <a:extLst>
+              <a:ext uri="{28A0092B-C50C-407E-A947-70E740481C1C}">
+                <a14:useLocalDpi xmlns:a14="http://schemas.microsoft.com/office/drawing/2010/main" val="0"/>
+              </a:ext>
+            </a:extLst>
+          </a:blip>
+          <a:srcRect/>
+          <a:stretch>
+            <a:fillRect/>
+          </a:stretch>
+        </p:blipFill>
+        <p:spPr bwMode="auto">
+          <a:xfrm>
+            <a:off x="5198882" y="2128425"/>
+            <a:ext cx="5393690" cy="4729575"/>
+          </a:xfrm>
+          <a:prstGeom prst="rect">
+            <a:avLst/>
+          </a:prstGeom>
+          <a:noFill/>
+          <a:extLst>
+            <a:ext uri="{909E8E84-426E-40DD-AFC4-6F175D3DCCD1}">
+              <a14:hiddenFill xmlns:a14="http://schemas.microsoft.com/office/drawing/2010/main">
+                <a:solidFill>
+                  <a:srgbClr val="FFFFFF"/>
+                </a:solidFill>
+              </a14:hiddenFill>
+            </a:ext>
+          </a:extLst>
+        </p:spPr>
+      </p:pic>
+    </p:spTree>
+    <p:extLst>
+      <p:ext uri="{BB962C8B-B14F-4D97-AF65-F5344CB8AC3E}">
+        <p14:creationId xmlns:p14="http://schemas.microsoft.com/office/powerpoint/2010/main" val="169686476"/>
+      </p:ext>
+    </p:extLst>
+  </p:cSld>
+  <p:clrMapOvr>
+    <a:masterClrMapping/>
+  </p:clrMapOvr>
+</p:sld>
+</file>
+
+<file path=ppt/slides/slide19.xml><?xml version="1.0" encoding="utf-8"?>
+<p:sld xmlns:a="http://schemas.openxmlformats.org/drawingml/2006/main" xmlns:r="http://schemas.openxmlformats.org/officeDocument/2006/relationships" xmlns:p="http://schemas.openxmlformats.org/presentationml/2006/main">
+  <p:cSld>
+    <p:spTree>
+      <p:nvGrpSpPr>
+        <p:cNvPr id="1" name=""/>
+        <p:cNvGrpSpPr/>
+        <p:nvPr/>
+      </p:nvGrpSpPr>
+      <p:grpSpPr>
+        <a:xfrm>
+          <a:off x="0" y="0"/>
+          <a:ext cx="0" cy="0"/>
+          <a:chOff x="0" y="0"/>
+          <a:chExt cx="0" cy="0"/>
+        </a:xfrm>
+      </p:grpSpPr>
+      <p:sp>
+        <p:nvSpPr>
+          <p:cNvPr id="2" name="标题 1">
+            <a:extLst>
+              <a:ext uri="{FF2B5EF4-FFF2-40B4-BE49-F238E27FC236}">
+                <a16:creationId xmlns:a16="http://schemas.microsoft.com/office/drawing/2014/main" id="{3C8AE966-C909-E870-5914-1830EFC2B9D1}"/>
+              </a:ext>
+            </a:extLst>
+          </p:cNvPr>
+          <p:cNvSpPr>
+            <a:spLocks noGrp="1"/>
+          </p:cNvSpPr>
+          <p:nvPr>
+            <p:ph type="title"/>
+          </p:nvPr>
+        </p:nvSpPr>
+        <p:spPr/>
+        <p:txBody>
+          <a:bodyPr/>
+          <a:lstStyle/>
+          <a:p>
+            <a:r>
+              <a:rPr kumimoji="1" lang="en-US" altLang="zh-CN" sz="2400" dirty="0"/>
+              <a:t>v8</a:t>
+            </a:r>
+            <a:r>
+              <a:rPr kumimoji="1" lang="zh-CN" altLang="en-US" sz="2400" dirty="0"/>
+              <a:t>引擎</a:t>
+            </a:r>
+            <a:endParaRPr kumimoji="1" lang="zh-CN" altLang="en-US" dirty="0"/>
+          </a:p>
+        </p:txBody>
+      </p:sp>
+      <p:sp>
+        <p:nvSpPr>
+          <p:cNvPr id="3" name="文本框 2">
+            <a:extLst>
+              <a:ext uri="{FF2B5EF4-FFF2-40B4-BE49-F238E27FC236}">
+                <a16:creationId xmlns:a16="http://schemas.microsoft.com/office/drawing/2014/main" id="{F33CA4A6-C40A-82FD-93B7-09808D7972BD}"/>
+              </a:ext>
+            </a:extLst>
+          </p:cNvPr>
+          <p:cNvSpPr txBox="1"/>
+          <p:nvPr/>
+        </p:nvSpPr>
+        <p:spPr>
+          <a:xfrm>
+            <a:off x="3703320" y="2736502"/>
+            <a:ext cx="3549370" cy="1384995"/>
+          </a:xfrm>
+          <a:prstGeom prst="rect">
+            <a:avLst/>
+          </a:prstGeom>
+          <a:noFill/>
+        </p:spPr>
+        <p:txBody>
+          <a:bodyPr wrap="none" rtlCol="0">
+            <a:spAutoFit/>
+          </a:bodyPr>
+          <a:lstStyle/>
+          <a:p>
+            <a:r>
+              <a:rPr kumimoji="1" lang="en-US" altLang="zh-CN" sz="2800" dirty="0"/>
+              <a:t>1</a:t>
+            </a:r>
+            <a:r>
+              <a:rPr kumimoji="1" lang="zh-CN" altLang="en-US" sz="2800" dirty="0"/>
+              <a:t>、内存分配机制</a:t>
+            </a:r>
+            <a:endParaRPr kumimoji="1" lang="en-US" altLang="zh-CN" sz="2800" dirty="0"/>
+          </a:p>
+          <a:p>
+            <a:r>
+              <a:rPr kumimoji="1" lang="en-US" altLang="zh-CN" sz="2800" dirty="0"/>
+              <a:t>2</a:t>
+            </a:r>
+            <a:r>
+              <a:rPr kumimoji="1" lang="zh-CN" altLang="en-US" sz="2800" dirty="0"/>
+              <a:t>、垃圾回收机制</a:t>
+            </a:r>
+            <a:endParaRPr kumimoji="1" lang="en-US" altLang="zh-CN" sz="2800" dirty="0"/>
+          </a:p>
+          <a:p>
+            <a:r>
+              <a:rPr kumimoji="1" lang="en-US" altLang="zh-CN" sz="2800" dirty="0"/>
+              <a:t>3</a:t>
+            </a:r>
+            <a:r>
+              <a:rPr kumimoji="1" lang="zh-CN" altLang="en-US" sz="2800" dirty="0"/>
+              <a:t>、</a:t>
+            </a:r>
+            <a:r>
+              <a:rPr kumimoji="1" lang="en-US" altLang="zh-CN" sz="2800" dirty="0" err="1"/>
+              <a:t>js</a:t>
+            </a:r>
+            <a:r>
+              <a:rPr kumimoji="1" lang="zh-CN" altLang="en-US" sz="2800" dirty="0"/>
+              <a:t> 编译器和解释器</a:t>
+            </a:r>
+            <a:endParaRPr kumimoji="1" lang="en-US" altLang="zh-CN" sz="2800" dirty="0"/>
+          </a:p>
+        </p:txBody>
+      </p:sp>
+    </p:spTree>
+    <p:extLst>
+      <p:ext uri="{BB962C8B-B14F-4D97-AF65-F5344CB8AC3E}">
+        <p14:creationId xmlns:p14="http://schemas.microsoft.com/office/powerpoint/2010/main" val="1469942382"/>
+      </p:ext>
+    </p:extLst>
+  </p:cSld>
+  <p:clrMapOvr>
+    <a:masterClrMapping/>
+  </p:clrMapOvr>
+</p:sld>
+</file>
+
 <file path=ppt/slides/slide2.xml><?xml version="1.0" encoding="utf-8"?>
 <p:sld xmlns:a="http://schemas.openxmlformats.org/drawingml/2006/main" xmlns:r="http://schemas.openxmlformats.org/officeDocument/2006/relationships" xmlns:p="http://schemas.openxmlformats.org/presentationml/2006/main">
   <p:cSld>
@@ -14107,6 +16982,1101 @@
     <p:extLst>
       <p:ext uri="{BB962C8B-B14F-4D97-AF65-F5344CB8AC3E}">
         <p14:creationId xmlns:p14="http://schemas.microsoft.com/office/powerpoint/2010/main" val="2960195447"/>
+      </p:ext>
+    </p:extLst>
+  </p:cSld>
+  <p:clrMapOvr>
+    <a:masterClrMapping/>
+  </p:clrMapOvr>
+</p:sld>
+</file>
+
+<file path=ppt/slides/slide20.xml><?xml version="1.0" encoding="utf-8"?>
+<p:sld xmlns:a="http://schemas.openxmlformats.org/drawingml/2006/main" xmlns:r="http://schemas.openxmlformats.org/officeDocument/2006/relationships" xmlns:p="http://schemas.openxmlformats.org/presentationml/2006/main">
+  <p:cSld>
+    <p:spTree>
+      <p:nvGrpSpPr>
+        <p:cNvPr id="1" name=""/>
+        <p:cNvGrpSpPr/>
+        <p:nvPr/>
+      </p:nvGrpSpPr>
+      <p:grpSpPr>
+        <a:xfrm>
+          <a:off x="0" y="0"/>
+          <a:ext cx="0" cy="0"/>
+          <a:chOff x="0" y="0"/>
+          <a:chExt cx="0" cy="0"/>
+        </a:xfrm>
+      </p:grpSpPr>
+      <p:sp>
+        <p:nvSpPr>
+          <p:cNvPr id="2" name="标题 1">
+            <a:extLst>
+              <a:ext uri="{FF2B5EF4-FFF2-40B4-BE49-F238E27FC236}">
+                <a16:creationId xmlns:a16="http://schemas.microsoft.com/office/drawing/2014/main" id="{116E457A-2513-13C1-4621-7FE422A0D60B}"/>
+              </a:ext>
+            </a:extLst>
+          </p:cNvPr>
+          <p:cNvSpPr>
+            <a:spLocks noGrp="1"/>
+          </p:cNvSpPr>
+          <p:nvPr>
+            <p:ph type="title"/>
+          </p:nvPr>
+        </p:nvSpPr>
+        <p:spPr/>
+        <p:txBody>
+          <a:bodyPr/>
+          <a:lstStyle/>
+          <a:p>
+            <a:r>
+              <a:rPr kumimoji="1" lang="en-US" altLang="zh-CN" sz="2000" dirty="0"/>
+              <a:t>v8</a:t>
+            </a:r>
+            <a:r>
+              <a:rPr kumimoji="1" lang="zh-CN" altLang="en-US" sz="2000" dirty="0"/>
+              <a:t>引擎</a:t>
+            </a:r>
+            <a:endParaRPr kumimoji="1" lang="zh-CN" altLang="en-US" dirty="0"/>
+          </a:p>
+        </p:txBody>
+      </p:sp>
+      <p:sp>
+        <p:nvSpPr>
+          <p:cNvPr id="3" name="文本框 2">
+            <a:extLst>
+              <a:ext uri="{FF2B5EF4-FFF2-40B4-BE49-F238E27FC236}">
+                <a16:creationId xmlns:a16="http://schemas.microsoft.com/office/drawing/2014/main" id="{A611FD3D-1CB0-9748-FDA9-95146EFD0F80}"/>
+              </a:ext>
+            </a:extLst>
+          </p:cNvPr>
+          <p:cNvSpPr txBox="1"/>
+          <p:nvPr/>
+        </p:nvSpPr>
+        <p:spPr>
+          <a:xfrm>
+            <a:off x="502920" y="1143000"/>
+            <a:ext cx="2606040" cy="646331"/>
+          </a:xfrm>
+          <a:prstGeom prst="rect">
+            <a:avLst/>
+          </a:prstGeom>
+          <a:noFill/>
+        </p:spPr>
+        <p:txBody>
+          <a:bodyPr wrap="square" rtlCol="0">
+            <a:spAutoFit/>
+          </a:bodyPr>
+          <a:lstStyle/>
+          <a:p>
+            <a:r>
+              <a:rPr kumimoji="1" lang="en-US" altLang="zh-CN" dirty="0"/>
+              <a:t>1</a:t>
+            </a:r>
+            <a:r>
+              <a:rPr kumimoji="1" lang="zh-CN" altLang="en-US" dirty="0"/>
+              <a:t>、内存分配机制</a:t>
+            </a:r>
+            <a:endParaRPr kumimoji="1" lang="en-US" altLang="zh-CN" dirty="0"/>
+          </a:p>
+          <a:p>
+            <a:endParaRPr kumimoji="1" lang="zh-CN" altLang="en-US" dirty="0"/>
+          </a:p>
+        </p:txBody>
+      </p:sp>
+      <p:sp>
+        <p:nvSpPr>
+          <p:cNvPr id="4" name="文本框 3">
+            <a:extLst>
+              <a:ext uri="{FF2B5EF4-FFF2-40B4-BE49-F238E27FC236}">
+                <a16:creationId xmlns:a16="http://schemas.microsoft.com/office/drawing/2014/main" id="{1AF7C4BC-039D-61F2-5617-DC1BABB1E5D3}"/>
+              </a:ext>
+            </a:extLst>
+          </p:cNvPr>
+          <p:cNvSpPr txBox="1"/>
+          <p:nvPr/>
+        </p:nvSpPr>
+        <p:spPr>
+          <a:xfrm>
+            <a:off x="674370" y="1617883"/>
+            <a:ext cx="11089639" cy="923330"/>
+          </a:xfrm>
+          <a:prstGeom prst="rect">
+            <a:avLst/>
+          </a:prstGeom>
+          <a:noFill/>
+        </p:spPr>
+        <p:txBody>
+          <a:bodyPr wrap="none" rtlCol="0">
+            <a:spAutoFit/>
+          </a:bodyPr>
+          <a:lstStyle/>
+          <a:p>
+            <a:r>
+              <a:rPr lang="en" altLang="zh-CN" dirty="0"/>
+              <a:t>JavaScript </a:t>
+            </a:r>
+            <a:r>
+              <a:rPr lang="zh-CN" altLang="en-US" dirty="0"/>
+              <a:t>是一种弱类型的、动态的语言，他的类型总体上分为原始类型，和引用类型，根据这两种类型特性</a:t>
+            </a:r>
+            <a:endParaRPr lang="en-US" altLang="zh-CN" dirty="0"/>
+          </a:p>
+          <a:p>
+            <a:r>
+              <a:rPr kumimoji="1" lang="en-US" altLang="zh-CN" dirty="0" err="1"/>
+              <a:t>Js</a:t>
+            </a:r>
+            <a:r>
+              <a:rPr kumimoji="1" lang="zh-CN" altLang="en-US" dirty="0"/>
+              <a:t>将存储空间分为</a:t>
+            </a:r>
+            <a:r>
+              <a:rPr lang="zh-CN" altLang="en-US" dirty="0"/>
+              <a:t>栈空间和堆空间。对象类型是存放在堆空间的，在栈空间中只是保留了对象的引用地址</a:t>
+            </a:r>
+            <a:r>
+              <a:rPr lang="en-US" altLang="zh-CN" dirty="0"/>
+              <a:t>,</a:t>
+            </a:r>
+          </a:p>
+          <a:p>
+            <a:r>
+              <a:rPr lang="zh-CN" altLang="en-US" dirty="0"/>
+              <a:t>原始类型存放的是栈空间</a:t>
+            </a:r>
+          </a:p>
+        </p:txBody>
+      </p:sp>
+      <p:pic>
+        <p:nvPicPr>
+          <p:cNvPr id="8" name="图片 7">
+            <a:extLst>
+              <a:ext uri="{FF2B5EF4-FFF2-40B4-BE49-F238E27FC236}">
+                <a16:creationId xmlns:a16="http://schemas.microsoft.com/office/drawing/2014/main" id="{C80B8A90-8265-BE7E-6FB7-583BDEBC22D5}"/>
+              </a:ext>
+            </a:extLst>
+          </p:cNvPr>
+          <p:cNvPicPr>
+            <a:picLocks noChangeAspect="1"/>
+          </p:cNvPicPr>
+          <p:nvPr/>
+        </p:nvPicPr>
+        <p:blipFill>
+          <a:blip r:embed="rId2"/>
+          <a:stretch>
+            <a:fillRect/>
+          </a:stretch>
+        </p:blipFill>
+        <p:spPr>
+          <a:xfrm>
+            <a:off x="1489710" y="2593340"/>
+            <a:ext cx="8001000" cy="4140200"/>
+          </a:xfrm>
+          <a:prstGeom prst="rect">
+            <a:avLst/>
+          </a:prstGeom>
+        </p:spPr>
+      </p:pic>
+    </p:spTree>
+    <p:extLst>
+      <p:ext uri="{BB962C8B-B14F-4D97-AF65-F5344CB8AC3E}">
+        <p14:creationId xmlns:p14="http://schemas.microsoft.com/office/powerpoint/2010/main" val="4124958744"/>
+      </p:ext>
+    </p:extLst>
+  </p:cSld>
+  <p:clrMapOvr>
+    <a:masterClrMapping/>
+  </p:clrMapOvr>
+</p:sld>
+</file>
+
+<file path=ppt/slides/slide21.xml><?xml version="1.0" encoding="utf-8"?>
+<p:sld xmlns:a="http://schemas.openxmlformats.org/drawingml/2006/main" xmlns:r="http://schemas.openxmlformats.org/officeDocument/2006/relationships" xmlns:p="http://schemas.openxmlformats.org/presentationml/2006/main">
+  <p:cSld>
+    <p:spTree>
+      <p:nvGrpSpPr>
+        <p:cNvPr id="1" name=""/>
+        <p:cNvGrpSpPr/>
+        <p:nvPr/>
+      </p:nvGrpSpPr>
+      <p:grpSpPr>
+        <a:xfrm>
+          <a:off x="0" y="0"/>
+          <a:ext cx="0" cy="0"/>
+          <a:chOff x="0" y="0"/>
+          <a:chExt cx="0" cy="0"/>
+        </a:xfrm>
+      </p:grpSpPr>
+      <p:sp>
+        <p:nvSpPr>
+          <p:cNvPr id="2" name="标题 1">
+            <a:extLst>
+              <a:ext uri="{FF2B5EF4-FFF2-40B4-BE49-F238E27FC236}">
+                <a16:creationId xmlns:a16="http://schemas.microsoft.com/office/drawing/2014/main" id="{57F44FD4-28BF-C1F0-006A-27630AEE0BFE}"/>
+              </a:ext>
+            </a:extLst>
+          </p:cNvPr>
+          <p:cNvSpPr>
+            <a:spLocks noGrp="1"/>
+          </p:cNvSpPr>
+          <p:nvPr>
+            <p:ph type="title"/>
+          </p:nvPr>
+        </p:nvSpPr>
+        <p:spPr/>
+        <p:txBody>
+          <a:bodyPr/>
+          <a:lstStyle/>
+          <a:p>
+            <a:r>
+              <a:rPr kumimoji="1" lang="en-US" altLang="zh-CN" sz="2400" dirty="0"/>
+              <a:t>v8</a:t>
+            </a:r>
+            <a:r>
+              <a:rPr kumimoji="1" lang="zh-CN" altLang="en-US" sz="2400" dirty="0"/>
+              <a:t>引擎</a:t>
+            </a:r>
+            <a:endParaRPr kumimoji="1" lang="zh-CN" altLang="en-US" dirty="0"/>
+          </a:p>
+        </p:txBody>
+      </p:sp>
+      <p:sp>
+        <p:nvSpPr>
+          <p:cNvPr id="3" name="文本框 2">
+            <a:extLst>
+              <a:ext uri="{FF2B5EF4-FFF2-40B4-BE49-F238E27FC236}">
+                <a16:creationId xmlns:a16="http://schemas.microsoft.com/office/drawing/2014/main" id="{94748DEE-D6C2-500A-1C61-8CFECF913D3A}"/>
+              </a:ext>
+            </a:extLst>
+          </p:cNvPr>
+          <p:cNvSpPr txBox="1"/>
+          <p:nvPr/>
+        </p:nvSpPr>
+        <p:spPr>
+          <a:xfrm>
+            <a:off x="445770" y="1165860"/>
+            <a:ext cx="4801314" cy="400110"/>
+          </a:xfrm>
+          <a:prstGeom prst="rect">
+            <a:avLst/>
+          </a:prstGeom>
+          <a:noFill/>
+        </p:spPr>
+        <p:txBody>
+          <a:bodyPr wrap="none" rtlCol="0">
+            <a:spAutoFit/>
+          </a:bodyPr>
+          <a:lstStyle/>
+          <a:p>
+            <a:r>
+              <a:rPr kumimoji="1" lang="zh-CN" altLang="en-US" sz="2000" dirty="0"/>
+              <a:t>垃圾回收机制，使用</a:t>
+            </a:r>
+            <a:r>
+              <a:rPr lang="zh-CN" altLang="en-US" sz="2000" dirty="0"/>
+              <a:t>自动垃圾回收的策略</a:t>
+            </a:r>
+            <a:endParaRPr kumimoji="1" lang="zh-CN" altLang="en-US" sz="2000" dirty="0"/>
+          </a:p>
+        </p:txBody>
+      </p:sp>
+      <p:pic>
+        <p:nvPicPr>
+          <p:cNvPr id="7170" name="Picture 2" descr="image">
+            <a:extLst>
+              <a:ext uri="{FF2B5EF4-FFF2-40B4-BE49-F238E27FC236}">
+                <a16:creationId xmlns:a16="http://schemas.microsoft.com/office/drawing/2014/main" id="{3D0DC83A-285A-3A78-AC29-07CF5E8D400C}"/>
+              </a:ext>
+            </a:extLst>
+          </p:cNvPr>
+          <p:cNvPicPr>
+            <a:picLocks noChangeAspect="1" noChangeArrowheads="1"/>
+          </p:cNvPicPr>
+          <p:nvPr/>
+        </p:nvPicPr>
+        <p:blipFill>
+          <a:blip r:embed="rId3">
+            <a:extLst>
+              <a:ext uri="{28A0092B-C50C-407E-A947-70E740481C1C}">
+                <a14:useLocalDpi xmlns:a14="http://schemas.microsoft.com/office/drawing/2010/main" val="0"/>
+              </a:ext>
+            </a:extLst>
+          </a:blip>
+          <a:srcRect/>
+          <a:stretch>
+            <a:fillRect/>
+          </a:stretch>
+        </p:blipFill>
+        <p:spPr bwMode="auto">
+          <a:xfrm>
+            <a:off x="2013224" y="1614871"/>
+            <a:ext cx="7770856" cy="5171819"/>
+          </a:xfrm>
+          <a:prstGeom prst="rect">
+            <a:avLst/>
+          </a:prstGeom>
+          <a:noFill/>
+          <a:extLst>
+            <a:ext uri="{909E8E84-426E-40DD-AFC4-6F175D3DCCD1}">
+              <a14:hiddenFill xmlns:a14="http://schemas.microsoft.com/office/drawing/2010/main">
+                <a:solidFill>
+                  <a:srgbClr val="FFFFFF"/>
+                </a:solidFill>
+              </a14:hiddenFill>
+            </a:ext>
+          </a:extLst>
+        </p:spPr>
+      </p:pic>
+    </p:spTree>
+    <p:extLst>
+      <p:ext uri="{BB962C8B-B14F-4D97-AF65-F5344CB8AC3E}">
+        <p14:creationId xmlns:p14="http://schemas.microsoft.com/office/powerpoint/2010/main" val="2634733790"/>
+      </p:ext>
+    </p:extLst>
+  </p:cSld>
+  <p:clrMapOvr>
+    <a:masterClrMapping/>
+  </p:clrMapOvr>
+</p:sld>
+</file>
+
+<file path=ppt/slides/slide22.xml><?xml version="1.0" encoding="utf-8"?>
+<p:sld xmlns:a="http://schemas.openxmlformats.org/drawingml/2006/main" xmlns:r="http://schemas.openxmlformats.org/officeDocument/2006/relationships" xmlns:p="http://schemas.openxmlformats.org/presentationml/2006/main">
+  <p:cSld>
+    <p:spTree>
+      <p:nvGrpSpPr>
+        <p:cNvPr id="1" name=""/>
+        <p:cNvGrpSpPr/>
+        <p:nvPr/>
+      </p:nvGrpSpPr>
+      <p:grpSpPr>
+        <a:xfrm>
+          <a:off x="0" y="0"/>
+          <a:ext cx="0" cy="0"/>
+          <a:chOff x="0" y="0"/>
+          <a:chExt cx="0" cy="0"/>
+        </a:xfrm>
+      </p:grpSpPr>
+      <p:sp>
+        <p:nvSpPr>
+          <p:cNvPr id="2" name="标题 1">
+            <a:extLst>
+              <a:ext uri="{FF2B5EF4-FFF2-40B4-BE49-F238E27FC236}">
+                <a16:creationId xmlns:a16="http://schemas.microsoft.com/office/drawing/2014/main" id="{5CE3215E-C693-DF09-30B3-1014EE5A6F02}"/>
+              </a:ext>
+            </a:extLst>
+          </p:cNvPr>
+          <p:cNvSpPr>
+            <a:spLocks noGrp="1"/>
+          </p:cNvSpPr>
+          <p:nvPr>
+            <p:ph type="title"/>
+          </p:nvPr>
+        </p:nvSpPr>
+        <p:spPr/>
+        <p:txBody>
+          <a:bodyPr/>
+          <a:lstStyle/>
+          <a:p>
+            <a:r>
+              <a:rPr kumimoji="1" lang="en-US" altLang="zh-CN" sz="2000" dirty="0"/>
+              <a:t>v8</a:t>
+            </a:r>
+            <a:r>
+              <a:rPr kumimoji="1" lang="zh-CN" altLang="en-US" sz="2000" dirty="0"/>
+              <a:t>引擎</a:t>
+            </a:r>
+            <a:endParaRPr kumimoji="1" lang="zh-CN" altLang="en-US" dirty="0"/>
+          </a:p>
+        </p:txBody>
+      </p:sp>
+      <p:sp>
+        <p:nvSpPr>
+          <p:cNvPr id="4" name="文本框 3">
+            <a:extLst>
+              <a:ext uri="{FF2B5EF4-FFF2-40B4-BE49-F238E27FC236}">
+                <a16:creationId xmlns:a16="http://schemas.microsoft.com/office/drawing/2014/main" id="{5AC63A77-73D0-A446-4013-7C410E7DA07D}"/>
+              </a:ext>
+            </a:extLst>
+          </p:cNvPr>
+          <p:cNvSpPr txBox="1"/>
+          <p:nvPr/>
+        </p:nvSpPr>
+        <p:spPr>
+          <a:xfrm>
+            <a:off x="371474" y="1989802"/>
+            <a:ext cx="10397763" cy="2308324"/>
+          </a:xfrm>
+          <a:prstGeom prst="rect">
+            <a:avLst/>
+          </a:prstGeom>
+          <a:noFill/>
+        </p:spPr>
+        <p:txBody>
+          <a:bodyPr wrap="square">
+            <a:spAutoFit/>
+          </a:bodyPr>
+          <a:lstStyle/>
+          <a:p>
+            <a:r>
+              <a:rPr lang="zh-CN" altLang="en-US" dirty="0"/>
+              <a:t>它会把堆分为 </a:t>
+            </a:r>
+            <a:r>
+              <a:rPr lang="en" altLang="zh-CN" dirty="0"/>
+              <a:t>New Space</a:t>
+            </a:r>
+            <a:r>
+              <a:rPr lang="zh-CN" altLang="en" dirty="0"/>
+              <a:t>（</a:t>
+            </a:r>
+            <a:r>
+              <a:rPr lang="zh-CN" altLang="en-US" dirty="0"/>
+              <a:t>新生区） 和 </a:t>
+            </a:r>
+            <a:r>
+              <a:rPr lang="en" altLang="zh-CN" dirty="0"/>
+              <a:t>Old Space</a:t>
+            </a:r>
+            <a:r>
+              <a:rPr lang="zh-CN" altLang="en" dirty="0"/>
+              <a:t>（</a:t>
+            </a:r>
+            <a:r>
+              <a:rPr lang="zh-CN" altLang="en-US" dirty="0"/>
+              <a:t>老生区），两者用不同的机制处理。</a:t>
+            </a:r>
+          </a:p>
+          <a:p>
+            <a:r>
+              <a:rPr lang="en" altLang="zh-CN" dirty="0"/>
+              <a:t>New Space</a:t>
+            </a:r>
+            <a:r>
+              <a:rPr lang="zh-CN" altLang="en-US" dirty="0"/>
+              <a:t>中用 </a:t>
+            </a:r>
+            <a:r>
+              <a:rPr lang="en" altLang="zh-CN" dirty="0"/>
+              <a:t>Scavenge </a:t>
+            </a:r>
+            <a:r>
+              <a:rPr lang="zh-CN" altLang="en-US" dirty="0"/>
+              <a:t>算法来处理，把空间分两半，一半空着，一半存对象。扫垃圾时候，把活着的放另一半空着的空间里，剩下那半全是不可达的就都咔嚓掉。这是同步过程</a:t>
+            </a:r>
+            <a:r>
+              <a:rPr lang="en-US" altLang="zh-CN" dirty="0"/>
+              <a:t>,</a:t>
+            </a:r>
+            <a:r>
+              <a:rPr lang="zh-CN" altLang="en-US" dirty="0"/>
+              <a:t>下一次进来的时候</a:t>
+            </a:r>
+            <a:endParaRPr lang="en-US" altLang="zh-CN" dirty="0"/>
+          </a:p>
+          <a:p>
+            <a:r>
+              <a:rPr lang="zh-CN" altLang="en-US" dirty="0"/>
+              <a:t>在给活着的挪过去，然后清空剩余的变量</a:t>
+            </a:r>
+            <a:endParaRPr lang="en-US" altLang="zh-CN" dirty="0"/>
+          </a:p>
+          <a:p>
+            <a:endParaRPr lang="en-US" altLang="zh-CN" dirty="0"/>
+          </a:p>
+          <a:p>
+            <a:endParaRPr lang="en-US" altLang="zh-CN" dirty="0"/>
+          </a:p>
+          <a:p>
+            <a:r>
+              <a:rPr lang="zh-CN" altLang="en-US" dirty="0"/>
+              <a:t>老生区呢，通常在新生区活过两次的，会放到这里，这里就是另一种 </a:t>
+            </a:r>
+            <a:r>
+              <a:rPr lang="en" altLang="zh-CN" dirty="0"/>
+              <a:t>GC </a:t>
+            </a:r>
+            <a:r>
+              <a:rPr lang="zh-CN" altLang="en-US" dirty="0"/>
+              <a:t>算法的组合了</a:t>
+            </a:r>
+            <a:r>
+              <a:rPr lang="en-US" altLang="zh-CN" dirty="0"/>
+              <a:t>—— </a:t>
+            </a:r>
+            <a:r>
+              <a:rPr lang="en" altLang="zh-CN" dirty="0"/>
+              <a:t>Mark-Sweep</a:t>
+            </a:r>
+            <a:r>
+              <a:rPr lang="zh-CN" altLang="en" dirty="0"/>
+              <a:t>（</a:t>
+            </a:r>
+            <a:r>
+              <a:rPr lang="zh-CN" altLang="en-US" dirty="0"/>
+              <a:t>标记清除）／</a:t>
+            </a:r>
+            <a:r>
+              <a:rPr lang="en" altLang="zh-CN" dirty="0"/>
+              <a:t>Mark-Compact </a:t>
+            </a:r>
+            <a:r>
+              <a:rPr lang="zh-CN" altLang="en" dirty="0"/>
+              <a:t>（</a:t>
+            </a:r>
+            <a:r>
+              <a:rPr lang="zh-CN" altLang="en-US" dirty="0"/>
+              <a:t>标记紧缩）</a:t>
+            </a:r>
+          </a:p>
+        </p:txBody>
+      </p:sp>
+    </p:spTree>
+    <p:extLst>
+      <p:ext uri="{BB962C8B-B14F-4D97-AF65-F5344CB8AC3E}">
+        <p14:creationId xmlns:p14="http://schemas.microsoft.com/office/powerpoint/2010/main" val="2623949900"/>
+      </p:ext>
+    </p:extLst>
+  </p:cSld>
+  <p:clrMapOvr>
+    <a:masterClrMapping/>
+  </p:clrMapOvr>
+</p:sld>
+</file>
+
+<file path=ppt/slides/slide23.xml><?xml version="1.0" encoding="utf-8"?>
+<p:sld xmlns:a="http://schemas.openxmlformats.org/drawingml/2006/main" xmlns:r="http://schemas.openxmlformats.org/officeDocument/2006/relationships" xmlns:p="http://schemas.openxmlformats.org/presentationml/2006/main">
+  <p:cSld>
+    <p:spTree>
+      <p:nvGrpSpPr>
+        <p:cNvPr id="1" name=""/>
+        <p:cNvGrpSpPr/>
+        <p:nvPr/>
+      </p:nvGrpSpPr>
+      <p:grpSpPr>
+        <a:xfrm>
+          <a:off x="0" y="0"/>
+          <a:ext cx="0" cy="0"/>
+          <a:chOff x="0" y="0"/>
+          <a:chExt cx="0" cy="0"/>
+        </a:xfrm>
+      </p:grpSpPr>
+      <p:sp>
+        <p:nvSpPr>
+          <p:cNvPr id="2" name="标题 1">
+            <a:extLst>
+              <a:ext uri="{FF2B5EF4-FFF2-40B4-BE49-F238E27FC236}">
+                <a16:creationId xmlns:a16="http://schemas.microsoft.com/office/drawing/2014/main" id="{A07ADD5F-7DC9-A875-7DED-43239B839035}"/>
+              </a:ext>
+            </a:extLst>
+          </p:cNvPr>
+          <p:cNvSpPr>
+            <a:spLocks noGrp="1"/>
+          </p:cNvSpPr>
+          <p:nvPr>
+            <p:ph type="title"/>
+          </p:nvPr>
+        </p:nvSpPr>
+        <p:spPr/>
+        <p:txBody>
+          <a:bodyPr/>
+          <a:lstStyle/>
+          <a:p>
+            <a:r>
+              <a:rPr kumimoji="1" lang="en-US" altLang="zh-CN" sz="2400" dirty="0"/>
+              <a:t>JS</a:t>
+            </a:r>
+            <a:r>
+              <a:rPr kumimoji="1" lang="zh-CN" altLang="en-US" sz="2400" dirty="0"/>
+              <a:t> 执行机制</a:t>
+            </a:r>
+            <a:endParaRPr kumimoji="1" lang="zh-CN" altLang="en-US" dirty="0"/>
+          </a:p>
+        </p:txBody>
+      </p:sp>
+      <p:sp>
+        <p:nvSpPr>
+          <p:cNvPr id="3" name="文本框 2">
+            <a:extLst>
+              <a:ext uri="{FF2B5EF4-FFF2-40B4-BE49-F238E27FC236}">
+                <a16:creationId xmlns:a16="http://schemas.microsoft.com/office/drawing/2014/main" id="{DE29893E-1AA2-6247-04BB-21996495498F}"/>
+              </a:ext>
+            </a:extLst>
+          </p:cNvPr>
+          <p:cNvSpPr txBox="1"/>
+          <p:nvPr/>
+        </p:nvSpPr>
+        <p:spPr>
+          <a:xfrm>
+            <a:off x="354330" y="1143000"/>
+            <a:ext cx="6777990" cy="369332"/>
+          </a:xfrm>
+          <a:prstGeom prst="rect">
+            <a:avLst/>
+          </a:prstGeom>
+          <a:noFill/>
+        </p:spPr>
+        <p:txBody>
+          <a:bodyPr wrap="square" rtlCol="0">
+            <a:spAutoFit/>
+          </a:bodyPr>
+          <a:lstStyle/>
+          <a:p>
+            <a:r>
+              <a:rPr lang="en" altLang="zh-CN" b="1" dirty="0"/>
+              <a:t>V8 </a:t>
+            </a:r>
+            <a:r>
+              <a:rPr lang="zh-CN" altLang="en-US" b="1" dirty="0"/>
+              <a:t>是如何执行一段 </a:t>
+            </a:r>
+            <a:r>
+              <a:rPr lang="en" altLang="zh-CN" b="1" dirty="0"/>
+              <a:t>JavaScript </a:t>
+            </a:r>
+            <a:r>
+              <a:rPr lang="zh-CN" altLang="en-US" b="1" dirty="0"/>
+              <a:t>代码的</a:t>
+            </a:r>
+          </a:p>
+        </p:txBody>
+      </p:sp>
+      <p:sp>
+        <p:nvSpPr>
+          <p:cNvPr id="4" name="文本框 3">
+            <a:extLst>
+              <a:ext uri="{FF2B5EF4-FFF2-40B4-BE49-F238E27FC236}">
+                <a16:creationId xmlns:a16="http://schemas.microsoft.com/office/drawing/2014/main" id="{F43266E7-E6E5-B924-19DD-51C249BB5D99}"/>
+              </a:ext>
+            </a:extLst>
+          </p:cNvPr>
+          <p:cNvSpPr txBox="1"/>
+          <p:nvPr/>
+        </p:nvSpPr>
+        <p:spPr>
+          <a:xfrm>
+            <a:off x="605790" y="1977390"/>
+            <a:ext cx="8035533" cy="923330"/>
+          </a:xfrm>
+          <a:prstGeom prst="rect">
+            <a:avLst/>
+          </a:prstGeom>
+          <a:noFill/>
+        </p:spPr>
+        <p:txBody>
+          <a:bodyPr wrap="none" rtlCol="0">
+            <a:spAutoFit/>
+          </a:bodyPr>
+          <a:lstStyle/>
+          <a:p>
+            <a:r>
+              <a:rPr lang="zh-CN" altLang="en-US" b="1" dirty="0"/>
+              <a:t>生成抽象语法树（</a:t>
+            </a:r>
+            <a:r>
+              <a:rPr lang="en" altLang="zh-CN" b="1" dirty="0"/>
+              <a:t>AST</a:t>
+            </a:r>
+            <a:r>
+              <a:rPr lang="zh-CN" altLang="en" b="1" dirty="0"/>
+              <a:t>）</a:t>
+            </a:r>
+            <a:r>
+              <a:rPr lang="zh-CN" altLang="en-US" b="1" dirty="0"/>
+              <a:t>和执行上下文 ，这个过程进行词法解析，和语法解析</a:t>
+            </a:r>
+            <a:endParaRPr lang="en-US" altLang="zh-CN" b="1" dirty="0"/>
+          </a:p>
+          <a:p>
+            <a:r>
+              <a:rPr lang="en-US" altLang="zh-CN" b="1" dirty="0"/>
+              <a:t>2. </a:t>
+            </a:r>
+            <a:r>
+              <a:rPr lang="zh-CN" altLang="en-US" b="1" dirty="0"/>
+              <a:t>生成字节码（</a:t>
+            </a:r>
+            <a:r>
+              <a:rPr lang="zh-CN" altLang="en-US" dirty="0"/>
+              <a:t>字节码就是介于 </a:t>
+            </a:r>
+            <a:r>
+              <a:rPr lang="en" altLang="zh-CN" dirty="0"/>
+              <a:t>AST </a:t>
+            </a:r>
+            <a:r>
+              <a:rPr lang="zh-CN" altLang="en-US" dirty="0"/>
+              <a:t>和机器码之间的一种代码。 </a:t>
+            </a:r>
+            <a:r>
+              <a:rPr lang="zh-CN" altLang="en-US" b="1" dirty="0"/>
+              <a:t>）</a:t>
+            </a:r>
+            <a:endParaRPr lang="en-US" altLang="zh-CN" b="1" dirty="0"/>
+          </a:p>
+          <a:p>
+            <a:r>
+              <a:rPr lang="en-US" altLang="zh-CN" b="1" dirty="0"/>
+              <a:t>3. </a:t>
+            </a:r>
+            <a:r>
+              <a:rPr lang="zh-CN" altLang="en-US" b="1" dirty="0"/>
+              <a:t>执行代码</a:t>
+            </a:r>
+            <a:endParaRPr kumimoji="1" lang="zh-CN" altLang="en-US" dirty="0"/>
+          </a:p>
+        </p:txBody>
+      </p:sp>
+      <p:pic>
+        <p:nvPicPr>
+          <p:cNvPr id="8194" name="Picture 2">
+            <a:extLst>
+              <a:ext uri="{FF2B5EF4-FFF2-40B4-BE49-F238E27FC236}">
+                <a16:creationId xmlns:a16="http://schemas.microsoft.com/office/drawing/2014/main" id="{8C2A3DFF-2B39-815F-6609-5CCEDC7EB066}"/>
+              </a:ext>
+            </a:extLst>
+          </p:cNvPr>
+          <p:cNvPicPr>
+            <a:picLocks noChangeAspect="1" noChangeArrowheads="1"/>
+          </p:cNvPicPr>
+          <p:nvPr/>
+        </p:nvPicPr>
+        <p:blipFill>
+          <a:blip r:embed="rId3">
+            <a:extLst>
+              <a:ext uri="{28A0092B-C50C-407E-A947-70E740481C1C}">
+                <a14:useLocalDpi xmlns:a14="http://schemas.microsoft.com/office/drawing/2010/main" val="0"/>
+              </a:ext>
+            </a:extLst>
+          </a:blip>
+          <a:srcRect/>
+          <a:stretch>
+            <a:fillRect/>
+          </a:stretch>
+        </p:blipFill>
+        <p:spPr bwMode="auto">
+          <a:xfrm>
+            <a:off x="251460" y="3662027"/>
+            <a:ext cx="10660380" cy="1894716"/>
+          </a:xfrm>
+          <a:prstGeom prst="rect">
+            <a:avLst/>
+          </a:prstGeom>
+          <a:noFill/>
+          <a:extLst>
+            <a:ext uri="{909E8E84-426E-40DD-AFC4-6F175D3DCCD1}">
+              <a14:hiddenFill xmlns:a14="http://schemas.microsoft.com/office/drawing/2010/main">
+                <a:solidFill>
+                  <a:srgbClr val="FFFFFF"/>
+                </a:solidFill>
+              </a14:hiddenFill>
+            </a:ext>
+          </a:extLst>
+        </p:spPr>
+      </p:pic>
+    </p:spTree>
+    <p:extLst>
+      <p:ext uri="{BB962C8B-B14F-4D97-AF65-F5344CB8AC3E}">
+        <p14:creationId xmlns:p14="http://schemas.microsoft.com/office/powerpoint/2010/main" val="420797370"/>
+      </p:ext>
+    </p:extLst>
+  </p:cSld>
+  <p:clrMapOvr>
+    <a:masterClrMapping/>
+  </p:clrMapOvr>
+</p:sld>
+</file>
+
+<file path=ppt/slides/slide24.xml><?xml version="1.0" encoding="utf-8"?>
+<p:sld xmlns:a="http://schemas.openxmlformats.org/drawingml/2006/main" xmlns:r="http://schemas.openxmlformats.org/officeDocument/2006/relationships" xmlns:p="http://schemas.openxmlformats.org/presentationml/2006/main">
+  <p:cSld>
+    <p:spTree>
+      <p:nvGrpSpPr>
+        <p:cNvPr id="1" name=""/>
+        <p:cNvGrpSpPr/>
+        <p:nvPr/>
+      </p:nvGrpSpPr>
+      <p:grpSpPr>
+        <a:xfrm>
+          <a:off x="0" y="0"/>
+          <a:ext cx="0" cy="0"/>
+          <a:chOff x="0" y="0"/>
+          <a:chExt cx="0" cy="0"/>
+        </a:xfrm>
+      </p:grpSpPr>
+      <p:sp>
+        <p:nvSpPr>
+          <p:cNvPr id="2" name="标题 1">
+            <a:extLst>
+              <a:ext uri="{FF2B5EF4-FFF2-40B4-BE49-F238E27FC236}">
+                <a16:creationId xmlns:a16="http://schemas.microsoft.com/office/drawing/2014/main" id="{C52D84AC-0981-5C84-5BBF-2E6B531993C7}"/>
+              </a:ext>
+            </a:extLst>
+          </p:cNvPr>
+          <p:cNvSpPr>
+            <a:spLocks noGrp="1"/>
+          </p:cNvSpPr>
+          <p:nvPr>
+            <p:ph type="title"/>
+          </p:nvPr>
+        </p:nvSpPr>
+        <p:spPr/>
+        <p:txBody>
+          <a:bodyPr/>
+          <a:lstStyle/>
+          <a:p>
+            <a:r>
+              <a:rPr kumimoji="1" lang="en-US" altLang="zh-CN" sz="2000" dirty="0"/>
+              <a:t>JS</a:t>
+            </a:r>
+            <a:r>
+              <a:rPr kumimoji="1" lang="zh-CN" altLang="en-US" sz="2000" dirty="0"/>
+              <a:t> 执行机制</a:t>
+            </a:r>
+            <a:endParaRPr kumimoji="1" lang="zh-CN" altLang="en-US" dirty="0"/>
+          </a:p>
+        </p:txBody>
+      </p:sp>
+      <p:sp>
+        <p:nvSpPr>
+          <p:cNvPr id="7" name="文本框 6">
+            <a:extLst>
+              <a:ext uri="{FF2B5EF4-FFF2-40B4-BE49-F238E27FC236}">
+                <a16:creationId xmlns:a16="http://schemas.microsoft.com/office/drawing/2014/main" id="{B34B7BF6-C0A9-DBB2-D31D-89535AEAD927}"/>
+              </a:ext>
+            </a:extLst>
+          </p:cNvPr>
+          <p:cNvSpPr txBox="1"/>
+          <p:nvPr/>
+        </p:nvSpPr>
+        <p:spPr>
+          <a:xfrm>
+            <a:off x="514350" y="1097280"/>
+            <a:ext cx="1800493" cy="369332"/>
+          </a:xfrm>
+          <a:prstGeom prst="rect">
+            <a:avLst/>
+          </a:prstGeom>
+          <a:noFill/>
+        </p:spPr>
+        <p:txBody>
+          <a:bodyPr wrap="none" rtlCol="0">
+            <a:spAutoFit/>
+          </a:bodyPr>
+          <a:lstStyle/>
+          <a:p>
+            <a:r>
+              <a:rPr kumimoji="1" lang="zh-CN" altLang="en-US" dirty="0"/>
+              <a:t>网上找了个实例</a:t>
+            </a:r>
+          </a:p>
+        </p:txBody>
+      </p:sp>
+      <p:pic>
+        <p:nvPicPr>
+          <p:cNvPr id="9" name="图片 8">
+            <a:extLst>
+              <a:ext uri="{FF2B5EF4-FFF2-40B4-BE49-F238E27FC236}">
+                <a16:creationId xmlns:a16="http://schemas.microsoft.com/office/drawing/2014/main" id="{DBD5DFAC-2F48-394F-876B-5B2B7A8BCF64}"/>
+              </a:ext>
+            </a:extLst>
+          </p:cNvPr>
+          <p:cNvPicPr>
+            <a:picLocks noChangeAspect="1"/>
+          </p:cNvPicPr>
+          <p:nvPr/>
+        </p:nvPicPr>
+        <p:blipFill>
+          <a:blip r:embed="rId2"/>
+          <a:stretch>
+            <a:fillRect/>
+          </a:stretch>
+        </p:blipFill>
+        <p:spPr>
+          <a:xfrm>
+            <a:off x="922792" y="2147570"/>
+            <a:ext cx="8940800" cy="1270000"/>
+          </a:xfrm>
+          <a:prstGeom prst="rect">
+            <a:avLst/>
+          </a:prstGeom>
+        </p:spPr>
+      </p:pic>
+      <p:pic>
+        <p:nvPicPr>
+          <p:cNvPr id="10" name="图片 9">
+            <a:extLst>
+              <a:ext uri="{FF2B5EF4-FFF2-40B4-BE49-F238E27FC236}">
+                <a16:creationId xmlns:a16="http://schemas.microsoft.com/office/drawing/2014/main" id="{1F127376-9CB7-6E00-1DC8-A367F76CC696}"/>
+              </a:ext>
+            </a:extLst>
+          </p:cNvPr>
+          <p:cNvPicPr>
+            <a:picLocks noChangeAspect="1"/>
+          </p:cNvPicPr>
+          <p:nvPr/>
+        </p:nvPicPr>
+        <p:blipFill>
+          <a:blip r:embed="rId3"/>
+          <a:stretch>
+            <a:fillRect/>
+          </a:stretch>
+        </p:blipFill>
+        <p:spPr>
+          <a:xfrm>
+            <a:off x="922792" y="3440430"/>
+            <a:ext cx="9017000" cy="990600"/>
+          </a:xfrm>
+          <a:prstGeom prst="rect">
+            <a:avLst/>
+          </a:prstGeom>
+        </p:spPr>
+      </p:pic>
+    </p:spTree>
+    <p:extLst>
+      <p:ext uri="{BB962C8B-B14F-4D97-AF65-F5344CB8AC3E}">
+        <p14:creationId xmlns:p14="http://schemas.microsoft.com/office/powerpoint/2010/main" val="1058437322"/>
+      </p:ext>
+    </p:extLst>
+  </p:cSld>
+  <p:clrMapOvr>
+    <a:masterClrMapping/>
+  </p:clrMapOvr>
+</p:sld>
+</file>
+
+<file path=ppt/slides/slide25.xml><?xml version="1.0" encoding="utf-8"?>
+<p:sld xmlns:a="http://schemas.openxmlformats.org/drawingml/2006/main" xmlns:r="http://schemas.openxmlformats.org/officeDocument/2006/relationships" xmlns:p="http://schemas.openxmlformats.org/presentationml/2006/main">
+  <p:cSld>
+    <p:spTree>
+      <p:nvGrpSpPr>
+        <p:cNvPr id="1" name=""/>
+        <p:cNvGrpSpPr/>
+        <p:nvPr/>
+      </p:nvGrpSpPr>
+      <p:grpSpPr>
+        <a:xfrm>
+          <a:off x="0" y="0"/>
+          <a:ext cx="0" cy="0"/>
+          <a:chOff x="0" y="0"/>
+          <a:chExt cx="0" cy="0"/>
+        </a:xfrm>
+      </p:grpSpPr>
+      <p:sp>
+        <p:nvSpPr>
+          <p:cNvPr id="2" name="标题 1">
+            <a:extLst>
+              <a:ext uri="{FF2B5EF4-FFF2-40B4-BE49-F238E27FC236}">
+                <a16:creationId xmlns:a16="http://schemas.microsoft.com/office/drawing/2014/main" id="{65BD4449-C525-AD6C-0F3A-2F177ADFA8D5}"/>
+              </a:ext>
+            </a:extLst>
+          </p:cNvPr>
+          <p:cNvSpPr>
+            <a:spLocks noGrp="1"/>
+          </p:cNvSpPr>
+          <p:nvPr>
+            <p:ph type="title"/>
+          </p:nvPr>
+        </p:nvSpPr>
+        <p:spPr/>
+        <p:txBody>
+          <a:bodyPr/>
+          <a:lstStyle/>
+          <a:p>
+            <a:r>
+              <a:rPr kumimoji="1" lang="en-US" altLang="zh-CN" sz="2400" dirty="0"/>
+              <a:t>JS</a:t>
+            </a:r>
+            <a:r>
+              <a:rPr kumimoji="1" lang="zh-CN" altLang="en-US" sz="2400" dirty="0"/>
+              <a:t> 执行机制</a:t>
+            </a:r>
+            <a:endParaRPr kumimoji="1" lang="zh-CN" altLang="en-US" dirty="0"/>
+          </a:p>
+        </p:txBody>
+      </p:sp>
+      <p:pic>
+        <p:nvPicPr>
+          <p:cNvPr id="9218" name="Picture 2">
+            <a:extLst>
+              <a:ext uri="{FF2B5EF4-FFF2-40B4-BE49-F238E27FC236}">
+                <a16:creationId xmlns:a16="http://schemas.microsoft.com/office/drawing/2014/main" id="{95B948F0-981C-18CB-503B-7431EDC8990E}"/>
+              </a:ext>
+            </a:extLst>
+          </p:cNvPr>
+          <p:cNvPicPr>
+            <a:picLocks noChangeAspect="1" noChangeArrowheads="1"/>
+          </p:cNvPicPr>
+          <p:nvPr/>
+        </p:nvPicPr>
+        <p:blipFill>
+          <a:blip r:embed="rId3">
+            <a:extLst>
+              <a:ext uri="{28A0092B-C50C-407E-A947-70E740481C1C}">
+                <a14:useLocalDpi xmlns:a14="http://schemas.microsoft.com/office/drawing/2010/main" val="0"/>
+              </a:ext>
+            </a:extLst>
+          </a:blip>
+          <a:srcRect/>
+          <a:stretch>
+            <a:fillRect/>
+          </a:stretch>
+        </p:blipFill>
+        <p:spPr bwMode="auto">
+          <a:xfrm>
+            <a:off x="994410" y="1054904"/>
+            <a:ext cx="10020300" cy="5563354"/>
+          </a:xfrm>
+          <a:prstGeom prst="rect">
+            <a:avLst/>
+          </a:prstGeom>
+          <a:noFill/>
+          <a:extLst>
+            <a:ext uri="{909E8E84-426E-40DD-AFC4-6F175D3DCCD1}">
+              <a14:hiddenFill xmlns:a14="http://schemas.microsoft.com/office/drawing/2010/main">
+                <a:solidFill>
+                  <a:srgbClr val="FFFFFF"/>
+                </a:solidFill>
+              </a14:hiddenFill>
+            </a:ext>
+          </a:extLst>
+        </p:spPr>
+      </p:pic>
+    </p:spTree>
+    <p:extLst>
+      <p:ext uri="{BB962C8B-B14F-4D97-AF65-F5344CB8AC3E}">
+        <p14:creationId xmlns:p14="http://schemas.microsoft.com/office/powerpoint/2010/main" val="2678850966"/>
+      </p:ext>
+    </p:extLst>
+  </p:cSld>
+  <p:clrMapOvr>
+    <a:masterClrMapping/>
+  </p:clrMapOvr>
+</p:sld>
+</file>
+
+<file path=ppt/slides/slide26.xml><?xml version="1.0" encoding="utf-8"?>
+<p:sld xmlns:a="http://schemas.openxmlformats.org/drawingml/2006/main" xmlns:r="http://schemas.openxmlformats.org/officeDocument/2006/relationships" xmlns:p="http://schemas.openxmlformats.org/presentationml/2006/main">
+  <p:cSld>
+    <p:spTree>
+      <p:nvGrpSpPr>
+        <p:cNvPr id="1" name=""/>
+        <p:cNvGrpSpPr/>
+        <p:nvPr/>
+      </p:nvGrpSpPr>
+      <p:grpSpPr>
+        <a:xfrm>
+          <a:off x="0" y="0"/>
+          <a:ext cx="0" cy="0"/>
+          <a:chOff x="0" y="0"/>
+          <a:chExt cx="0" cy="0"/>
+        </a:xfrm>
+      </p:grpSpPr>
+    </p:spTree>
+    <p:extLst>
+      <p:ext uri="{BB962C8B-B14F-4D97-AF65-F5344CB8AC3E}">
+        <p14:creationId xmlns:p14="http://schemas.microsoft.com/office/powerpoint/2010/main" val="1891713528"/>
       </p:ext>
     </p:extLst>
   </p:cSld>
@@ -14192,7 +18162,7 @@
           <a:p>
             <a:r>
               <a:rPr kumimoji="1" lang="zh-CN" altLang="en-US" dirty="0"/>
-              <a:t>首先确定的是浏览器有多个进程多个线程组成的一个应用程序</a:t>
+              <a:t>首先确定的是浏览器有多个进程组成的一个应用程序</a:t>
             </a:r>
           </a:p>
         </p:txBody>
@@ -14219,8 +18189,8 @@
         </p:blipFill>
         <p:spPr>
           <a:xfrm>
-            <a:off x="472440" y="1798320"/>
-            <a:ext cx="5829300" cy="3848100"/>
+            <a:off x="171450" y="1798320"/>
+            <a:ext cx="5448375" cy="3596640"/>
           </a:xfrm>
           <a:prstGeom prst="rect">
             <a:avLst/>
@@ -14241,8 +18211,8 @@
         </p:nvSpPr>
         <p:spPr>
           <a:xfrm>
-            <a:off x="6720840" y="1798320"/>
-            <a:ext cx="4972050" cy="369332"/>
+            <a:off x="5840730" y="1798320"/>
+            <a:ext cx="6000750" cy="4247317"/>
           </a:xfrm>
           <a:prstGeom prst="rect">
             <a:avLst/>
@@ -14263,6 +18233,149 @@
               <a:rPr kumimoji="1" lang="zh-CN" altLang="en-US" dirty="0"/>
               <a:t>、</a:t>
             </a:r>
+            <a:r>
+              <a:rPr lang="zh-CN" altLang="en-US" b="1" dirty="0"/>
+              <a:t>浏览器进程</a:t>
+            </a:r>
+            <a:r>
+              <a:rPr lang="zh-CN" altLang="en-US" dirty="0"/>
+              <a:t>。主要负责界面显示、用户交互、子进程管理</a:t>
+            </a:r>
+            <a:endParaRPr lang="en-US" altLang="zh-CN" dirty="0"/>
+          </a:p>
+          <a:p>
+            <a:r>
+              <a:rPr lang="en-US" altLang="zh-CN" b="1" dirty="0"/>
+              <a:t>2</a:t>
+            </a:r>
+            <a:r>
+              <a:rPr lang="zh-CN" altLang="en-US" b="1" dirty="0"/>
+              <a:t>、渲染进程</a:t>
+            </a:r>
+            <a:r>
+              <a:rPr lang="zh-CN" altLang="en-US" dirty="0"/>
+              <a:t>。核心任务是将 </a:t>
+            </a:r>
+            <a:r>
+              <a:rPr lang="en" altLang="zh-CN" dirty="0"/>
+              <a:t>HTML</a:t>
+            </a:r>
+            <a:r>
+              <a:rPr lang="zh-CN" altLang="en" dirty="0"/>
+              <a:t>、</a:t>
+            </a:r>
+            <a:r>
+              <a:rPr lang="en" altLang="zh-CN" dirty="0"/>
+              <a:t>CSS </a:t>
+            </a:r>
+            <a:r>
+              <a:rPr lang="zh-CN" altLang="en-US" dirty="0"/>
+              <a:t>和 </a:t>
+            </a:r>
+            <a:r>
+              <a:rPr lang="en" altLang="zh-CN" dirty="0"/>
+              <a:t>JavaScript </a:t>
+            </a:r>
+            <a:r>
+              <a:rPr lang="zh-CN" altLang="en-US" dirty="0"/>
+              <a:t>转换为用户可以与之交互的网页，</a:t>
+            </a:r>
+            <a:endParaRPr lang="en-US" altLang="zh-CN" dirty="0"/>
+          </a:p>
+          <a:p>
+            <a:endParaRPr lang="en-US" altLang="zh-CN" dirty="0"/>
+          </a:p>
+          <a:p>
+            <a:r>
+              <a:rPr lang="en-US" altLang="zh-CN" b="1" dirty="0"/>
+              <a:t>3</a:t>
+            </a:r>
+            <a:r>
+              <a:rPr lang="zh-CN" altLang="en-US" b="1" dirty="0"/>
+              <a:t>、</a:t>
+            </a:r>
+            <a:r>
+              <a:rPr lang="en" altLang="zh-CN" b="1" dirty="0"/>
+              <a:t>GPU</a:t>
+            </a:r>
+            <a:r>
+              <a:rPr lang="zh-CN" altLang="en-US" b="1" dirty="0"/>
+              <a:t>进程</a:t>
+            </a:r>
+            <a:r>
+              <a:rPr lang="zh-CN" altLang="en-US" dirty="0"/>
+              <a:t>。</a:t>
+            </a:r>
+            <a:r>
+              <a:rPr lang="en" altLang="zh-CN" dirty="0"/>
+              <a:t>Chrome</a:t>
+            </a:r>
+            <a:r>
+              <a:rPr lang="zh-CN" altLang="en-US" dirty="0"/>
+              <a:t>的</a:t>
+            </a:r>
+            <a:r>
+              <a:rPr lang="en" altLang="zh-CN" dirty="0"/>
+              <a:t>UI</a:t>
+            </a:r>
+            <a:r>
+              <a:rPr lang="zh-CN" altLang="en-US" dirty="0"/>
+              <a:t>界面都选择采用</a:t>
+            </a:r>
+            <a:r>
+              <a:rPr lang="en" altLang="zh-CN" dirty="0"/>
+              <a:t>GP</a:t>
+            </a:r>
+            <a:r>
+              <a:rPr lang="en-US" altLang="zh-CN" dirty="0"/>
+              <a:t>U</a:t>
+            </a:r>
+            <a:r>
+              <a:rPr lang="zh-CN" altLang="en-US" dirty="0"/>
+              <a:t>进程来绘制</a:t>
+            </a:r>
+            <a:endParaRPr lang="en-US" altLang="zh-CN" dirty="0"/>
+          </a:p>
+          <a:p>
+            <a:endParaRPr lang="en-US" altLang="zh-CN" b="1" dirty="0"/>
+          </a:p>
+          <a:p>
+            <a:r>
+              <a:rPr lang="en-US" altLang="zh-CN" b="1" dirty="0"/>
+              <a:t>4</a:t>
+            </a:r>
+            <a:r>
+              <a:rPr lang="zh-CN" altLang="en-US" b="1" dirty="0"/>
+              <a:t>、网络、存储等进程</a:t>
+            </a:r>
+            <a:r>
+              <a:rPr lang="zh-CN" altLang="en-US" dirty="0"/>
+              <a:t>。主要负责页面的网络资源加载，内容存储等</a:t>
+            </a:r>
+            <a:endParaRPr lang="en-US" altLang="zh-CN" dirty="0"/>
+          </a:p>
+          <a:p>
+            <a:endParaRPr lang="en-US" altLang="zh-CN" dirty="0"/>
+          </a:p>
+          <a:p>
+            <a:r>
+              <a:rPr lang="en-US" altLang="zh-CN" b="1" dirty="0"/>
+              <a:t>5</a:t>
+            </a:r>
+            <a:r>
+              <a:rPr lang="zh-CN" altLang="en-US" b="1" dirty="0"/>
+              <a:t>、插件进程</a:t>
+            </a:r>
+            <a:r>
+              <a:rPr lang="zh-CN" altLang="en-US" dirty="0"/>
+              <a:t>。主要是负责插件的运行，因插件易崩溃，所以需要通过插件进程来隔离，以保证插件进程崩溃不会对浏览器和页面造成影响</a:t>
+            </a:r>
+          </a:p>
+          <a:p>
+            <a:endParaRPr lang="zh-CN" altLang="en-US" dirty="0"/>
+          </a:p>
+          <a:p>
+            <a:endParaRPr kumimoji="1" lang="zh-CN" altLang="en-US" dirty="0"/>
           </a:p>
         </p:txBody>
       </p:sp>
@@ -14296,10 +18409,1513 @@
           <a:chExt cx="0" cy="0"/>
         </a:xfrm>
       </p:grpSpPr>
+      <p:sp>
+        <p:nvSpPr>
+          <p:cNvPr id="2" name="标题 1">
+            <a:extLst>
+              <a:ext uri="{FF2B5EF4-FFF2-40B4-BE49-F238E27FC236}">
+                <a16:creationId xmlns:a16="http://schemas.microsoft.com/office/drawing/2014/main" id="{F07C6663-61D4-D304-563C-7D5B6C70DBA8}"/>
+              </a:ext>
+            </a:extLst>
+          </p:cNvPr>
+          <p:cNvSpPr>
+            <a:spLocks noGrp="1"/>
+          </p:cNvSpPr>
+          <p:nvPr>
+            <p:ph type="title"/>
+          </p:nvPr>
+        </p:nvSpPr>
+        <p:spPr/>
+        <p:txBody>
+          <a:bodyPr/>
+          <a:lstStyle/>
+          <a:p>
+            <a:r>
+              <a:rPr kumimoji="1" lang="zh-CN" altLang="en-US" sz="2400" dirty="0"/>
+              <a:t>浏览器的整体架构</a:t>
+            </a:r>
+            <a:endParaRPr kumimoji="1" lang="zh-CN" altLang="en-US" dirty="0"/>
+          </a:p>
+        </p:txBody>
+      </p:sp>
+      <p:sp>
+        <p:nvSpPr>
+          <p:cNvPr id="3" name="文本框 2">
+            <a:extLst>
+              <a:ext uri="{FF2B5EF4-FFF2-40B4-BE49-F238E27FC236}">
+                <a16:creationId xmlns:a16="http://schemas.microsoft.com/office/drawing/2014/main" id="{D8C6583C-D90E-2D8C-F14D-056D4B79C54B}"/>
+              </a:ext>
+            </a:extLst>
+          </p:cNvPr>
+          <p:cNvSpPr txBox="1"/>
+          <p:nvPr/>
+        </p:nvSpPr>
+        <p:spPr>
+          <a:xfrm>
+            <a:off x="468630" y="1234440"/>
+            <a:ext cx="10397764" cy="369332"/>
+          </a:xfrm>
+          <a:prstGeom prst="rect">
+            <a:avLst/>
+          </a:prstGeom>
+          <a:noFill/>
+        </p:spPr>
+        <p:txBody>
+          <a:bodyPr wrap="square" rtlCol="0">
+            <a:spAutoFit/>
+          </a:bodyPr>
+          <a:lstStyle/>
+          <a:p>
+            <a:r>
+              <a:rPr lang="zh-CN" altLang="en-US" b="1" dirty="0"/>
+              <a:t>从输入</a:t>
+            </a:r>
+            <a:r>
+              <a:rPr lang="en" altLang="zh-CN" b="1" dirty="0"/>
+              <a:t>URL</a:t>
+            </a:r>
+            <a:r>
+              <a:rPr lang="zh-CN" altLang="en-US" b="1" dirty="0"/>
+              <a:t>到页面展示这中间发生了什么？这个问题其实就是整个浏览器的所有进程密切配合的过程</a:t>
+            </a:r>
+          </a:p>
+        </p:txBody>
+      </p:sp>
+      <p:pic>
+        <p:nvPicPr>
+          <p:cNvPr id="1026" name="Picture 2">
+            <a:extLst>
+              <a:ext uri="{FF2B5EF4-FFF2-40B4-BE49-F238E27FC236}">
+                <a16:creationId xmlns:a16="http://schemas.microsoft.com/office/drawing/2014/main" id="{FDAFC1FE-BE8F-C2E2-DD61-3AE10DEE4A4C}"/>
+              </a:ext>
+            </a:extLst>
+          </p:cNvPr>
+          <p:cNvPicPr>
+            <a:picLocks noChangeAspect="1" noChangeArrowheads="1"/>
+          </p:cNvPicPr>
+          <p:nvPr/>
+        </p:nvPicPr>
+        <p:blipFill>
+          <a:blip r:embed="rId2">
+            <a:extLst>
+              <a:ext uri="{28A0092B-C50C-407E-A947-70E740481C1C}">
+                <a14:useLocalDpi xmlns:a14="http://schemas.microsoft.com/office/drawing/2010/main" val="0"/>
+              </a:ext>
+            </a:extLst>
+          </a:blip>
+          <a:srcRect/>
+          <a:stretch>
+            <a:fillRect/>
+          </a:stretch>
+        </p:blipFill>
+        <p:spPr bwMode="auto">
+          <a:xfrm>
+            <a:off x="285750" y="1820674"/>
+            <a:ext cx="11460480" cy="4797584"/>
+          </a:xfrm>
+          <a:prstGeom prst="rect">
+            <a:avLst/>
+          </a:prstGeom>
+          <a:noFill/>
+          <a:extLst>
+            <a:ext uri="{909E8E84-426E-40DD-AFC4-6F175D3DCCD1}">
+              <a14:hiddenFill xmlns:a14="http://schemas.microsoft.com/office/drawing/2010/main">
+                <a:solidFill>
+                  <a:srgbClr val="FFFFFF"/>
+                </a:solidFill>
+              </a14:hiddenFill>
+            </a:ext>
+          </a:extLst>
+        </p:spPr>
+      </p:pic>
     </p:spTree>
     <p:extLst>
       <p:ext uri="{BB962C8B-B14F-4D97-AF65-F5344CB8AC3E}">
-        <p14:creationId xmlns:p14="http://schemas.microsoft.com/office/powerpoint/2010/main" val="1891713528"/>
+        <p14:creationId xmlns:p14="http://schemas.microsoft.com/office/powerpoint/2010/main" val="697670712"/>
+      </p:ext>
+    </p:extLst>
+  </p:cSld>
+  <p:clrMapOvr>
+    <a:masterClrMapping/>
+  </p:clrMapOvr>
+</p:sld>
+</file>
+
+<file path=ppt/slides/slide5.xml><?xml version="1.0" encoding="utf-8"?>
+<p:sld xmlns:a="http://schemas.openxmlformats.org/drawingml/2006/main" xmlns:r="http://schemas.openxmlformats.org/officeDocument/2006/relationships" xmlns:p="http://schemas.openxmlformats.org/presentationml/2006/main">
+  <p:cSld>
+    <p:spTree>
+      <p:nvGrpSpPr>
+        <p:cNvPr id="1" name=""/>
+        <p:cNvGrpSpPr/>
+        <p:nvPr/>
+      </p:nvGrpSpPr>
+      <p:grpSpPr>
+        <a:xfrm>
+          <a:off x="0" y="0"/>
+          <a:ext cx="0" cy="0"/>
+          <a:chOff x="0" y="0"/>
+          <a:chExt cx="0" cy="0"/>
+        </a:xfrm>
+      </p:grpSpPr>
+      <p:sp>
+        <p:nvSpPr>
+          <p:cNvPr id="2" name="标题 1">
+            <a:extLst>
+              <a:ext uri="{FF2B5EF4-FFF2-40B4-BE49-F238E27FC236}">
+                <a16:creationId xmlns:a16="http://schemas.microsoft.com/office/drawing/2014/main" id="{E24BE88E-3198-129F-B322-2A976FEE8D22}"/>
+              </a:ext>
+            </a:extLst>
+          </p:cNvPr>
+          <p:cNvSpPr>
+            <a:spLocks noGrp="1"/>
+          </p:cNvSpPr>
+          <p:nvPr>
+            <p:ph type="title"/>
+          </p:nvPr>
+        </p:nvSpPr>
+        <p:spPr/>
+        <p:txBody>
+          <a:bodyPr/>
+          <a:lstStyle/>
+          <a:p>
+            <a:r>
+              <a:rPr kumimoji="1" lang="zh-CN" altLang="en-US" sz="2000" dirty="0"/>
+              <a:t>浏览器的整体架构</a:t>
+            </a:r>
+            <a:endParaRPr kumimoji="1" lang="zh-CN" altLang="en-US" dirty="0"/>
+          </a:p>
+        </p:txBody>
+      </p:sp>
+      <p:sp>
+        <p:nvSpPr>
+          <p:cNvPr id="3" name="文本框 2">
+            <a:extLst>
+              <a:ext uri="{FF2B5EF4-FFF2-40B4-BE49-F238E27FC236}">
+                <a16:creationId xmlns:a16="http://schemas.microsoft.com/office/drawing/2014/main" id="{86783C24-79A8-22BC-9487-9B94EABA9DA7}"/>
+              </a:ext>
+            </a:extLst>
+          </p:cNvPr>
+          <p:cNvSpPr txBox="1"/>
+          <p:nvPr/>
+        </p:nvSpPr>
+        <p:spPr>
+          <a:xfrm>
+            <a:off x="422910" y="1062990"/>
+            <a:ext cx="4034790" cy="954107"/>
+          </a:xfrm>
+          <a:prstGeom prst="rect">
+            <a:avLst/>
+          </a:prstGeom>
+          <a:noFill/>
+        </p:spPr>
+        <p:txBody>
+          <a:bodyPr wrap="square" rtlCol="0">
+            <a:spAutoFit/>
+          </a:bodyPr>
+          <a:lstStyle/>
+          <a:p>
+            <a:r>
+              <a:rPr lang="zh-CN" altLang="en-US" sz="2000" b="1" dirty="0"/>
+              <a:t>用户输入</a:t>
+            </a:r>
+          </a:p>
+          <a:p>
+            <a:endParaRPr kumimoji="1" lang="zh-CN" altLang="en-US" sz="3600" dirty="0"/>
+          </a:p>
+        </p:txBody>
+      </p:sp>
+      <p:sp>
+        <p:nvSpPr>
+          <p:cNvPr id="4" name="文本框 3">
+            <a:extLst>
+              <a:ext uri="{FF2B5EF4-FFF2-40B4-BE49-F238E27FC236}">
+                <a16:creationId xmlns:a16="http://schemas.microsoft.com/office/drawing/2014/main" id="{D73A334A-DD7D-5D17-2392-47CD88F5157F}"/>
+              </a:ext>
+            </a:extLst>
+          </p:cNvPr>
+          <p:cNvSpPr txBox="1"/>
+          <p:nvPr/>
+        </p:nvSpPr>
+        <p:spPr>
+          <a:xfrm>
+            <a:off x="422910" y="1576178"/>
+            <a:ext cx="10480754" cy="369332"/>
+          </a:xfrm>
+          <a:prstGeom prst="rect">
+            <a:avLst/>
+          </a:prstGeom>
+          <a:noFill/>
+        </p:spPr>
+        <p:txBody>
+          <a:bodyPr wrap="none" rtlCol="0">
+            <a:spAutoFit/>
+          </a:bodyPr>
+          <a:lstStyle/>
+          <a:p>
+            <a:r>
+              <a:rPr lang="zh-CN" altLang="en-US" dirty="0"/>
+              <a:t>当用户在地址栏中输入一个查询关键字时，地址栏会判断输入的关键字是搜索内容，还是请求的</a:t>
+            </a:r>
+            <a:r>
+              <a:rPr lang="en" altLang="zh-CN" dirty="0"/>
+              <a:t>URL</a:t>
+            </a:r>
+            <a:r>
+              <a:rPr lang="zh-CN" altLang="en" dirty="0"/>
+              <a:t>。</a:t>
+            </a:r>
+            <a:endParaRPr kumimoji="1" lang="zh-CN" altLang="en-US" dirty="0"/>
+          </a:p>
+        </p:txBody>
+      </p:sp>
+      <p:sp>
+        <p:nvSpPr>
+          <p:cNvPr id="5" name="文本框 4">
+            <a:extLst>
+              <a:ext uri="{FF2B5EF4-FFF2-40B4-BE49-F238E27FC236}">
+                <a16:creationId xmlns:a16="http://schemas.microsoft.com/office/drawing/2014/main" id="{5F95EAAF-EEB0-C96E-00CC-5CEEBA732BBE}"/>
+              </a:ext>
+            </a:extLst>
+          </p:cNvPr>
+          <p:cNvSpPr txBox="1"/>
+          <p:nvPr/>
+        </p:nvSpPr>
+        <p:spPr>
+          <a:xfrm>
+            <a:off x="422910" y="2247929"/>
+            <a:ext cx="2377440" cy="707886"/>
+          </a:xfrm>
+          <a:prstGeom prst="rect">
+            <a:avLst/>
+          </a:prstGeom>
+          <a:noFill/>
+        </p:spPr>
+        <p:txBody>
+          <a:bodyPr wrap="square" rtlCol="0">
+            <a:spAutoFit/>
+          </a:bodyPr>
+          <a:lstStyle/>
+          <a:p>
+            <a:r>
+              <a:rPr lang="en" altLang="zh-CN" sz="2000" b="1" dirty="0"/>
+              <a:t>2. URL</a:t>
+            </a:r>
+            <a:r>
+              <a:rPr lang="zh-CN" altLang="en-US" sz="2000" b="1" dirty="0"/>
+              <a:t>请求</a:t>
+            </a:r>
+          </a:p>
+          <a:p>
+            <a:endParaRPr kumimoji="1" lang="zh-CN" altLang="en-US" sz="2000" dirty="0"/>
+          </a:p>
+        </p:txBody>
+      </p:sp>
+      <p:sp>
+        <p:nvSpPr>
+          <p:cNvPr id="6" name="文本框 5">
+            <a:extLst>
+              <a:ext uri="{FF2B5EF4-FFF2-40B4-BE49-F238E27FC236}">
+                <a16:creationId xmlns:a16="http://schemas.microsoft.com/office/drawing/2014/main" id="{D01F0EC5-F22E-60F2-96D5-C1D742F432C9}"/>
+              </a:ext>
+            </a:extLst>
+          </p:cNvPr>
+          <p:cNvSpPr txBox="1"/>
+          <p:nvPr/>
+        </p:nvSpPr>
+        <p:spPr>
+          <a:xfrm>
+            <a:off x="445770" y="2884228"/>
+            <a:ext cx="10318850" cy="2862322"/>
+          </a:xfrm>
+          <a:prstGeom prst="rect">
+            <a:avLst/>
+          </a:prstGeom>
+          <a:noFill/>
+        </p:spPr>
+        <p:txBody>
+          <a:bodyPr wrap="none" rtlCol="0">
+            <a:spAutoFit/>
+          </a:bodyPr>
+          <a:lstStyle/>
+          <a:p>
+            <a:r>
+              <a:rPr lang="zh-CN" altLang="en-US" dirty="0"/>
+              <a:t>进入了页面资源请求过程。这时，浏览器进程会通过进程间通信（</a:t>
+            </a:r>
+            <a:r>
+              <a:rPr lang="en" altLang="zh-CN" dirty="0"/>
+              <a:t>IPC</a:t>
+            </a:r>
+            <a:r>
+              <a:rPr lang="zh-CN" altLang="en" dirty="0"/>
+              <a:t>）</a:t>
+            </a:r>
+            <a:r>
+              <a:rPr lang="zh-CN" altLang="en-US" dirty="0"/>
+              <a:t>把</a:t>
+            </a:r>
+            <a:r>
+              <a:rPr lang="en" altLang="zh-CN" dirty="0"/>
+              <a:t>URL</a:t>
+            </a:r>
+            <a:r>
+              <a:rPr lang="zh-CN" altLang="en-US" dirty="0"/>
+              <a:t>请求发送至网络进程，</a:t>
+            </a:r>
+            <a:endParaRPr lang="en-US" altLang="zh-CN" dirty="0"/>
+          </a:p>
+          <a:p>
+            <a:r>
+              <a:rPr lang="zh-CN" altLang="en-US" dirty="0"/>
+              <a:t>网络进程接收到</a:t>
+            </a:r>
+            <a:r>
+              <a:rPr lang="en" altLang="zh-CN" dirty="0"/>
+              <a:t>URL</a:t>
+            </a:r>
+            <a:r>
+              <a:rPr lang="zh-CN" altLang="en-US" dirty="0"/>
+              <a:t>请求后</a:t>
+            </a:r>
+            <a:endParaRPr lang="en-US" altLang="zh-CN" dirty="0"/>
+          </a:p>
+          <a:p>
+            <a:endParaRPr kumimoji="1" lang="en-US" altLang="zh-CN" dirty="0"/>
+          </a:p>
+          <a:p>
+            <a:r>
+              <a:rPr kumimoji="1" lang="en-US" altLang="zh-CN" dirty="0"/>
+              <a:t>1</a:t>
+            </a:r>
+            <a:r>
+              <a:rPr kumimoji="1" lang="zh-CN" altLang="en-US" dirty="0"/>
+              <a:t>、查询缓存如果有缓存，直接返回给浏览器进程处理</a:t>
+            </a:r>
+            <a:endParaRPr kumimoji="1" lang="en-US" altLang="zh-CN" dirty="0"/>
+          </a:p>
+          <a:p>
+            <a:r>
+              <a:rPr kumimoji="1" lang="en-US" altLang="zh-CN" dirty="0"/>
+              <a:t>2</a:t>
+            </a:r>
+            <a:r>
+              <a:rPr kumimoji="1" lang="zh-CN" altLang="en-US" dirty="0"/>
+              <a:t>、如果没有，开始走</a:t>
+            </a:r>
+            <a:r>
+              <a:rPr lang="en" altLang="zh-CN" dirty="0"/>
+              <a:t>DNS</a:t>
+            </a:r>
+            <a:r>
+              <a:rPr lang="zh-CN" altLang="en" dirty="0"/>
+              <a:t>解析</a:t>
+            </a:r>
+            <a:r>
+              <a:rPr lang="zh-CN" altLang="en-US" dirty="0"/>
+              <a:t>，请求服务器</a:t>
+            </a:r>
+            <a:r>
+              <a:rPr lang="en-US" altLang="zh-CN" dirty="0" err="1"/>
+              <a:t>ip</a:t>
+            </a:r>
+            <a:r>
+              <a:rPr lang="zh-CN" altLang="en-US" dirty="0"/>
+              <a:t>地址</a:t>
+            </a:r>
+            <a:endParaRPr lang="en-US" altLang="zh-CN" dirty="0"/>
+          </a:p>
+          <a:p>
+            <a:r>
+              <a:rPr kumimoji="1" lang="en-US" altLang="zh-CN" dirty="0"/>
+              <a:t>3</a:t>
+            </a:r>
+            <a:r>
+              <a:rPr kumimoji="1" lang="zh-CN" altLang="en-US" dirty="0"/>
+              <a:t>、</a:t>
+            </a:r>
+            <a:r>
+              <a:rPr lang="zh-CN" altLang="en-US" dirty="0"/>
+              <a:t>建立</a:t>
+            </a:r>
+            <a:r>
+              <a:rPr lang="en" altLang="zh-CN" dirty="0"/>
+              <a:t>TCP</a:t>
+            </a:r>
+            <a:r>
+              <a:rPr lang="zh-CN" altLang="en-US" dirty="0"/>
+              <a:t>连接</a:t>
+            </a:r>
+            <a:endParaRPr lang="en-US" altLang="zh-CN" dirty="0"/>
+          </a:p>
+          <a:p>
+            <a:r>
+              <a:rPr kumimoji="1" lang="en-US" altLang="zh-CN" dirty="0"/>
+              <a:t>4</a:t>
+            </a:r>
+            <a:r>
+              <a:rPr kumimoji="1" lang="zh-CN" altLang="en-US" dirty="0"/>
+              <a:t>、发送</a:t>
+            </a:r>
+            <a:r>
+              <a:rPr lang="zh-CN" altLang="en-US" dirty="0"/>
+              <a:t>请求消息</a:t>
+            </a:r>
+            <a:endParaRPr lang="en-US" altLang="zh-CN" dirty="0"/>
+          </a:p>
+          <a:p>
+            <a:r>
+              <a:rPr lang="en-US" altLang="zh-CN" dirty="0"/>
+              <a:t>5</a:t>
+            </a:r>
+            <a:r>
+              <a:rPr lang="zh-CN" altLang="en-US" dirty="0"/>
+              <a:t>、拿到服务器返回消息，进一步判断头信息 ，走重定向，或者走响应消息处理</a:t>
+            </a:r>
+            <a:endParaRPr lang="en-US" altLang="zh-CN" dirty="0"/>
+          </a:p>
+          <a:p>
+            <a:endParaRPr kumimoji="1" lang="en-US" altLang="zh-CN" dirty="0"/>
+          </a:p>
+          <a:p>
+            <a:endParaRPr kumimoji="1" lang="zh-CN" altLang="en-US" dirty="0"/>
+          </a:p>
+        </p:txBody>
+      </p:sp>
+    </p:spTree>
+    <p:extLst>
+      <p:ext uri="{BB962C8B-B14F-4D97-AF65-F5344CB8AC3E}">
+        <p14:creationId xmlns:p14="http://schemas.microsoft.com/office/powerpoint/2010/main" val="2607742725"/>
+      </p:ext>
+    </p:extLst>
+  </p:cSld>
+  <p:clrMapOvr>
+    <a:masterClrMapping/>
+  </p:clrMapOvr>
+</p:sld>
+</file>
+
+<file path=ppt/slides/slide6.xml><?xml version="1.0" encoding="utf-8"?>
+<p:sld xmlns:a="http://schemas.openxmlformats.org/drawingml/2006/main" xmlns:r="http://schemas.openxmlformats.org/officeDocument/2006/relationships" xmlns:p="http://schemas.openxmlformats.org/presentationml/2006/main">
+  <p:cSld>
+    <p:spTree>
+      <p:nvGrpSpPr>
+        <p:cNvPr id="1" name=""/>
+        <p:cNvGrpSpPr/>
+        <p:nvPr/>
+      </p:nvGrpSpPr>
+      <p:grpSpPr>
+        <a:xfrm>
+          <a:off x="0" y="0"/>
+          <a:ext cx="0" cy="0"/>
+          <a:chOff x="0" y="0"/>
+          <a:chExt cx="0" cy="0"/>
+        </a:xfrm>
+      </p:grpSpPr>
+      <p:sp>
+        <p:nvSpPr>
+          <p:cNvPr id="2" name="标题 1">
+            <a:extLst>
+              <a:ext uri="{FF2B5EF4-FFF2-40B4-BE49-F238E27FC236}">
+                <a16:creationId xmlns:a16="http://schemas.microsoft.com/office/drawing/2014/main" id="{4CA522A3-D26F-F6D9-73C7-E2EE9CAA0C9B}"/>
+              </a:ext>
+            </a:extLst>
+          </p:cNvPr>
+          <p:cNvSpPr>
+            <a:spLocks noGrp="1"/>
+          </p:cNvSpPr>
+          <p:nvPr>
+            <p:ph type="title"/>
+          </p:nvPr>
+        </p:nvSpPr>
+        <p:spPr/>
+        <p:txBody>
+          <a:bodyPr/>
+          <a:lstStyle/>
+          <a:p>
+            <a:r>
+              <a:rPr kumimoji="1" lang="zh-CN" altLang="en-US" sz="2400" dirty="0"/>
+              <a:t>浏览器的整体架构</a:t>
+            </a:r>
+            <a:endParaRPr kumimoji="1" lang="zh-CN" altLang="en-US" dirty="0"/>
+          </a:p>
+        </p:txBody>
+      </p:sp>
+      <p:sp>
+        <p:nvSpPr>
+          <p:cNvPr id="3" name="文本框 2">
+            <a:extLst>
+              <a:ext uri="{FF2B5EF4-FFF2-40B4-BE49-F238E27FC236}">
+                <a16:creationId xmlns:a16="http://schemas.microsoft.com/office/drawing/2014/main" id="{DEB5885A-55B8-6F7C-B726-7B7FC415FFB4}"/>
+              </a:ext>
+            </a:extLst>
+          </p:cNvPr>
+          <p:cNvSpPr txBox="1"/>
+          <p:nvPr/>
+        </p:nvSpPr>
+        <p:spPr>
+          <a:xfrm>
+            <a:off x="422910" y="1302127"/>
+            <a:ext cx="1989647" cy="400110"/>
+          </a:xfrm>
+          <a:prstGeom prst="rect">
+            <a:avLst/>
+          </a:prstGeom>
+          <a:noFill/>
+        </p:spPr>
+        <p:txBody>
+          <a:bodyPr wrap="none" rtlCol="0">
+            <a:spAutoFit/>
+          </a:bodyPr>
+          <a:lstStyle/>
+          <a:p>
+            <a:r>
+              <a:rPr lang="en-US" altLang="zh-CN" sz="2000" b="1" dirty="0"/>
+              <a:t>3. </a:t>
+            </a:r>
+            <a:r>
+              <a:rPr lang="zh-CN" altLang="en-US" sz="2000" b="1" dirty="0"/>
+              <a:t>准备渲染进程</a:t>
+            </a:r>
+          </a:p>
+        </p:txBody>
+      </p:sp>
+      <p:sp>
+        <p:nvSpPr>
+          <p:cNvPr id="4" name="文本框 3">
+            <a:extLst>
+              <a:ext uri="{FF2B5EF4-FFF2-40B4-BE49-F238E27FC236}">
+                <a16:creationId xmlns:a16="http://schemas.microsoft.com/office/drawing/2014/main" id="{74758B20-7D6F-D8B9-3815-B6020F49CB84}"/>
+              </a:ext>
+            </a:extLst>
+          </p:cNvPr>
+          <p:cNvSpPr txBox="1"/>
+          <p:nvPr/>
+        </p:nvSpPr>
+        <p:spPr>
+          <a:xfrm>
+            <a:off x="742950" y="2151581"/>
+            <a:ext cx="5493812" cy="369332"/>
+          </a:xfrm>
+          <a:prstGeom prst="rect">
+            <a:avLst/>
+          </a:prstGeom>
+          <a:noFill/>
+        </p:spPr>
+        <p:txBody>
+          <a:bodyPr wrap="none" rtlCol="0">
+            <a:spAutoFit/>
+          </a:bodyPr>
+          <a:lstStyle/>
+          <a:p>
+            <a:r>
+              <a:rPr kumimoji="1" lang="zh-CN" altLang="en-US" dirty="0"/>
+              <a:t>网络进程将文档数据内容传输给渲染进程，解析渲染</a:t>
+            </a:r>
+          </a:p>
+        </p:txBody>
+      </p:sp>
+    </p:spTree>
+    <p:extLst>
+      <p:ext uri="{BB962C8B-B14F-4D97-AF65-F5344CB8AC3E}">
+        <p14:creationId xmlns:p14="http://schemas.microsoft.com/office/powerpoint/2010/main" val="3640515212"/>
+      </p:ext>
+    </p:extLst>
+  </p:cSld>
+  <p:clrMapOvr>
+    <a:masterClrMapping/>
+  </p:clrMapOvr>
+</p:sld>
+</file>
+
+<file path=ppt/slides/slide7.xml><?xml version="1.0" encoding="utf-8"?>
+<p:sld xmlns:a="http://schemas.openxmlformats.org/drawingml/2006/main" xmlns:r="http://schemas.openxmlformats.org/officeDocument/2006/relationships" xmlns:p="http://schemas.openxmlformats.org/presentationml/2006/main">
+  <p:cSld>
+    <p:spTree>
+      <p:nvGrpSpPr>
+        <p:cNvPr id="1" name=""/>
+        <p:cNvGrpSpPr/>
+        <p:nvPr/>
+      </p:nvGrpSpPr>
+      <p:grpSpPr>
+        <a:xfrm>
+          <a:off x="0" y="0"/>
+          <a:ext cx="0" cy="0"/>
+          <a:chOff x="0" y="0"/>
+          <a:chExt cx="0" cy="0"/>
+        </a:xfrm>
+      </p:grpSpPr>
+      <p:sp>
+        <p:nvSpPr>
+          <p:cNvPr id="2" name="标题 1">
+            <a:extLst>
+              <a:ext uri="{FF2B5EF4-FFF2-40B4-BE49-F238E27FC236}">
+                <a16:creationId xmlns:a16="http://schemas.microsoft.com/office/drawing/2014/main" id="{231F1607-F8B1-64D5-B584-27CFA9D85D61}"/>
+              </a:ext>
+            </a:extLst>
+          </p:cNvPr>
+          <p:cNvSpPr>
+            <a:spLocks noGrp="1"/>
+          </p:cNvSpPr>
+          <p:nvPr>
+            <p:ph type="title"/>
+          </p:nvPr>
+        </p:nvSpPr>
+        <p:spPr/>
+        <p:txBody>
+          <a:bodyPr/>
+          <a:lstStyle/>
+          <a:p>
+            <a:r>
+              <a:rPr kumimoji="1" lang="zh-CN" altLang="en-US" sz="2400" dirty="0"/>
+              <a:t>浏览器中的网络协议</a:t>
+            </a:r>
+            <a:endParaRPr kumimoji="1" lang="zh-CN" altLang="en-US" dirty="0"/>
+          </a:p>
+        </p:txBody>
+      </p:sp>
+      <p:pic>
+        <p:nvPicPr>
+          <p:cNvPr id="3" name="图片 2">
+            <a:extLst>
+              <a:ext uri="{FF2B5EF4-FFF2-40B4-BE49-F238E27FC236}">
+                <a16:creationId xmlns:a16="http://schemas.microsoft.com/office/drawing/2014/main" id="{55D5462D-5225-8336-D38A-252D0ABF3F3E}"/>
+              </a:ext>
+            </a:extLst>
+          </p:cNvPr>
+          <p:cNvPicPr>
+            <a:picLocks noChangeAspect="1"/>
+          </p:cNvPicPr>
+          <p:nvPr/>
+        </p:nvPicPr>
+        <p:blipFill>
+          <a:blip r:embed="rId3"/>
+          <a:stretch>
+            <a:fillRect/>
+          </a:stretch>
+        </p:blipFill>
+        <p:spPr>
+          <a:xfrm>
+            <a:off x="565648" y="1031957"/>
+            <a:ext cx="10397764" cy="1756963"/>
+          </a:xfrm>
+          <a:prstGeom prst="rect">
+            <a:avLst/>
+          </a:prstGeom>
+        </p:spPr>
+      </p:pic>
+      <p:sp>
+        <p:nvSpPr>
+          <p:cNvPr id="4" name="文本框 3">
+            <a:extLst>
+              <a:ext uri="{FF2B5EF4-FFF2-40B4-BE49-F238E27FC236}">
+                <a16:creationId xmlns:a16="http://schemas.microsoft.com/office/drawing/2014/main" id="{16BD3D30-1F9A-11A9-CD67-E72D54CD1FB6}"/>
+              </a:ext>
+            </a:extLst>
+          </p:cNvPr>
+          <p:cNvSpPr txBox="1"/>
+          <p:nvPr/>
+        </p:nvSpPr>
+        <p:spPr>
+          <a:xfrm>
+            <a:off x="651510" y="2800350"/>
+            <a:ext cx="4057650" cy="646331"/>
+          </a:xfrm>
+          <a:prstGeom prst="rect">
+            <a:avLst/>
+          </a:prstGeom>
+          <a:noFill/>
+        </p:spPr>
+        <p:txBody>
+          <a:bodyPr wrap="square" rtlCol="0">
+            <a:spAutoFit/>
+          </a:bodyPr>
+          <a:lstStyle/>
+          <a:p>
+            <a:r>
+              <a:rPr lang="zh-CN" altLang="en-US" b="1" dirty="0"/>
+              <a:t>超文本传输协议 </a:t>
+            </a:r>
+            <a:r>
+              <a:rPr lang="en" altLang="zh-CN" b="1" dirty="0"/>
+              <a:t>HTTP/0.9</a:t>
+            </a:r>
+          </a:p>
+          <a:p>
+            <a:endParaRPr kumimoji="1" lang="zh-CN" altLang="en-US" dirty="0"/>
+          </a:p>
+        </p:txBody>
+      </p:sp>
+      <p:sp>
+        <p:nvSpPr>
+          <p:cNvPr id="5" name="文本框 4">
+            <a:extLst>
+              <a:ext uri="{FF2B5EF4-FFF2-40B4-BE49-F238E27FC236}">
+                <a16:creationId xmlns:a16="http://schemas.microsoft.com/office/drawing/2014/main" id="{6CEF6BA0-8AF2-AED5-0768-93C430170D08}"/>
+              </a:ext>
+            </a:extLst>
+          </p:cNvPr>
+          <p:cNvSpPr txBox="1"/>
+          <p:nvPr/>
+        </p:nvSpPr>
+        <p:spPr>
+          <a:xfrm>
+            <a:off x="651510" y="3389531"/>
+            <a:ext cx="10131876" cy="923330"/>
+          </a:xfrm>
+          <a:prstGeom prst="rect">
+            <a:avLst/>
+          </a:prstGeom>
+          <a:noFill/>
+        </p:spPr>
+        <p:txBody>
+          <a:bodyPr wrap="none" rtlCol="0">
+            <a:spAutoFit/>
+          </a:bodyPr>
+          <a:lstStyle/>
+          <a:p>
+            <a:r>
+              <a:rPr lang="en" altLang="zh-CN" dirty="0"/>
+              <a:t>HTTP/0.9 </a:t>
+            </a:r>
+            <a:r>
+              <a:rPr lang="zh-CN" altLang="en-US" dirty="0"/>
+              <a:t>是于 </a:t>
+            </a:r>
+            <a:r>
+              <a:rPr lang="en-US" altLang="zh-CN" dirty="0"/>
+              <a:t>1991 </a:t>
+            </a:r>
+            <a:r>
+              <a:rPr lang="zh-CN" altLang="en-US" dirty="0"/>
+              <a:t>年提出的，主要用于学术交流，需求很简单</a:t>
+            </a:r>
+            <a:r>
+              <a:rPr lang="en-US" altLang="zh-CN" dirty="0"/>
+              <a:t>——</a:t>
+            </a:r>
+            <a:r>
+              <a:rPr lang="zh-CN" altLang="en-US" dirty="0"/>
+              <a:t>用来在网络之间传递 </a:t>
+            </a:r>
+            <a:r>
+              <a:rPr lang="en" altLang="zh-CN" dirty="0"/>
+              <a:t>HTML </a:t>
+            </a:r>
+            <a:r>
+              <a:rPr lang="zh-CN" altLang="en-US" dirty="0"/>
+              <a:t>超文</a:t>
+            </a:r>
+            <a:endParaRPr lang="en-US" altLang="zh-CN" dirty="0"/>
+          </a:p>
+          <a:p>
+            <a:r>
+              <a:rPr lang="zh-CN" altLang="en-US" dirty="0"/>
+              <a:t>本的内容，所以被称为超文本传输协议。整体来看，它的实现也很简单，采用了基于请求响应的模</a:t>
+            </a:r>
+            <a:endParaRPr lang="en-US" altLang="zh-CN" dirty="0"/>
+          </a:p>
+          <a:p>
+            <a:r>
+              <a:rPr lang="zh-CN" altLang="en-US" dirty="0"/>
+              <a:t>式，从客户端发出请求，服务器返回数据 简单来说，就是规定了</a:t>
+            </a:r>
+            <a:r>
+              <a:rPr lang="en-US" altLang="zh-CN" dirty="0"/>
+              <a:t>http</a:t>
+            </a:r>
+            <a:r>
+              <a:rPr lang="zh-CN" altLang="en-US" dirty="0"/>
+              <a:t> 的格式以及顺序</a:t>
+            </a:r>
+            <a:endParaRPr kumimoji="1" lang="zh-CN" altLang="en-US" dirty="0"/>
+          </a:p>
+        </p:txBody>
+      </p:sp>
+      <p:pic>
+        <p:nvPicPr>
+          <p:cNvPr id="4098" name="Picture 2">
+            <a:extLst>
+              <a:ext uri="{FF2B5EF4-FFF2-40B4-BE49-F238E27FC236}">
+                <a16:creationId xmlns:a16="http://schemas.microsoft.com/office/drawing/2014/main" id="{7CAAEA9F-B47C-EC26-43E9-FC1CA978DF54}"/>
+              </a:ext>
+            </a:extLst>
+          </p:cNvPr>
+          <p:cNvPicPr>
+            <a:picLocks noChangeAspect="1" noChangeArrowheads="1"/>
+          </p:cNvPicPr>
+          <p:nvPr/>
+        </p:nvPicPr>
+        <p:blipFill>
+          <a:blip r:embed="rId4">
+            <a:extLst>
+              <a:ext uri="{28A0092B-C50C-407E-A947-70E740481C1C}">
+                <a14:useLocalDpi xmlns:a14="http://schemas.microsoft.com/office/drawing/2010/main" val="0"/>
+              </a:ext>
+            </a:extLst>
+          </a:blip>
+          <a:srcRect/>
+          <a:stretch>
+            <a:fillRect/>
+          </a:stretch>
+        </p:blipFill>
+        <p:spPr bwMode="auto">
+          <a:xfrm>
+            <a:off x="955224" y="4507775"/>
+            <a:ext cx="9343206" cy="2087623"/>
+          </a:xfrm>
+          <a:prstGeom prst="rect">
+            <a:avLst/>
+          </a:prstGeom>
+          <a:noFill/>
+          <a:extLst>
+            <a:ext uri="{909E8E84-426E-40DD-AFC4-6F175D3DCCD1}">
+              <a14:hiddenFill xmlns:a14="http://schemas.microsoft.com/office/drawing/2010/main">
+                <a:solidFill>
+                  <a:srgbClr val="FFFFFF"/>
+                </a:solidFill>
+              </a14:hiddenFill>
+            </a:ext>
+          </a:extLst>
+        </p:spPr>
+      </p:pic>
+    </p:spTree>
+    <p:extLst>
+      <p:ext uri="{BB962C8B-B14F-4D97-AF65-F5344CB8AC3E}">
+        <p14:creationId xmlns:p14="http://schemas.microsoft.com/office/powerpoint/2010/main" val="2162533676"/>
+      </p:ext>
+    </p:extLst>
+  </p:cSld>
+  <p:clrMapOvr>
+    <a:masterClrMapping/>
+  </p:clrMapOvr>
+</p:sld>
+</file>
+
+<file path=ppt/slides/slide8.xml><?xml version="1.0" encoding="utf-8"?>
+<p:sld xmlns:a="http://schemas.openxmlformats.org/drawingml/2006/main" xmlns:r="http://schemas.openxmlformats.org/officeDocument/2006/relationships" xmlns:p="http://schemas.openxmlformats.org/presentationml/2006/main">
+  <p:cSld>
+    <p:spTree>
+      <p:nvGrpSpPr>
+        <p:cNvPr id="1" name=""/>
+        <p:cNvGrpSpPr/>
+        <p:nvPr/>
+      </p:nvGrpSpPr>
+      <p:grpSpPr>
+        <a:xfrm>
+          <a:off x="0" y="0"/>
+          <a:ext cx="0" cy="0"/>
+          <a:chOff x="0" y="0"/>
+          <a:chExt cx="0" cy="0"/>
+        </a:xfrm>
+      </p:grpSpPr>
+      <p:sp>
+        <p:nvSpPr>
+          <p:cNvPr id="2" name="标题 1">
+            <a:extLst>
+              <a:ext uri="{FF2B5EF4-FFF2-40B4-BE49-F238E27FC236}">
+                <a16:creationId xmlns:a16="http://schemas.microsoft.com/office/drawing/2014/main" id="{D282AFDE-0666-2B03-BDEC-390C86E7C7AA}"/>
+              </a:ext>
+            </a:extLst>
+          </p:cNvPr>
+          <p:cNvSpPr>
+            <a:spLocks noGrp="1"/>
+          </p:cNvSpPr>
+          <p:nvPr>
+            <p:ph type="title"/>
+          </p:nvPr>
+        </p:nvSpPr>
+        <p:spPr/>
+        <p:txBody>
+          <a:bodyPr/>
+          <a:lstStyle/>
+          <a:p>
+            <a:r>
+              <a:rPr kumimoji="1" lang="zh-CN" altLang="en-US" sz="2000" dirty="0"/>
+              <a:t>浏览器中的网络协议</a:t>
+            </a:r>
+            <a:endParaRPr kumimoji="1" lang="zh-CN" altLang="en-US" dirty="0"/>
+          </a:p>
+        </p:txBody>
+      </p:sp>
+      <p:sp>
+        <p:nvSpPr>
+          <p:cNvPr id="3" name="文本框 2">
+            <a:extLst>
+              <a:ext uri="{FF2B5EF4-FFF2-40B4-BE49-F238E27FC236}">
+                <a16:creationId xmlns:a16="http://schemas.microsoft.com/office/drawing/2014/main" id="{7020BBE5-9054-6715-C981-61593D023074}"/>
+              </a:ext>
+            </a:extLst>
+          </p:cNvPr>
+          <p:cNvSpPr txBox="1"/>
+          <p:nvPr/>
+        </p:nvSpPr>
+        <p:spPr>
+          <a:xfrm>
+            <a:off x="388620" y="1131570"/>
+            <a:ext cx="7229415" cy="369332"/>
+          </a:xfrm>
+          <a:prstGeom prst="rect">
+            <a:avLst/>
+          </a:prstGeom>
+          <a:noFill/>
+        </p:spPr>
+        <p:txBody>
+          <a:bodyPr wrap="none" rtlCol="0">
+            <a:spAutoFit/>
+          </a:bodyPr>
+          <a:lstStyle/>
+          <a:p>
+            <a:r>
+              <a:rPr kumimoji="1" lang="zh-CN" altLang="en-US" dirty="0"/>
+              <a:t>由于互联网慢慢的兴起，原本的协议出现了问题， 开始了不断的迭代</a:t>
+            </a:r>
+          </a:p>
+        </p:txBody>
+      </p:sp>
+      <p:sp>
+        <p:nvSpPr>
+          <p:cNvPr id="5" name="文本框 4">
+            <a:extLst>
+              <a:ext uri="{FF2B5EF4-FFF2-40B4-BE49-F238E27FC236}">
+                <a16:creationId xmlns:a16="http://schemas.microsoft.com/office/drawing/2014/main" id="{D9E3DE26-AB44-FE9E-CC54-5A606A41022E}"/>
+              </a:ext>
+            </a:extLst>
+          </p:cNvPr>
+          <p:cNvSpPr txBox="1"/>
+          <p:nvPr/>
+        </p:nvSpPr>
+        <p:spPr>
+          <a:xfrm>
+            <a:off x="388620" y="1653512"/>
+            <a:ext cx="10397764" cy="2031325"/>
+          </a:xfrm>
+          <a:prstGeom prst="rect">
+            <a:avLst/>
+          </a:prstGeom>
+          <a:noFill/>
+        </p:spPr>
+        <p:txBody>
+          <a:bodyPr wrap="square">
+            <a:spAutoFit/>
+          </a:bodyPr>
+          <a:lstStyle/>
+          <a:p>
+            <a:pPr algn="l"/>
+            <a:r>
+              <a:rPr lang="en" altLang="zh-CN" b="1" i="0" dirty="0">
+                <a:solidFill>
+                  <a:srgbClr val="2C3E50"/>
+                </a:solidFill>
+                <a:effectLst/>
+                <a:latin typeface="-apple-system"/>
+              </a:rPr>
+              <a:t>HTTP/1.0</a:t>
+            </a:r>
+          </a:p>
+          <a:p>
+            <a:r>
+              <a:rPr lang="en-US" altLang="zh-CN" dirty="0"/>
+              <a:t>1</a:t>
+            </a:r>
+            <a:r>
+              <a:rPr lang="zh-CN" altLang="en-US" dirty="0"/>
+              <a:t>、</a:t>
+            </a:r>
+            <a:r>
+              <a:rPr lang="en" altLang="zh-CN" dirty="0"/>
+              <a:t>HTTP/1.0 </a:t>
+            </a:r>
+            <a:r>
+              <a:rPr lang="zh-CN" altLang="en-US" dirty="0"/>
+              <a:t>引入了请求头和响应头</a:t>
+            </a:r>
+            <a:endParaRPr lang="en-US" altLang="zh-CN" dirty="0"/>
+          </a:p>
+          <a:p>
+            <a:r>
+              <a:rPr lang="en-US" altLang="zh-CN" dirty="0"/>
+              <a:t>2</a:t>
+            </a:r>
+            <a:r>
+              <a:rPr lang="zh-CN" altLang="en-US" dirty="0"/>
+              <a:t>、支持多种类型的文件</a:t>
+            </a:r>
+            <a:endParaRPr lang="en-US" altLang="zh-CN" dirty="0"/>
+          </a:p>
+          <a:p>
+            <a:r>
+              <a:rPr lang="en-US" altLang="zh-CN" dirty="0"/>
+              <a:t>3</a:t>
+            </a:r>
+            <a:r>
+              <a:rPr lang="zh-CN" altLang="en-US" dirty="0"/>
+              <a:t>、支持压缩编码，指定编码类型</a:t>
+            </a:r>
+            <a:endParaRPr lang="en-US" altLang="zh-CN" dirty="0"/>
+          </a:p>
+          <a:p>
+            <a:r>
+              <a:rPr lang="en-US" altLang="zh-CN" dirty="0"/>
+              <a:t>4</a:t>
+            </a:r>
+            <a:r>
+              <a:rPr lang="zh-CN" altLang="en-US" dirty="0"/>
+              <a:t>、添加缓存机制</a:t>
+            </a:r>
+            <a:br>
+              <a:rPr lang="en" altLang="zh-CN" dirty="0"/>
+            </a:br>
+            <a:endParaRPr lang="en" altLang="zh-CN" dirty="0"/>
+          </a:p>
+          <a:p>
+            <a:r>
+              <a:rPr lang="zh-CN" altLang="en-US" dirty="0"/>
+              <a:t>总体就是对于互联网发展之后，老的协议传输数据产生的一些问题，做了一些规范和改进</a:t>
+            </a:r>
+            <a:endParaRPr lang="en" altLang="zh-CN" dirty="0"/>
+          </a:p>
+        </p:txBody>
+      </p:sp>
+      <p:sp>
+        <p:nvSpPr>
+          <p:cNvPr id="6" name="文本框 5">
+            <a:extLst>
+              <a:ext uri="{FF2B5EF4-FFF2-40B4-BE49-F238E27FC236}">
+                <a16:creationId xmlns:a16="http://schemas.microsoft.com/office/drawing/2014/main" id="{244F1E25-E6C9-DD37-562E-0C899289FFFF}"/>
+              </a:ext>
+            </a:extLst>
+          </p:cNvPr>
+          <p:cNvSpPr txBox="1"/>
+          <p:nvPr/>
+        </p:nvSpPr>
+        <p:spPr>
+          <a:xfrm>
+            <a:off x="388620" y="3764220"/>
+            <a:ext cx="10892790" cy="2585323"/>
+          </a:xfrm>
+          <a:prstGeom prst="rect">
+            <a:avLst/>
+          </a:prstGeom>
+          <a:noFill/>
+        </p:spPr>
+        <p:txBody>
+          <a:bodyPr wrap="square" rtlCol="0">
+            <a:spAutoFit/>
+          </a:bodyPr>
+          <a:lstStyle/>
+          <a:p>
+            <a:r>
+              <a:rPr lang="en" altLang="zh-CN" b="1" dirty="0"/>
+              <a:t>HTTP/1.1</a:t>
+            </a:r>
+          </a:p>
+          <a:p>
+            <a:endParaRPr kumimoji="1" lang="en-US" altLang="zh-CN" dirty="0"/>
+          </a:p>
+          <a:p>
+            <a:r>
+              <a:rPr lang="en-US" altLang="zh-CN" b="1" dirty="0"/>
+              <a:t>1</a:t>
+            </a:r>
+            <a:r>
+              <a:rPr lang="zh-CN" altLang="en-US" b="1" dirty="0"/>
+              <a:t>、</a:t>
+            </a:r>
+            <a:r>
+              <a:rPr lang="en-US" altLang="zh-CN" b="1" dirty="0"/>
+              <a:t> </a:t>
+            </a:r>
+            <a:r>
+              <a:rPr lang="zh-CN" altLang="en-US" b="1" dirty="0"/>
+              <a:t>改进持久连接</a:t>
+            </a:r>
+          </a:p>
+          <a:p>
+            <a:r>
+              <a:rPr kumimoji="1" lang="en-US" altLang="zh-CN" dirty="0"/>
+              <a:t>2</a:t>
+            </a:r>
+            <a:r>
+              <a:rPr kumimoji="1" lang="zh-CN" altLang="en-US" dirty="0"/>
+              <a:t>、</a:t>
+            </a:r>
+            <a:r>
+              <a:rPr lang="zh-CN" altLang="en-US" b="1" dirty="0"/>
+              <a:t>客户端 </a:t>
+            </a:r>
+            <a:r>
+              <a:rPr lang="en" altLang="zh-CN" b="1" dirty="0"/>
+              <a:t>Cookie</a:t>
+            </a:r>
+            <a:r>
+              <a:rPr lang="zh-CN" altLang="en" b="1" dirty="0"/>
+              <a:t>、</a:t>
+            </a:r>
+            <a:r>
+              <a:rPr lang="zh-CN" altLang="en-US" b="1" dirty="0"/>
+              <a:t>安全机制</a:t>
+            </a:r>
+            <a:endParaRPr lang="en-US" altLang="zh-CN" b="1" dirty="0"/>
+          </a:p>
+          <a:p>
+            <a:r>
+              <a:rPr lang="en-US" altLang="zh-CN" b="1" dirty="0"/>
+              <a:t>3</a:t>
+            </a:r>
+            <a:r>
+              <a:rPr lang="zh-CN" altLang="en-US" b="1" dirty="0"/>
+              <a:t>、对动态生成的内容提供了完美支持</a:t>
+            </a:r>
+            <a:r>
+              <a:rPr lang="en-US" altLang="zh-CN" b="1" dirty="0"/>
+              <a:t>(</a:t>
+            </a:r>
+            <a:r>
+              <a:rPr lang="zh-CN" altLang="en-US" b="1" dirty="0"/>
+              <a:t>这个重点 引入</a:t>
+            </a:r>
+            <a:r>
+              <a:rPr lang="en" altLang="zh-CN" dirty="0"/>
+              <a:t>Chunk transfer </a:t>
+            </a:r>
+            <a:r>
+              <a:rPr lang="zh-CN" altLang="en-US" dirty="0"/>
+              <a:t>机制可以分片传输内容，每个数据块发送时会附上上个数据块的长度，最后使用一个零长度的块作为发送数据完成的标志。这样就提供了对动态内容的支持。</a:t>
+            </a:r>
+            <a:r>
+              <a:rPr lang="en-US" altLang="zh-CN" b="1" dirty="0"/>
+              <a:t>)</a:t>
+            </a:r>
+          </a:p>
+          <a:p>
+            <a:endParaRPr lang="zh-CN" altLang="en-US" b="1" dirty="0"/>
+          </a:p>
+          <a:p>
+            <a:r>
+              <a:rPr kumimoji="1" lang="en-US" altLang="zh-CN" dirty="0"/>
+              <a:t>4</a:t>
+            </a:r>
+            <a:r>
+              <a:rPr kumimoji="1" lang="zh-CN" altLang="en-US" dirty="0"/>
+              <a:t>、</a:t>
+            </a:r>
+            <a:r>
+              <a:rPr lang="zh-CN" altLang="en-US" b="1" dirty="0"/>
+              <a:t>提供虚拟主机的支持</a:t>
+            </a:r>
+          </a:p>
+        </p:txBody>
+      </p:sp>
+    </p:spTree>
+    <p:extLst>
+      <p:ext uri="{BB962C8B-B14F-4D97-AF65-F5344CB8AC3E}">
+        <p14:creationId xmlns:p14="http://schemas.microsoft.com/office/powerpoint/2010/main" val="1501689055"/>
+      </p:ext>
+    </p:extLst>
+  </p:cSld>
+  <p:clrMapOvr>
+    <a:masterClrMapping/>
+  </p:clrMapOvr>
+</p:sld>
+</file>
+
+<file path=ppt/slides/slide9.xml><?xml version="1.0" encoding="utf-8"?>
+<p:sld xmlns:a="http://schemas.openxmlformats.org/drawingml/2006/main" xmlns:r="http://schemas.openxmlformats.org/officeDocument/2006/relationships" xmlns:p="http://schemas.openxmlformats.org/presentationml/2006/main">
+  <p:cSld>
+    <p:spTree>
+      <p:nvGrpSpPr>
+        <p:cNvPr id="1" name=""/>
+        <p:cNvGrpSpPr/>
+        <p:nvPr/>
+      </p:nvGrpSpPr>
+      <p:grpSpPr>
+        <a:xfrm>
+          <a:off x="0" y="0"/>
+          <a:ext cx="0" cy="0"/>
+          <a:chOff x="0" y="0"/>
+          <a:chExt cx="0" cy="0"/>
+        </a:xfrm>
+      </p:grpSpPr>
+      <p:sp>
+        <p:nvSpPr>
+          <p:cNvPr id="2" name="标题 1">
+            <a:extLst>
+              <a:ext uri="{FF2B5EF4-FFF2-40B4-BE49-F238E27FC236}">
+                <a16:creationId xmlns:a16="http://schemas.microsoft.com/office/drawing/2014/main" id="{C8567C9F-4F1C-339A-ACD7-0FF97C5694E6}"/>
+              </a:ext>
+            </a:extLst>
+          </p:cNvPr>
+          <p:cNvSpPr>
+            <a:spLocks noGrp="1"/>
+          </p:cNvSpPr>
+          <p:nvPr>
+            <p:ph type="title"/>
+          </p:nvPr>
+        </p:nvSpPr>
+        <p:spPr/>
+        <p:txBody>
+          <a:bodyPr/>
+          <a:lstStyle/>
+          <a:p>
+            <a:r>
+              <a:rPr kumimoji="1" lang="zh-CN" altLang="en-US" sz="2400" dirty="0"/>
+              <a:t>浏览器中的网络协议</a:t>
+            </a:r>
+            <a:endParaRPr kumimoji="1" lang="zh-CN" altLang="en-US" dirty="0"/>
+          </a:p>
+        </p:txBody>
+      </p:sp>
+      <p:sp>
+        <p:nvSpPr>
+          <p:cNvPr id="3" name="文本框 2">
+            <a:extLst>
+              <a:ext uri="{FF2B5EF4-FFF2-40B4-BE49-F238E27FC236}">
+                <a16:creationId xmlns:a16="http://schemas.microsoft.com/office/drawing/2014/main" id="{8FED5279-6363-EA80-CF9E-57D3B00308D1}"/>
+              </a:ext>
+            </a:extLst>
+          </p:cNvPr>
+          <p:cNvSpPr txBox="1"/>
+          <p:nvPr/>
+        </p:nvSpPr>
+        <p:spPr>
+          <a:xfrm>
+            <a:off x="514350" y="1108710"/>
+            <a:ext cx="10172700" cy="2862322"/>
+          </a:xfrm>
+          <a:prstGeom prst="rect">
+            <a:avLst/>
+          </a:prstGeom>
+          <a:noFill/>
+        </p:spPr>
+        <p:txBody>
+          <a:bodyPr wrap="square" rtlCol="0">
+            <a:spAutoFit/>
+          </a:bodyPr>
+          <a:lstStyle/>
+          <a:p>
+            <a:r>
+              <a:rPr lang="en" altLang="zh-CN" b="1" dirty="0"/>
+              <a:t>HTTP2</a:t>
+            </a:r>
+            <a:r>
+              <a:rPr lang="zh-CN" altLang="en-US" b="1" dirty="0"/>
+              <a:t> </a:t>
+            </a:r>
+            <a:endParaRPr lang="en-US" altLang="zh-CN" b="1" dirty="0"/>
+          </a:p>
+          <a:p>
+            <a:endParaRPr lang="en-US" altLang="zh-CN" b="1" dirty="0"/>
+          </a:p>
+          <a:p>
+            <a:r>
+              <a:rPr lang="en-US" altLang="zh-CN" b="1" dirty="0"/>
+              <a:t>Http1.1</a:t>
+            </a:r>
+            <a:r>
+              <a:rPr kumimoji="1" lang="zh-CN" altLang="en-US" b="1" dirty="0"/>
+              <a:t>使用过程中没啥问题， 现在的多数网站也还在用 ，但是架不住，大佬爱折腾啊，由于他最初的的设计限制，还具有可优化空间 ，于是诞生了</a:t>
+            </a:r>
+            <a:r>
+              <a:rPr kumimoji="1" lang="en-US" altLang="zh-CN" b="1" dirty="0"/>
+              <a:t>http2</a:t>
+            </a:r>
+          </a:p>
+          <a:p>
+            <a:endParaRPr kumimoji="1" lang="en-US" altLang="zh-CN" b="1" dirty="0"/>
+          </a:p>
+          <a:p>
+            <a:r>
+              <a:rPr lang="en-US" altLang="zh-CN" b="1" dirty="0"/>
+              <a:t>1</a:t>
+            </a:r>
+            <a:r>
+              <a:rPr lang="zh-CN" altLang="en-US" b="1" dirty="0"/>
+              <a:t>、</a:t>
+            </a:r>
+            <a:r>
+              <a:rPr lang="en" altLang="zh-CN" b="1" dirty="0"/>
+              <a:t>HTTP/2 </a:t>
+            </a:r>
+            <a:r>
+              <a:rPr lang="zh-CN" altLang="en-US" b="1" dirty="0"/>
+              <a:t>的多路复用（最重要，解决了建立多个</a:t>
+            </a:r>
+            <a:r>
+              <a:rPr lang="en-US" altLang="zh-CN" b="1" dirty="0" err="1"/>
+              <a:t>tpc</a:t>
+            </a:r>
+            <a:r>
+              <a:rPr lang="zh-CN" altLang="en-US" b="1" dirty="0"/>
+              <a:t> 产生带宽浪费）</a:t>
+            </a:r>
+          </a:p>
+          <a:p>
+            <a:r>
+              <a:rPr lang="en-US" altLang="zh-CN" b="1" dirty="0"/>
+              <a:t>2</a:t>
+            </a:r>
+            <a:r>
+              <a:rPr lang="zh-CN" altLang="en-US" b="1" dirty="0"/>
+              <a:t>、可以设置请求的优先级</a:t>
+            </a:r>
+          </a:p>
+          <a:p>
+            <a:r>
+              <a:rPr lang="en-US" altLang="zh-CN" b="1" dirty="0"/>
+              <a:t>3</a:t>
+            </a:r>
+            <a:r>
+              <a:rPr lang="zh-CN" altLang="en-US" b="1" dirty="0"/>
+              <a:t>、服务器推送</a:t>
+            </a:r>
+            <a:endParaRPr lang="en-US" altLang="zh-CN" b="1" dirty="0"/>
+          </a:p>
+          <a:p>
+            <a:r>
+              <a:rPr lang="en-US" altLang="zh-CN" b="1" dirty="0"/>
+              <a:t>4</a:t>
+            </a:r>
+            <a:r>
+              <a:rPr lang="zh-CN" altLang="en-US" b="1" dirty="0"/>
+              <a:t>、头部压缩</a:t>
+            </a:r>
+          </a:p>
+          <a:p>
+            <a:endParaRPr lang="en" altLang="zh-CN" b="1" dirty="0"/>
+          </a:p>
+        </p:txBody>
+      </p:sp>
+      <p:sp>
+        <p:nvSpPr>
+          <p:cNvPr id="4" name="文本框 3">
+            <a:extLst>
+              <a:ext uri="{FF2B5EF4-FFF2-40B4-BE49-F238E27FC236}">
+                <a16:creationId xmlns:a16="http://schemas.microsoft.com/office/drawing/2014/main" id="{0A99292E-6CA6-1570-A2FD-BA472938B1D6}"/>
+              </a:ext>
+            </a:extLst>
+          </p:cNvPr>
+          <p:cNvSpPr txBox="1"/>
+          <p:nvPr/>
+        </p:nvSpPr>
+        <p:spPr>
+          <a:xfrm>
+            <a:off x="514350" y="3971032"/>
+            <a:ext cx="9883414" cy="2862322"/>
+          </a:xfrm>
+          <a:prstGeom prst="rect">
+            <a:avLst/>
+          </a:prstGeom>
+          <a:noFill/>
+        </p:spPr>
+        <p:txBody>
+          <a:bodyPr wrap="square" rtlCol="0">
+            <a:spAutoFit/>
+          </a:bodyPr>
+          <a:lstStyle/>
+          <a:p>
+            <a:r>
+              <a:rPr lang="en" altLang="zh-CN" b="1" dirty="0"/>
+              <a:t>HTTP3</a:t>
+            </a:r>
+          </a:p>
+          <a:p>
+            <a:endParaRPr lang="en" altLang="zh-CN" b="1" dirty="0"/>
+          </a:p>
+          <a:p>
+            <a:r>
+              <a:rPr lang="zh-CN" altLang="en-US" b="1" dirty="0"/>
+              <a:t> 我们知道</a:t>
+            </a:r>
+            <a:r>
+              <a:rPr lang="en-US" altLang="zh-CN" b="1" dirty="0"/>
+              <a:t>http2</a:t>
+            </a:r>
+            <a:r>
+              <a:rPr lang="zh-CN" altLang="en-US" b="1" dirty="0"/>
+              <a:t> 是基于</a:t>
+            </a:r>
+            <a:r>
+              <a:rPr lang="en-US" altLang="zh-CN" b="1" dirty="0" err="1"/>
+              <a:t>tcp</a:t>
+            </a:r>
+            <a:r>
+              <a:rPr lang="zh-CN" altLang="en-US" b="1" dirty="0"/>
+              <a:t>  ，在现有的规则下的性能利用已经到了顶梁门了，没有优化空间了，于是，</a:t>
+            </a:r>
+            <a:r>
+              <a:rPr lang="en-US" altLang="zh-CN" b="1" dirty="0"/>
+              <a:t>http3</a:t>
+            </a:r>
+            <a:r>
+              <a:rPr lang="zh-CN" altLang="en-US" b="1" dirty="0"/>
+              <a:t>出世</a:t>
+            </a:r>
+            <a:endParaRPr lang="en-US" altLang="zh-CN" b="1" dirty="0"/>
+          </a:p>
+          <a:p>
+            <a:r>
+              <a:rPr lang="zh-CN" altLang="en-US" b="1" dirty="0"/>
+              <a:t> 甩掉</a:t>
+            </a:r>
+            <a:r>
+              <a:rPr lang="en" altLang="zh-CN" b="1" dirty="0"/>
+              <a:t>TCP</a:t>
+            </a:r>
+            <a:r>
+              <a:rPr lang="zh-CN" altLang="en" b="1" dirty="0"/>
+              <a:t>、</a:t>
+            </a:r>
+            <a:r>
+              <a:rPr lang="en" altLang="zh-CN" b="1" dirty="0"/>
+              <a:t>TCL</a:t>
+            </a:r>
+            <a:r>
+              <a:rPr lang="zh-CN" altLang="en-US" b="1" dirty="0"/>
+              <a:t>协议。从头开始基于</a:t>
+            </a:r>
+            <a:r>
+              <a:rPr lang="en" altLang="zh-CN" dirty="0"/>
+              <a:t>UDP</a:t>
+            </a:r>
+            <a:r>
+              <a:rPr lang="zh-CN" altLang="en" dirty="0"/>
+              <a:t>。</a:t>
+            </a:r>
+            <a:r>
+              <a:rPr lang="zh-CN" altLang="en-US" dirty="0"/>
+              <a:t>发明了个</a:t>
+            </a:r>
+            <a:r>
+              <a:rPr lang="en" altLang="zh-CN" b="1" dirty="0"/>
+              <a:t>QUIC </a:t>
+            </a:r>
+            <a:r>
+              <a:rPr lang="zh-CN" altLang="en-US" b="1" dirty="0"/>
+              <a:t>协议</a:t>
+            </a:r>
+          </a:p>
+          <a:p>
+            <a:endParaRPr lang="en-US" altLang="zh-CN" b="1" dirty="0"/>
+          </a:p>
+          <a:p>
+            <a:endParaRPr lang="en-US" altLang="zh-CN" b="1" dirty="0"/>
+          </a:p>
+          <a:p>
+            <a:endParaRPr lang="zh-CN" altLang="en-US" b="1" dirty="0"/>
+          </a:p>
+          <a:p>
+            <a:br>
+              <a:rPr lang="zh-CN" altLang="en-US" dirty="0"/>
+            </a:br>
+            <a:endParaRPr lang="en" altLang="zh-CN" b="1" dirty="0"/>
+          </a:p>
+        </p:txBody>
+      </p:sp>
+    </p:spTree>
+    <p:extLst>
+      <p:ext uri="{BB962C8B-B14F-4D97-AF65-F5344CB8AC3E}">
+        <p14:creationId xmlns:p14="http://schemas.microsoft.com/office/powerpoint/2010/main" val="3751161464"/>
       </p:ext>
     </p:extLst>
   </p:cSld>

--- a/浏览器工作原理.pptx
+++ b/浏览器工作原理.pptx
@@ -893,6 +893,90 @@
 </file>
 
 <file path=ppt/notesSlides/notesSlide13.xml><?xml version="1.0" encoding="utf-8"?>
+<p:notes xmlns:a="http://schemas.openxmlformats.org/drawingml/2006/main" xmlns:r="http://schemas.openxmlformats.org/officeDocument/2006/relationships" xmlns:p="http://schemas.openxmlformats.org/presentationml/2006/main">
+  <p:cSld>
+    <p:spTree>
+      <p:nvGrpSpPr>
+        <p:cNvPr id="1" name=""/>
+        <p:cNvGrpSpPr/>
+        <p:nvPr/>
+      </p:nvGrpSpPr>
+      <p:grpSpPr>
+        <a:xfrm>
+          <a:off x="0" y="0"/>
+          <a:ext cx="0" cy="0"/>
+          <a:chOff x="0" y="0"/>
+          <a:chExt cx="0" cy="0"/>
+        </a:xfrm>
+      </p:grpSpPr>
+      <p:sp>
+        <p:nvSpPr>
+          <p:cNvPr id="2" name="幻灯片图像占位符 1"/>
+          <p:cNvSpPr>
+            <a:spLocks noGrp="1" noRot="1" noChangeAspect="1"/>
+          </p:cNvSpPr>
+          <p:nvPr>
+            <p:ph type="sldImg"/>
+          </p:nvPr>
+        </p:nvSpPr>
+        <p:spPr/>
+      </p:sp>
+      <p:sp>
+        <p:nvSpPr>
+          <p:cNvPr id="3" name="备注占位符 2"/>
+          <p:cNvSpPr>
+            <a:spLocks noGrp="1"/>
+          </p:cNvSpPr>
+          <p:nvPr>
+            <p:ph type="body" idx="1"/>
+          </p:nvPr>
+        </p:nvSpPr>
+        <p:spPr/>
+        <p:txBody>
+          <a:bodyPr/>
+          <a:lstStyle/>
+          <a:p>
+            <a:endParaRPr kumimoji="1" lang="zh-CN" altLang="en-US" dirty="0"/>
+          </a:p>
+        </p:txBody>
+      </p:sp>
+      <p:sp>
+        <p:nvSpPr>
+          <p:cNvPr id="4" name="灯片编号占位符 3"/>
+          <p:cNvSpPr>
+            <a:spLocks noGrp="1"/>
+          </p:cNvSpPr>
+          <p:nvPr>
+            <p:ph type="sldNum" sz="quarter" idx="5"/>
+          </p:nvPr>
+        </p:nvSpPr>
+        <p:spPr/>
+        <p:txBody>
+          <a:bodyPr/>
+          <a:lstStyle/>
+          <a:p>
+            <a:fld id="{A6837353-30EB-4A48-80EB-173D804AEFBD}" type="slidenum">
+              <a:rPr lang="zh-CN" altLang="en-US" smtClean="0"/>
+              <a:t>24</a:t>
+            </a:fld>
+            <a:endParaRPr lang="zh-CN" altLang="en-US"/>
+          </a:p>
+        </p:txBody>
+      </p:sp>
+    </p:spTree>
+    <p:extLst>
+      <p:ext uri="{BB962C8B-B14F-4D97-AF65-F5344CB8AC3E}">
+        <p14:creationId xmlns:p14="http://schemas.microsoft.com/office/powerpoint/2010/main" val="1062929416"/>
+      </p:ext>
+    </p:extLst>
+  </p:cSld>
+  <p:clrMapOvr>
+    <a:masterClrMapping/>
+  </p:clrMapOvr>
+</p:notes>
+</file>
+
+<file path=ppt/notesSlides/notesSlide14.xml><?xml version="1.0" encoding="utf-8"?>
 <p:notes xmlns:a="http://schemas.openxmlformats.org/drawingml/2006/main" xmlns:r="http://schemas.openxmlformats.org/officeDocument/2006/relationships" xmlns:p="http://schemas.openxmlformats.org/presentationml/2006/main">
   <p:cSld>
     <p:spTree>
@@ -14439,35 +14523,6 @@
           <a:chExt cx="0" cy="0"/>
         </a:xfrm>
       </p:grpSpPr>
-      <p:pic>
-        <p:nvPicPr>
-          <p:cNvPr id="149506" name="图片 5"/>
-          <p:cNvPicPr>
-            <a:picLocks noChangeAspect="1"/>
-          </p:cNvPicPr>
-          <p:nvPr/>
-        </p:nvPicPr>
-        <p:blipFill>
-          <a:blip r:embed="rId3"/>
-          <a:stretch>
-            <a:fillRect/>
-          </a:stretch>
-        </p:blipFill>
-        <p:spPr>
-          <a:xfrm>
-            <a:off x="888864" y="3008313"/>
-            <a:ext cx="2117725" cy="706437"/>
-          </a:xfrm>
-          <a:prstGeom prst="rect">
-            <a:avLst/>
-          </a:prstGeom>
-          <a:noFill/>
-          <a:ln w="9525">
-            <a:noFill/>
-            <a:miter/>
-          </a:ln>
-        </p:spPr>
-      </p:pic>
       <p:sp>
         <p:nvSpPr>
           <p:cNvPr id="7" name="文本框 6"/>
@@ -14476,7 +14531,7 @@
         </p:nvSpPr>
         <p:spPr>
           <a:xfrm>
-            <a:off x="3489975" y="3038365"/>
+            <a:off x="3718575" y="2684035"/>
             <a:ext cx="4339650" cy="646331"/>
           </a:xfrm>
           <a:prstGeom prst="rect">
@@ -14531,43 +14586,6 @@
           </a:p>
         </p:txBody>
       </p:sp>
-      <p:cxnSp>
-        <p:nvCxnSpPr>
-          <p:cNvPr id="8" name="直接连接符 11"/>
-          <p:cNvCxnSpPr/>
-          <p:nvPr/>
-        </p:nvCxnSpPr>
-        <p:spPr>
-          <a:xfrm>
-            <a:off x="3300277" y="2962275"/>
-            <a:ext cx="0" cy="800100"/>
-          </a:xfrm>
-          <a:prstGeom prst="line">
-            <a:avLst/>
-          </a:prstGeom>
-          <a:ln>
-            <a:solidFill>
-              <a:schemeClr val="bg1">
-                <a:lumMod val="65000"/>
-              </a:schemeClr>
-            </a:solidFill>
-          </a:ln>
-        </p:spPr>
-        <p:style>
-          <a:lnRef idx="1">
-            <a:schemeClr val="accent1"/>
-          </a:lnRef>
-          <a:fillRef idx="0">
-            <a:schemeClr val="accent1"/>
-          </a:fillRef>
-          <a:effectRef idx="0">
-            <a:schemeClr val="accent1"/>
-          </a:effectRef>
-          <a:fontRef idx="minor">
-            <a:schemeClr val="tx1"/>
-          </a:fontRef>
-        </p:style>
-      </p:cxnSp>
       <p:sp>
         <p:nvSpPr>
           <p:cNvPr id="9" name="文本框 8"/>
@@ -14663,123 +14681,6 @@
           </a:p>
         </p:txBody>
       </p:sp>
-      <p:pic>
-        <p:nvPicPr>
-          <p:cNvPr id="13" name="图片 12">
-            <a:extLst>
-              <a:ext uri="{FF2B5EF4-FFF2-40B4-BE49-F238E27FC236}">
-                <a16:creationId xmlns:a16="http://schemas.microsoft.com/office/drawing/2014/main" id="{E21BC3EF-291E-A044-9D6A-CE183D9BA524}"/>
-              </a:ext>
-            </a:extLst>
-          </p:cNvPr>
-          <p:cNvPicPr>
-            <a:picLocks noChangeAspect="1"/>
-          </p:cNvPicPr>
-          <p:nvPr/>
-        </p:nvPicPr>
-        <p:blipFill>
-          <a:blip r:embed="rId4">
-            <a:extLst>
-              <a:ext uri="{28A0092B-C50C-407E-A947-70E740481C1C}">
-                <a14:useLocalDpi xmlns:a14="http://schemas.microsoft.com/office/drawing/2010/main" val="0"/>
-              </a:ext>
-            </a:extLst>
-          </a:blip>
-          <a:stretch>
-            <a:fillRect/>
-          </a:stretch>
-        </p:blipFill>
-        <p:spPr>
-          <a:xfrm>
-            <a:off x="8946757" y="375221"/>
-            <a:ext cx="432922" cy="385500"/>
-          </a:xfrm>
-          <a:prstGeom prst="rect">
-            <a:avLst/>
-          </a:prstGeom>
-        </p:spPr>
-      </p:pic>
-      <p:sp>
-        <p:nvSpPr>
-          <p:cNvPr id="14" name="文本框 13">
-            <a:extLst>
-              <a:ext uri="{FF2B5EF4-FFF2-40B4-BE49-F238E27FC236}">
-                <a16:creationId xmlns:a16="http://schemas.microsoft.com/office/drawing/2014/main" id="{5C512FDD-ED34-554C-A216-3F8FA1E60EA8}"/>
-              </a:ext>
-            </a:extLst>
-          </p:cNvPr>
-          <p:cNvSpPr txBox="1"/>
-          <p:nvPr/>
-        </p:nvSpPr>
-        <p:spPr>
-          <a:xfrm>
-            <a:off x="9571936" y="352528"/>
-            <a:ext cx="2188723" cy="430887"/>
-          </a:xfrm>
-          <a:prstGeom prst="rect">
-            <a:avLst/>
-          </a:prstGeom>
-          <a:noFill/>
-        </p:spPr>
-        <p:txBody>
-          <a:bodyPr wrap="square" rtlCol="0">
-            <a:spAutoFit/>
-          </a:bodyPr>
-          <a:lstStyle/>
-          <a:p>
-            <a:pPr algn="dist"/>
-            <a:r>
-              <a:rPr kumimoji="1" lang="zh-CN" altLang="en-US" sz="2200" b="1" dirty="0">
-                <a:solidFill>
-                  <a:srgbClr val="A7A7A9"/>
-                </a:solidFill>
-                <a:latin typeface="SimHei" panose="02010609060101010101" pitchFamily="49" charset="-122"/>
-                <a:ea typeface="SimHei" panose="02010609060101010101" pitchFamily="49" charset="-122"/>
-              </a:rPr>
-              <a:t>招聘技术部</a:t>
-            </a:r>
-          </a:p>
-        </p:txBody>
-      </p:sp>
-      <p:cxnSp>
-        <p:nvCxnSpPr>
-          <p:cNvPr id="16" name="直线连接符 15">
-            <a:extLst>
-              <a:ext uri="{FF2B5EF4-FFF2-40B4-BE49-F238E27FC236}">
-                <a16:creationId xmlns:a16="http://schemas.microsoft.com/office/drawing/2014/main" id="{4635772A-2B3D-264A-9366-D988CBD50696}"/>
-              </a:ext>
-            </a:extLst>
-          </p:cNvPr>
-          <p:cNvCxnSpPr>
-            <a:cxnSpLocks/>
-          </p:cNvCxnSpPr>
-          <p:nvPr/>
-        </p:nvCxnSpPr>
-        <p:spPr>
-          <a:xfrm>
-            <a:off x="9511949" y="371569"/>
-            <a:ext cx="0" cy="392805"/>
-          </a:xfrm>
-          <a:prstGeom prst="line">
-            <a:avLst/>
-          </a:prstGeom>
-          <a:ln w="25400"/>
-        </p:spPr>
-        <p:style>
-          <a:lnRef idx="1">
-            <a:schemeClr val="accent2"/>
-          </a:lnRef>
-          <a:fillRef idx="0">
-            <a:schemeClr val="accent2"/>
-          </a:fillRef>
-          <a:effectRef idx="0">
-            <a:schemeClr val="accent2"/>
-          </a:effectRef>
-          <a:fontRef idx="minor">
-            <a:schemeClr val="tx1"/>
-          </a:fontRef>
-        </p:style>
-      </p:cxnSp>
     </p:spTree>
     <p:extLst>
       <p:ext uri="{BB962C8B-B14F-4D97-AF65-F5344CB8AC3E}">
@@ -17406,7 +17307,7 @@
         <p:spPr>
           <a:xfrm>
             <a:off x="371474" y="1989802"/>
-            <a:ext cx="10397763" cy="2308324"/>
+            <a:ext cx="10397763" cy="2862322"/>
           </a:xfrm>
           <a:prstGeom prst="rect">
             <a:avLst/>
@@ -17528,6 +17429,32 @@
             <a:r>
               <a:rPr lang="zh-CN" altLang="en-US" dirty="0"/>
               <a:t>标记紧缩）</a:t>
+            </a:r>
+            <a:endParaRPr lang="en-US" altLang="zh-CN" dirty="0"/>
+          </a:p>
+          <a:p>
+            <a:endParaRPr lang="en-US" altLang="zh-CN" dirty="0"/>
+          </a:p>
+          <a:p>
+            <a:r>
+              <a:rPr lang="zh-CN" altLang="en-US" dirty="0"/>
+              <a:t>其实跟</a:t>
+            </a:r>
+            <a:r>
+              <a:rPr lang="en-US" altLang="zh-CN" dirty="0"/>
+              <a:t>java</a:t>
+            </a:r>
+            <a:r>
+              <a:rPr lang="zh-CN" altLang="en-US" dirty="0"/>
+              <a:t>的</a:t>
+            </a:r>
+            <a:r>
+              <a:rPr lang="en-US" altLang="zh-CN" dirty="0" err="1"/>
+              <a:t>jvm</a:t>
+            </a:r>
+            <a:r>
+              <a:rPr lang="zh-CN" altLang="en-US" dirty="0"/>
+              <a:t>一个套路</a:t>
             </a:r>
           </a:p>
         </p:txBody>
@@ -17888,7 +17815,7 @@
           <p:nvPr/>
         </p:nvPicPr>
         <p:blipFill>
-          <a:blip r:embed="rId2"/>
+          <a:blip r:embed="rId3"/>
           <a:stretch>
             <a:fillRect/>
           </a:stretch>
@@ -17918,7 +17845,7 @@
           <p:nvPr/>
         </p:nvPicPr>
         <p:blipFill>
-          <a:blip r:embed="rId3"/>
+          <a:blip r:embed="rId4"/>
           <a:stretch>
             <a:fillRect/>
           </a:stretch>
@@ -18043,6 +17970,41 @@
           </a:extLst>
         </p:spPr>
       </p:pic>
+      <p:sp>
+        <p:nvSpPr>
+          <p:cNvPr id="3" name="文本框 2">
+            <a:extLst>
+              <a:ext uri="{FF2B5EF4-FFF2-40B4-BE49-F238E27FC236}">
+                <a16:creationId xmlns:a16="http://schemas.microsoft.com/office/drawing/2014/main" id="{5A8F3984-116B-AE00-170D-9AA7B2239F90}"/>
+              </a:ext>
+            </a:extLst>
+          </p:cNvPr>
+          <p:cNvSpPr txBox="1"/>
+          <p:nvPr/>
+        </p:nvSpPr>
+        <p:spPr>
+          <a:xfrm>
+            <a:off x="1177290" y="1234440"/>
+            <a:ext cx="1748790" cy="646331"/>
+          </a:xfrm>
+          <a:prstGeom prst="rect">
+            <a:avLst/>
+          </a:prstGeom>
+          <a:noFill/>
+        </p:spPr>
+        <p:txBody>
+          <a:bodyPr wrap="square" rtlCol="0">
+            <a:spAutoFit/>
+          </a:bodyPr>
+          <a:lstStyle/>
+          <a:p>
+            <a:r>
+              <a:rPr kumimoji="1" lang="zh-CN" altLang="en-US" dirty="0"/>
+              <a:t>全局执行上下文</a:t>
+            </a:r>
+          </a:p>
+        </p:txBody>
+      </p:sp>
     </p:spTree>
     <p:extLst>
       <p:ext uri="{BB962C8B-B14F-4D97-AF65-F5344CB8AC3E}">
